--- a/images/theory_analysis/Spark_RDD/Spark_RDD.pptx
+++ b/images/theory_analysis/Spark_RDD/Spark_RDD.pptx
@@ -215,7 +215,7 @@
           <a:p>
             <a:fld id="{6CD5550B-26C4-49A9-A5BA-636EF7BE6CE9}" type="datetimeFigureOut">
               <a:rPr lang="ko-KR" altLang="en-US" smtClean="0"/>
-              <a:t>2023. 8. 26.</a:t>
+              <a:t>2023. 8. 27.</a:t>
             </a:fld>
             <a:endParaRPr lang="ko-KR" altLang="en-US"/>
           </a:p>
@@ -661,7 +661,7 @@
           <a:p>
             <a:fld id="{FB30EDBD-1C2D-4C1E-B459-B60219FAB484}" type="datetimeFigureOut">
               <a:rPr lang="ko-KR" altLang="en-US" smtClean="0"/>
-              <a:t>2023. 8. 26.</a:t>
+              <a:t>2023. 8. 27.</a:t>
             </a:fld>
             <a:endParaRPr lang="ko-KR" altLang="en-US"/>
           </a:p>
@@ -824,7 +824,7 @@
           <a:p>
             <a:fld id="{FB30EDBD-1C2D-4C1E-B459-B60219FAB484}" type="datetimeFigureOut">
               <a:rPr lang="ko-KR" altLang="en-US" smtClean="0"/>
-              <a:t>2023. 8. 26.</a:t>
+              <a:t>2023. 8. 27.</a:t>
             </a:fld>
             <a:endParaRPr lang="ko-KR" altLang="en-US"/>
           </a:p>
@@ -997,7 +997,7 @@
           <a:p>
             <a:fld id="{FB30EDBD-1C2D-4C1E-B459-B60219FAB484}" type="datetimeFigureOut">
               <a:rPr lang="ko-KR" altLang="en-US" smtClean="0"/>
-              <a:t>2023. 8. 26.</a:t>
+              <a:t>2023. 8. 27.</a:t>
             </a:fld>
             <a:endParaRPr lang="ko-KR" altLang="en-US"/>
           </a:p>
@@ -1160,7 +1160,7 @@
           <a:p>
             <a:fld id="{FB30EDBD-1C2D-4C1E-B459-B60219FAB484}" type="datetimeFigureOut">
               <a:rPr lang="ko-KR" altLang="en-US" smtClean="0"/>
-              <a:t>2023. 8. 26.</a:t>
+              <a:t>2023. 8. 27.</a:t>
             </a:fld>
             <a:endParaRPr lang="ko-KR" altLang="en-US"/>
           </a:p>
@@ -1400,7 +1400,7 @@
           <a:p>
             <a:fld id="{FB30EDBD-1C2D-4C1E-B459-B60219FAB484}" type="datetimeFigureOut">
               <a:rPr lang="ko-KR" altLang="en-US" smtClean="0"/>
-              <a:t>2023. 8. 26.</a:t>
+              <a:t>2023. 8. 27.</a:t>
             </a:fld>
             <a:endParaRPr lang="ko-KR" altLang="en-US"/>
           </a:p>
@@ -1680,7 +1680,7 @@
           <a:p>
             <a:fld id="{FB30EDBD-1C2D-4C1E-B459-B60219FAB484}" type="datetimeFigureOut">
               <a:rPr lang="ko-KR" altLang="en-US" smtClean="0"/>
-              <a:t>2023. 8. 26.</a:t>
+              <a:t>2023. 8. 27.</a:t>
             </a:fld>
             <a:endParaRPr lang="ko-KR" altLang="en-US"/>
           </a:p>
@@ -2094,7 +2094,7 @@
           <a:p>
             <a:fld id="{FB30EDBD-1C2D-4C1E-B459-B60219FAB484}" type="datetimeFigureOut">
               <a:rPr lang="ko-KR" altLang="en-US" smtClean="0"/>
-              <a:t>2023. 8. 26.</a:t>
+              <a:t>2023. 8. 27.</a:t>
             </a:fld>
             <a:endParaRPr lang="ko-KR" altLang="en-US"/>
           </a:p>
@@ -2206,7 +2206,7 @@
           <a:p>
             <a:fld id="{FB30EDBD-1C2D-4C1E-B459-B60219FAB484}" type="datetimeFigureOut">
               <a:rPr lang="ko-KR" altLang="en-US" smtClean="0"/>
-              <a:t>2023. 8. 26.</a:t>
+              <a:t>2023. 8. 27.</a:t>
             </a:fld>
             <a:endParaRPr lang="ko-KR" altLang="en-US"/>
           </a:p>
@@ -2296,7 +2296,7 @@
           <a:p>
             <a:fld id="{FB30EDBD-1C2D-4C1E-B459-B60219FAB484}" type="datetimeFigureOut">
               <a:rPr lang="ko-KR" altLang="en-US" smtClean="0"/>
-              <a:t>2023. 8. 26.</a:t>
+              <a:t>2023. 8. 27.</a:t>
             </a:fld>
             <a:endParaRPr lang="ko-KR" altLang="en-US"/>
           </a:p>
@@ -2566,7 +2566,7 @@
           <a:p>
             <a:fld id="{FB30EDBD-1C2D-4C1E-B459-B60219FAB484}" type="datetimeFigureOut">
               <a:rPr lang="ko-KR" altLang="en-US" smtClean="0"/>
-              <a:t>2023. 8. 26.</a:t>
+              <a:t>2023. 8. 27.</a:t>
             </a:fld>
             <a:endParaRPr lang="ko-KR" altLang="en-US"/>
           </a:p>
@@ -2813,7 +2813,7 @@
           <a:p>
             <a:fld id="{FB30EDBD-1C2D-4C1E-B459-B60219FAB484}" type="datetimeFigureOut">
               <a:rPr lang="ko-KR" altLang="en-US" smtClean="0"/>
-              <a:t>2023. 8. 26.</a:t>
+              <a:t>2023. 8. 27.</a:t>
             </a:fld>
             <a:endParaRPr lang="ko-KR" altLang="en-US"/>
           </a:p>
@@ -3019,7 +3019,7 @@
           <a:p>
             <a:fld id="{FB30EDBD-1C2D-4C1E-B459-B60219FAB484}" type="datetimeFigureOut">
               <a:rPr lang="ko-KR" altLang="en-US" smtClean="0"/>
-              <a:t>2023. 8. 26.</a:t>
+              <a:t>2023. 8. 27.</a:t>
             </a:fld>
             <a:endParaRPr lang="ko-KR" altLang="en-US"/>
           </a:p>
@@ -3465,7 +3465,7 @@
           </a:prstGeom>
           <a:solidFill>
             <a:schemeClr val="bg1">
-              <a:lumMod val="95000"/>
+              <a:lumMod val="85000"/>
             </a:schemeClr>
           </a:solidFill>
           <a:ln w="12700"/>
@@ -3670,7 +3670,7 @@
           </a:prstGeom>
           <a:solidFill>
             <a:schemeClr val="bg1">
-              <a:lumMod val="95000"/>
+              <a:lumMod val="85000"/>
             </a:schemeClr>
           </a:solidFill>
           <a:ln w="12700"/>
@@ -4365,7 +4365,7 @@
           </a:prstGeom>
           <a:solidFill>
             <a:schemeClr val="bg1">
-              <a:lumMod val="95000"/>
+              <a:lumMod val="85000"/>
             </a:schemeClr>
           </a:solidFill>
           <a:ln w="12700"/>
@@ -7677,7 +7677,7 @@
           </a:prstGeom>
           <a:solidFill>
             <a:schemeClr val="bg1">
-              <a:lumMod val="95000"/>
+              <a:lumMod val="85000"/>
             </a:schemeClr>
           </a:solidFill>
           <a:ln w="12700"/>

--- a/images/theory_analysis/Spark_RDD/Spark_RDD.pptx
+++ b/images/theory_analysis/Spark_RDD/Spark_RDD.pptx
@@ -5,12 +5,13 @@
     <p:sldMasterId id="2147483648" r:id="rId1"/>
   </p:sldMasterIdLst>
   <p:notesMasterIdLst>
-    <p:notesMasterId r:id="rId5"/>
+    <p:notesMasterId r:id="rId6"/>
   </p:notesMasterIdLst>
   <p:sldIdLst>
     <p:sldId id="370" r:id="rId2"/>
     <p:sldId id="379" r:id="rId3"/>
     <p:sldId id="378" r:id="rId4"/>
+    <p:sldId id="380" r:id="rId5"/>
   </p:sldIdLst>
   <p:sldSz cx="9144000" cy="5143500" type="screen16x9"/>
   <p:notesSz cx="6858000" cy="9144000"/>
@@ -3391,6 +3392,239 @@
       </p:grpSpPr>
       <p:sp>
         <p:nvSpPr>
+          <p:cNvPr id="45" name="모서리가 둥근 직사각형 2">
+            <a:extLst>
+              <a:ext uri="{FF2B5EF4-FFF2-40B4-BE49-F238E27FC236}">
+                <a16:creationId xmlns:a16="http://schemas.microsoft.com/office/drawing/2014/main" id="{9158BC73-C0AD-3736-8EDF-633011FAD93A}"/>
+              </a:ext>
+            </a:extLst>
+          </p:cNvPr>
+          <p:cNvSpPr/>
+          <p:nvPr/>
+        </p:nvSpPr>
+        <p:spPr>
+          <a:xfrm>
+            <a:off x="7263247" y="2310038"/>
+            <a:ext cx="426050" cy="1308650"/>
+          </a:xfrm>
+          <a:prstGeom prst="roundRect">
+            <a:avLst>
+              <a:gd name="adj" fmla="val 13068"/>
+            </a:avLst>
+          </a:prstGeom>
+          <a:ln w="12700"/>
+        </p:spPr>
+        <p:style>
+          <a:lnRef idx="2">
+            <a:schemeClr val="dk1"/>
+          </a:lnRef>
+          <a:fillRef idx="1">
+            <a:schemeClr val="lt1"/>
+          </a:fillRef>
+          <a:effectRef idx="0">
+            <a:schemeClr val="dk1"/>
+          </a:effectRef>
+          <a:fontRef idx="minor">
+            <a:schemeClr val="dk1"/>
+          </a:fontRef>
+        </p:style>
+        <p:txBody>
+          <a:bodyPr rtlCol="0" anchor="ctr"/>
+          <a:lstStyle/>
+          <a:p>
+            <a:pPr algn="ctr"/>
+            <a:endParaRPr lang="ko-KR" altLang="en-US" sz="1000" b="1"/>
+          </a:p>
+        </p:txBody>
+      </p:sp>
+      <p:sp>
+        <p:nvSpPr>
+          <p:cNvPr id="47" name="Oval 46">
+            <a:extLst>
+              <a:ext uri="{FF2B5EF4-FFF2-40B4-BE49-F238E27FC236}">
+                <a16:creationId xmlns:a16="http://schemas.microsoft.com/office/drawing/2014/main" id="{CB2F8F04-88C2-F1DD-52FB-AAE1A39621AA}"/>
+              </a:ext>
+            </a:extLst>
+          </p:cNvPr>
+          <p:cNvSpPr/>
+          <p:nvPr/>
+        </p:nvSpPr>
+        <p:spPr>
+          <a:xfrm>
+            <a:off x="7320431" y="2381453"/>
+            <a:ext cx="301724" cy="301724"/>
+          </a:xfrm>
+          <a:prstGeom prst="ellipse">
+            <a:avLst/>
+          </a:prstGeom>
+          <a:solidFill>
+            <a:schemeClr val="bg1"/>
+          </a:solidFill>
+          <a:ln w="12700"/>
+        </p:spPr>
+        <p:style>
+          <a:lnRef idx="2">
+            <a:schemeClr val="accent1">
+              <a:shade val="15000"/>
+            </a:schemeClr>
+          </a:lnRef>
+          <a:fillRef idx="1">
+            <a:schemeClr val="accent1"/>
+          </a:fillRef>
+          <a:effectRef idx="0">
+            <a:schemeClr val="accent1"/>
+          </a:effectRef>
+          <a:fontRef idx="minor">
+            <a:schemeClr val="lt1"/>
+          </a:fontRef>
+        </p:style>
+        <p:txBody>
+          <a:bodyPr rtlCol="0" anchor="ctr"/>
+          <a:lstStyle/>
+          <a:p>
+            <a:pPr algn="ctr"/>
+            <a:r>
+              <a:rPr lang="en-US" sz="1000">
+                <a:solidFill>
+                  <a:schemeClr val="tx1"/>
+                </a:solidFill>
+              </a:rPr>
+              <a:t>p</a:t>
+            </a:r>
+            <a:endParaRPr lang="en-KR" sz="1000">
+              <a:solidFill>
+                <a:schemeClr val="tx1"/>
+              </a:solidFill>
+            </a:endParaRPr>
+          </a:p>
+        </p:txBody>
+      </p:sp>
+      <p:sp>
+        <p:nvSpPr>
+          <p:cNvPr id="48" name="Oval 47">
+            <a:extLst>
+              <a:ext uri="{FF2B5EF4-FFF2-40B4-BE49-F238E27FC236}">
+                <a16:creationId xmlns:a16="http://schemas.microsoft.com/office/drawing/2014/main" id="{51B7F015-8732-D8BF-1FBA-38C0F80EFEAA}"/>
+              </a:ext>
+            </a:extLst>
+          </p:cNvPr>
+          <p:cNvSpPr/>
+          <p:nvPr/>
+        </p:nvSpPr>
+        <p:spPr>
+          <a:xfrm>
+            <a:off x="7320431" y="2813501"/>
+            <a:ext cx="301724" cy="301724"/>
+          </a:xfrm>
+          <a:prstGeom prst="ellipse">
+            <a:avLst/>
+          </a:prstGeom>
+          <a:solidFill>
+            <a:schemeClr val="bg1"/>
+          </a:solidFill>
+          <a:ln w="12700"/>
+        </p:spPr>
+        <p:style>
+          <a:lnRef idx="2">
+            <a:schemeClr val="accent1">
+              <a:shade val="15000"/>
+            </a:schemeClr>
+          </a:lnRef>
+          <a:fillRef idx="1">
+            <a:schemeClr val="accent1"/>
+          </a:fillRef>
+          <a:effectRef idx="0">
+            <a:schemeClr val="accent1"/>
+          </a:effectRef>
+          <a:fontRef idx="minor">
+            <a:schemeClr val="lt1"/>
+          </a:fontRef>
+        </p:style>
+        <p:txBody>
+          <a:bodyPr rtlCol="0" anchor="ctr"/>
+          <a:lstStyle/>
+          <a:p>
+            <a:pPr algn="ctr"/>
+            <a:r>
+              <a:rPr lang="en-US" sz="1000">
+                <a:solidFill>
+                  <a:schemeClr val="tx1"/>
+                </a:solidFill>
+              </a:rPr>
+              <a:t>p</a:t>
+            </a:r>
+            <a:endParaRPr lang="en-KR" sz="1000">
+              <a:solidFill>
+                <a:schemeClr val="tx1"/>
+              </a:solidFill>
+            </a:endParaRPr>
+          </a:p>
+        </p:txBody>
+      </p:sp>
+      <p:sp>
+        <p:nvSpPr>
+          <p:cNvPr id="50" name="Oval 49">
+            <a:extLst>
+              <a:ext uri="{FF2B5EF4-FFF2-40B4-BE49-F238E27FC236}">
+                <a16:creationId xmlns:a16="http://schemas.microsoft.com/office/drawing/2014/main" id="{77701949-C117-32EF-6943-CD8C95840C0D}"/>
+              </a:ext>
+            </a:extLst>
+          </p:cNvPr>
+          <p:cNvSpPr/>
+          <p:nvPr/>
+        </p:nvSpPr>
+        <p:spPr>
+          <a:xfrm>
+            <a:off x="7320431" y="3245549"/>
+            <a:ext cx="301724" cy="301724"/>
+          </a:xfrm>
+          <a:prstGeom prst="ellipse">
+            <a:avLst/>
+          </a:prstGeom>
+          <a:solidFill>
+            <a:schemeClr val="bg1"/>
+          </a:solidFill>
+          <a:ln w="12700"/>
+        </p:spPr>
+        <p:style>
+          <a:lnRef idx="2">
+            <a:schemeClr val="accent1">
+              <a:shade val="15000"/>
+            </a:schemeClr>
+          </a:lnRef>
+          <a:fillRef idx="1">
+            <a:schemeClr val="accent1"/>
+          </a:fillRef>
+          <a:effectRef idx="0">
+            <a:schemeClr val="accent1"/>
+          </a:effectRef>
+          <a:fontRef idx="minor">
+            <a:schemeClr val="lt1"/>
+          </a:fontRef>
+        </p:style>
+        <p:txBody>
+          <a:bodyPr rtlCol="0" anchor="ctr"/>
+          <a:lstStyle/>
+          <a:p>
+            <a:pPr algn="ctr"/>
+            <a:r>
+              <a:rPr lang="en-US" sz="1000">
+                <a:solidFill>
+                  <a:schemeClr val="tx1"/>
+                </a:solidFill>
+              </a:rPr>
+              <a:t>p</a:t>
+            </a:r>
+            <a:endParaRPr lang="en-KR" sz="1000">
+              <a:solidFill>
+                <a:schemeClr val="tx1"/>
+              </a:solidFill>
+            </a:endParaRPr>
+          </a:p>
+        </p:txBody>
+      </p:sp>
+      <p:sp>
+        <p:nvSpPr>
           <p:cNvPr id="2" name="제목 1">
             <a:extLst>
               <a:ext uri="{FF2B5EF4-FFF2-40B4-BE49-F238E27FC236}">
@@ -3538,7 +3772,7 @@
             <a:pPr algn="ctr"/>
             <a:r>
               <a:rPr lang="en-US" altLang="ko-KR" sz="1000"/>
-              <a:t>b</a:t>
+              <a:t>s</a:t>
             </a:r>
             <a:endParaRPr lang="ko-KR" altLang="en-US" sz="1000"/>
           </a:p>
@@ -3589,7 +3823,7 @@
             <a:pPr algn="ctr"/>
             <a:r>
               <a:rPr lang="en-US" altLang="ko-KR" sz="1000"/>
-              <a:t>b</a:t>
+              <a:t>s</a:t>
             </a:r>
             <a:endParaRPr lang="ko-KR" altLang="en-US" sz="1000"/>
           </a:p>
@@ -3640,7 +3874,7 @@
             <a:pPr algn="ctr"/>
             <a:r>
               <a:rPr lang="en-US" altLang="ko-KR" sz="1000"/>
-              <a:t>b</a:t>
+              <a:t>s</a:t>
             </a:r>
             <a:endParaRPr lang="ko-KR" altLang="en-US" sz="1000"/>
           </a:p>
@@ -3743,7 +3977,7 @@
             <a:pPr algn="ctr"/>
             <a:r>
               <a:rPr lang="en-US" altLang="ko-KR" sz="1000"/>
-              <a:t>b</a:t>
+              <a:t>s</a:t>
             </a:r>
             <a:endParaRPr lang="ko-KR" altLang="en-US" sz="1000"/>
           </a:p>
@@ -3794,7 +4028,7 @@
             <a:pPr algn="ctr"/>
             <a:r>
               <a:rPr lang="en-US" altLang="ko-KR" sz="1000"/>
-              <a:t>b</a:t>
+              <a:t>s</a:t>
             </a:r>
             <a:endParaRPr lang="ko-KR" altLang="en-US" sz="1000"/>
           </a:p>
@@ -4438,7 +4672,7 @@
             <a:pPr algn="ctr"/>
             <a:r>
               <a:rPr lang="en-US" altLang="ko-KR" sz="1000"/>
-              <a:t>b</a:t>
+              <a:t>s</a:t>
             </a:r>
             <a:endParaRPr lang="ko-KR" altLang="en-US" sz="1000"/>
           </a:p>
@@ -4489,7 +4723,7 @@
             <a:pPr algn="ctr"/>
             <a:r>
               <a:rPr lang="en-US" altLang="ko-KR" sz="1000"/>
-              <a:t>b</a:t>
+              <a:t>s</a:t>
             </a:r>
             <a:endParaRPr lang="ko-KR" altLang="en-US" sz="1000"/>
           </a:p>
@@ -7653,211 +7887,6 @@
           </a:fontRef>
         </p:style>
       </p:cxnSp>
-      <p:sp>
-        <p:nvSpPr>
-          <p:cNvPr id="242" name="모서리가 둥근 직사각형 2">
-            <a:extLst>
-              <a:ext uri="{FF2B5EF4-FFF2-40B4-BE49-F238E27FC236}">
-                <a16:creationId xmlns:a16="http://schemas.microsoft.com/office/drawing/2014/main" id="{7B4C0B26-0D7D-7DA5-9215-187CCBBCD57A}"/>
-              </a:ext>
-            </a:extLst>
-          </p:cNvPr>
-          <p:cNvSpPr/>
-          <p:nvPr/>
-        </p:nvSpPr>
-        <p:spPr>
-          <a:xfrm>
-            <a:off x="7258525" y="2310038"/>
-            <a:ext cx="426050" cy="1308650"/>
-          </a:xfrm>
-          <a:prstGeom prst="roundRect">
-            <a:avLst>
-              <a:gd name="adj" fmla="val 13068"/>
-            </a:avLst>
-          </a:prstGeom>
-          <a:solidFill>
-            <a:schemeClr val="bg1">
-              <a:lumMod val="85000"/>
-            </a:schemeClr>
-          </a:solidFill>
-          <a:ln w="12700"/>
-        </p:spPr>
-        <p:style>
-          <a:lnRef idx="2">
-            <a:schemeClr val="dk1"/>
-          </a:lnRef>
-          <a:fillRef idx="1">
-            <a:schemeClr val="lt1"/>
-          </a:fillRef>
-          <a:effectRef idx="0">
-            <a:schemeClr val="dk1"/>
-          </a:effectRef>
-          <a:fontRef idx="minor">
-            <a:schemeClr val="dk1"/>
-          </a:fontRef>
-        </p:style>
-        <p:txBody>
-          <a:bodyPr rtlCol="0" anchor="ctr"/>
-          <a:lstStyle/>
-          <a:p>
-            <a:pPr algn="ctr"/>
-            <a:endParaRPr lang="ko-KR" altLang="en-US" sz="1000" b="1"/>
-          </a:p>
-        </p:txBody>
-      </p:sp>
-      <p:sp>
-        <p:nvSpPr>
-          <p:cNvPr id="243" name="모서리가 둥근 직사각형 2">
-            <a:extLst>
-              <a:ext uri="{FF2B5EF4-FFF2-40B4-BE49-F238E27FC236}">
-                <a16:creationId xmlns:a16="http://schemas.microsoft.com/office/drawing/2014/main" id="{7455EC20-2614-1336-999A-1DA130FB2E8F}"/>
-              </a:ext>
-            </a:extLst>
-          </p:cNvPr>
-          <p:cNvSpPr/>
-          <p:nvPr/>
-        </p:nvSpPr>
-        <p:spPr>
-          <a:xfrm>
-            <a:off x="7327534" y="2381453"/>
-            <a:ext cx="288032" cy="301724"/>
-          </a:xfrm>
-          <a:prstGeom prst="roundRect">
-            <a:avLst>
-              <a:gd name="adj" fmla="val 13068"/>
-            </a:avLst>
-          </a:prstGeom>
-          <a:ln w="12700"/>
-        </p:spPr>
-        <p:style>
-          <a:lnRef idx="2">
-            <a:schemeClr val="dk1"/>
-          </a:lnRef>
-          <a:fillRef idx="1">
-            <a:schemeClr val="lt1"/>
-          </a:fillRef>
-          <a:effectRef idx="0">
-            <a:schemeClr val="dk1"/>
-          </a:effectRef>
-          <a:fontRef idx="minor">
-            <a:schemeClr val="dk1"/>
-          </a:fontRef>
-        </p:style>
-        <p:txBody>
-          <a:bodyPr rtlCol="0" anchor="ctr"/>
-          <a:lstStyle/>
-          <a:p>
-            <a:pPr algn="ctr"/>
-            <a:r>
-              <a:rPr lang="en-US" altLang="ko-KR" sz="1000"/>
-              <a:t>r</a:t>
-            </a:r>
-            <a:endParaRPr lang="ko-KR" altLang="en-US" sz="1000"/>
-          </a:p>
-        </p:txBody>
-      </p:sp>
-      <p:sp>
-        <p:nvSpPr>
-          <p:cNvPr id="244" name="모서리가 둥근 직사각형 2">
-            <a:extLst>
-              <a:ext uri="{FF2B5EF4-FFF2-40B4-BE49-F238E27FC236}">
-                <a16:creationId xmlns:a16="http://schemas.microsoft.com/office/drawing/2014/main" id="{C0229ABE-8D7E-8BBC-A5A2-35BE01F19B53}"/>
-              </a:ext>
-            </a:extLst>
-          </p:cNvPr>
-          <p:cNvSpPr/>
-          <p:nvPr/>
-        </p:nvSpPr>
-        <p:spPr>
-          <a:xfrm>
-            <a:off x="7327534" y="2813501"/>
-            <a:ext cx="288032" cy="301724"/>
-          </a:xfrm>
-          <a:prstGeom prst="roundRect">
-            <a:avLst>
-              <a:gd name="adj" fmla="val 13068"/>
-            </a:avLst>
-          </a:prstGeom>
-          <a:ln w="12700"/>
-        </p:spPr>
-        <p:style>
-          <a:lnRef idx="2">
-            <a:schemeClr val="dk1"/>
-          </a:lnRef>
-          <a:fillRef idx="1">
-            <a:schemeClr val="lt1"/>
-          </a:fillRef>
-          <a:effectRef idx="0">
-            <a:schemeClr val="dk1"/>
-          </a:effectRef>
-          <a:fontRef idx="minor">
-            <a:schemeClr val="dk1"/>
-          </a:fontRef>
-        </p:style>
-        <p:txBody>
-          <a:bodyPr rtlCol="0" anchor="ctr"/>
-          <a:lstStyle/>
-          <a:p>
-            <a:pPr algn="ctr"/>
-            <a:r>
-              <a:rPr lang="en-US" altLang="ko-KR" sz="1000"/>
-              <a:t>r</a:t>
-            </a:r>
-            <a:endParaRPr lang="ko-KR" altLang="en-US" sz="1000"/>
-          </a:p>
-        </p:txBody>
-      </p:sp>
-      <p:sp>
-        <p:nvSpPr>
-          <p:cNvPr id="245" name="모서리가 둥근 직사각형 2">
-            <a:extLst>
-              <a:ext uri="{FF2B5EF4-FFF2-40B4-BE49-F238E27FC236}">
-                <a16:creationId xmlns:a16="http://schemas.microsoft.com/office/drawing/2014/main" id="{EA4238FF-F823-7AAA-61D4-E39822294DA6}"/>
-              </a:ext>
-            </a:extLst>
-          </p:cNvPr>
-          <p:cNvSpPr/>
-          <p:nvPr/>
-        </p:nvSpPr>
-        <p:spPr>
-          <a:xfrm>
-            <a:off x="7327534" y="3245549"/>
-            <a:ext cx="288032" cy="301724"/>
-          </a:xfrm>
-          <a:prstGeom prst="roundRect">
-            <a:avLst>
-              <a:gd name="adj" fmla="val 13068"/>
-            </a:avLst>
-          </a:prstGeom>
-          <a:ln w="12700"/>
-        </p:spPr>
-        <p:style>
-          <a:lnRef idx="2">
-            <a:schemeClr val="dk1"/>
-          </a:lnRef>
-          <a:fillRef idx="1">
-            <a:schemeClr val="lt1"/>
-          </a:fillRef>
-          <a:effectRef idx="0">
-            <a:schemeClr val="dk1"/>
-          </a:effectRef>
-          <a:fontRef idx="minor">
-            <a:schemeClr val="dk1"/>
-          </a:fontRef>
-        </p:style>
-        <p:txBody>
-          <a:bodyPr rtlCol="0" anchor="ctr"/>
-          <a:lstStyle/>
-          <a:p>
-            <a:pPr algn="ctr"/>
-            <a:r>
-              <a:rPr lang="en-US" altLang="ko-KR" sz="1000"/>
-              <a:t>r</a:t>
-            </a:r>
-            <a:endParaRPr lang="ko-KR" altLang="en-US" sz="1000"/>
-          </a:p>
-        </p:txBody>
-      </p:sp>
       <p:cxnSp>
         <p:nvCxnSpPr>
           <p:cNvPr id="246" name="Straight Arrow Connector 245">
@@ -7870,14 +7899,14 @@
           <p:cNvCxnSpPr>
             <a:cxnSpLocks/>
             <a:stCxn id="227" idx="6"/>
-            <a:endCxn id="245" idx="1"/>
+            <a:endCxn id="50" idx="2"/>
           </p:cNvCxnSpPr>
           <p:nvPr/>
         </p:nvCxnSpPr>
         <p:spPr>
           <a:xfrm>
             <a:off x="6690999" y="3396411"/>
-            <a:ext cx="636535" cy="0"/>
+            <a:ext cx="629432" cy="0"/>
           </a:xfrm>
           <a:prstGeom prst="straightConnector1">
             <a:avLst/>
@@ -7916,14 +7945,14 @@
           <p:cNvCxnSpPr>
             <a:cxnSpLocks/>
             <a:stCxn id="226" idx="6"/>
-            <a:endCxn id="244" idx="1"/>
+            <a:endCxn id="48" idx="2"/>
           </p:cNvCxnSpPr>
           <p:nvPr/>
         </p:nvCxnSpPr>
         <p:spPr>
           <a:xfrm>
             <a:off x="6690999" y="2964363"/>
-            <a:ext cx="636535" cy="0"/>
+            <a:ext cx="629432" cy="0"/>
           </a:xfrm>
           <a:prstGeom prst="straightConnector1">
             <a:avLst/>
@@ -7962,14 +7991,14 @@
           <p:cNvCxnSpPr>
             <a:cxnSpLocks/>
             <a:stCxn id="225" idx="6"/>
-            <a:endCxn id="243" idx="1"/>
+            <a:endCxn id="47" idx="2"/>
           </p:cNvCxnSpPr>
           <p:nvPr/>
         </p:nvCxnSpPr>
         <p:spPr>
           <a:xfrm>
             <a:off x="6690999" y="2532315"/>
-            <a:ext cx="636535" cy="0"/>
+            <a:ext cx="629432" cy="0"/>
           </a:xfrm>
           <a:prstGeom prst="straightConnector1">
             <a:avLst/>
@@ -8328,6 +8357,403 @@
                 </a:solidFill>
               </a:rPr>
               <a:t>Job</a:t>
+            </a:r>
+          </a:p>
+        </p:txBody>
+      </p:sp>
+      <p:sp>
+        <p:nvSpPr>
+          <p:cNvPr id="7" name="모서리가 둥근 직사각형 2">
+            <a:extLst>
+              <a:ext uri="{FF2B5EF4-FFF2-40B4-BE49-F238E27FC236}">
+                <a16:creationId xmlns:a16="http://schemas.microsoft.com/office/drawing/2014/main" id="{10E3E657-9C3B-D7A4-A415-9FC32D43CEE2}"/>
+              </a:ext>
+            </a:extLst>
+          </p:cNvPr>
+          <p:cNvSpPr/>
+          <p:nvPr/>
+        </p:nvSpPr>
+        <p:spPr>
+          <a:xfrm>
+            <a:off x="4396660" y="4339013"/>
+            <a:ext cx="446228" cy="184948"/>
+          </a:xfrm>
+          <a:prstGeom prst="roundRect">
+            <a:avLst>
+              <a:gd name="adj" fmla="val 13068"/>
+            </a:avLst>
+          </a:prstGeom>
+          <a:ln w="12700"/>
+        </p:spPr>
+        <p:style>
+          <a:lnRef idx="2">
+            <a:schemeClr val="dk1"/>
+          </a:lnRef>
+          <a:fillRef idx="1">
+            <a:schemeClr val="lt1"/>
+          </a:fillRef>
+          <a:effectRef idx="0">
+            <a:schemeClr val="dk1"/>
+          </a:effectRef>
+          <a:fontRef idx="minor">
+            <a:schemeClr val="dk1"/>
+          </a:fontRef>
+        </p:style>
+        <p:txBody>
+          <a:bodyPr rtlCol="0" anchor="ctr"/>
+          <a:lstStyle/>
+          <a:p>
+            <a:pPr algn="ctr"/>
+            <a:endParaRPr lang="ko-KR" altLang="en-US" sz="1000" b="1"/>
+          </a:p>
+        </p:txBody>
+      </p:sp>
+      <p:sp>
+        <p:nvSpPr>
+          <p:cNvPr id="11" name="TextBox 10">
+            <a:extLst>
+              <a:ext uri="{FF2B5EF4-FFF2-40B4-BE49-F238E27FC236}">
+                <a16:creationId xmlns:a16="http://schemas.microsoft.com/office/drawing/2014/main" id="{D17FB6B1-BE6A-8193-C1C2-73A5C84CE75A}"/>
+              </a:ext>
+            </a:extLst>
+          </p:cNvPr>
+          <p:cNvSpPr txBox="1"/>
+          <p:nvPr/>
+        </p:nvSpPr>
+        <p:spPr>
+          <a:xfrm>
+            <a:off x="4822670" y="4304636"/>
+            <a:ext cx="626474" cy="246221"/>
+          </a:xfrm>
+          <a:prstGeom prst="rect">
+            <a:avLst/>
+          </a:prstGeom>
+          <a:noFill/>
+        </p:spPr>
+        <p:txBody>
+          <a:bodyPr wrap="square" rtlCol="0">
+            <a:spAutoFit/>
+          </a:bodyPr>
+          <a:lstStyle/>
+          <a:p>
+            <a:r>
+              <a:rPr lang="en-KR" sz="1000"/>
+              <a:t>: RDD</a:t>
+            </a:r>
+          </a:p>
+        </p:txBody>
+      </p:sp>
+      <p:sp>
+        <p:nvSpPr>
+          <p:cNvPr id="20" name="Oval 19">
+            <a:extLst>
+              <a:ext uri="{FF2B5EF4-FFF2-40B4-BE49-F238E27FC236}">
+                <a16:creationId xmlns:a16="http://schemas.microsoft.com/office/drawing/2014/main" id="{6C5AC236-5C39-1EE0-18B0-D78D453A455B}"/>
+              </a:ext>
+            </a:extLst>
+          </p:cNvPr>
+          <p:cNvSpPr/>
+          <p:nvPr/>
+        </p:nvSpPr>
+        <p:spPr>
+          <a:xfrm>
+            <a:off x="4468912" y="4626518"/>
+            <a:ext cx="301724" cy="301724"/>
+          </a:xfrm>
+          <a:prstGeom prst="ellipse">
+            <a:avLst/>
+          </a:prstGeom>
+          <a:solidFill>
+            <a:schemeClr val="bg1"/>
+          </a:solidFill>
+          <a:ln w="12700"/>
+        </p:spPr>
+        <p:style>
+          <a:lnRef idx="2">
+            <a:schemeClr val="accent1">
+              <a:shade val="15000"/>
+            </a:schemeClr>
+          </a:lnRef>
+          <a:fillRef idx="1">
+            <a:schemeClr val="accent1"/>
+          </a:fillRef>
+          <a:effectRef idx="0">
+            <a:schemeClr val="accent1"/>
+          </a:effectRef>
+          <a:fontRef idx="minor">
+            <a:schemeClr val="lt1"/>
+          </a:fontRef>
+        </p:style>
+        <p:txBody>
+          <a:bodyPr rtlCol="0" anchor="ctr"/>
+          <a:lstStyle/>
+          <a:p>
+            <a:pPr algn="ctr"/>
+            <a:r>
+              <a:rPr lang="en-US" sz="1000">
+                <a:solidFill>
+                  <a:schemeClr val="tx1"/>
+                </a:solidFill>
+              </a:rPr>
+              <a:t>p</a:t>
+            </a:r>
+            <a:endParaRPr lang="en-KR" sz="1000">
+              <a:solidFill>
+                <a:schemeClr val="tx1"/>
+              </a:solidFill>
+            </a:endParaRPr>
+          </a:p>
+        </p:txBody>
+      </p:sp>
+      <p:sp>
+        <p:nvSpPr>
+          <p:cNvPr id="21" name="TextBox 20">
+            <a:extLst>
+              <a:ext uri="{FF2B5EF4-FFF2-40B4-BE49-F238E27FC236}">
+                <a16:creationId xmlns:a16="http://schemas.microsoft.com/office/drawing/2014/main" id="{95205ADF-F181-B1FE-73AF-1685A7C84E78}"/>
+              </a:ext>
+            </a:extLst>
+          </p:cNvPr>
+          <p:cNvSpPr txBox="1"/>
+          <p:nvPr/>
+        </p:nvSpPr>
+        <p:spPr>
+          <a:xfrm>
+            <a:off x="4822670" y="4641547"/>
+            <a:ext cx="836394" cy="246221"/>
+          </a:xfrm>
+          <a:prstGeom prst="rect">
+            <a:avLst/>
+          </a:prstGeom>
+          <a:noFill/>
+        </p:spPr>
+        <p:txBody>
+          <a:bodyPr wrap="square" rtlCol="0">
+            <a:spAutoFit/>
+          </a:bodyPr>
+          <a:lstStyle/>
+          <a:p>
+            <a:r>
+              <a:rPr lang="en-KR" sz="1000"/>
+              <a:t>: Partition</a:t>
+            </a:r>
+          </a:p>
+        </p:txBody>
+      </p:sp>
+      <p:sp>
+        <p:nvSpPr>
+          <p:cNvPr id="23" name="모서리가 둥근 직사각형 2">
+            <a:extLst>
+              <a:ext uri="{FF2B5EF4-FFF2-40B4-BE49-F238E27FC236}">
+                <a16:creationId xmlns:a16="http://schemas.microsoft.com/office/drawing/2014/main" id="{84548D26-AEC5-5CA8-2463-180A62409771}"/>
+              </a:ext>
+            </a:extLst>
+          </p:cNvPr>
+          <p:cNvSpPr/>
+          <p:nvPr/>
+        </p:nvSpPr>
+        <p:spPr>
+          <a:xfrm>
+            <a:off x="5634255" y="4339013"/>
+            <a:ext cx="446228" cy="184948"/>
+          </a:xfrm>
+          <a:prstGeom prst="roundRect">
+            <a:avLst>
+              <a:gd name="adj" fmla="val 13068"/>
+            </a:avLst>
+          </a:prstGeom>
+          <a:solidFill>
+            <a:schemeClr val="bg1">
+              <a:lumMod val="85000"/>
+            </a:schemeClr>
+          </a:solidFill>
+          <a:ln w="12700"/>
+        </p:spPr>
+        <p:style>
+          <a:lnRef idx="2">
+            <a:schemeClr val="dk1"/>
+          </a:lnRef>
+          <a:fillRef idx="1">
+            <a:schemeClr val="lt1"/>
+          </a:fillRef>
+          <a:effectRef idx="0">
+            <a:schemeClr val="dk1"/>
+          </a:effectRef>
+          <a:fontRef idx="minor">
+            <a:schemeClr val="dk1"/>
+          </a:fontRef>
+        </p:style>
+        <p:txBody>
+          <a:bodyPr rtlCol="0" anchor="ctr"/>
+          <a:lstStyle/>
+          <a:p>
+            <a:pPr algn="ctr"/>
+            <a:endParaRPr lang="ko-KR" altLang="en-US" sz="1000" b="1"/>
+          </a:p>
+        </p:txBody>
+      </p:sp>
+      <p:sp>
+        <p:nvSpPr>
+          <p:cNvPr id="24" name="TextBox 23">
+            <a:extLst>
+              <a:ext uri="{FF2B5EF4-FFF2-40B4-BE49-F238E27FC236}">
+                <a16:creationId xmlns:a16="http://schemas.microsoft.com/office/drawing/2014/main" id="{39807597-2B32-EA88-3134-2F72092664F9}"/>
+              </a:ext>
+            </a:extLst>
+          </p:cNvPr>
+          <p:cNvSpPr txBox="1"/>
+          <p:nvPr/>
+        </p:nvSpPr>
+        <p:spPr>
+          <a:xfrm>
+            <a:off x="6068452" y="4304636"/>
+            <a:ext cx="1419860" cy="246221"/>
+          </a:xfrm>
+          <a:prstGeom prst="rect">
+            <a:avLst/>
+          </a:prstGeom>
+          <a:noFill/>
+        </p:spPr>
+        <p:txBody>
+          <a:bodyPr wrap="square" rtlCol="0">
+            <a:spAutoFit/>
+          </a:bodyPr>
+          <a:lstStyle/>
+          <a:p>
+            <a:r>
+              <a:rPr lang="en-KR" sz="1000"/>
+              <a:t>: Filesystem, Storage</a:t>
+            </a:r>
+          </a:p>
+        </p:txBody>
+      </p:sp>
+      <p:sp>
+        <p:nvSpPr>
+          <p:cNvPr id="27" name="모서리가 둥근 직사각형 2">
+            <a:extLst>
+              <a:ext uri="{FF2B5EF4-FFF2-40B4-BE49-F238E27FC236}">
+                <a16:creationId xmlns:a16="http://schemas.microsoft.com/office/drawing/2014/main" id="{150661A6-EE91-212E-2438-1B5E119F7C72}"/>
+              </a:ext>
+            </a:extLst>
+          </p:cNvPr>
+          <p:cNvSpPr/>
+          <p:nvPr/>
+        </p:nvSpPr>
+        <p:spPr>
+          <a:xfrm>
+            <a:off x="5713353" y="4634488"/>
+            <a:ext cx="288032" cy="301724"/>
+          </a:xfrm>
+          <a:prstGeom prst="roundRect">
+            <a:avLst>
+              <a:gd name="adj" fmla="val 13068"/>
+            </a:avLst>
+          </a:prstGeom>
+          <a:ln w="12700"/>
+        </p:spPr>
+        <p:style>
+          <a:lnRef idx="2">
+            <a:schemeClr val="dk1"/>
+          </a:lnRef>
+          <a:fillRef idx="1">
+            <a:schemeClr val="lt1"/>
+          </a:fillRef>
+          <a:effectRef idx="0">
+            <a:schemeClr val="dk1"/>
+          </a:effectRef>
+          <a:fontRef idx="minor">
+            <a:schemeClr val="dk1"/>
+          </a:fontRef>
+        </p:style>
+        <p:txBody>
+          <a:bodyPr rtlCol="0" anchor="ctr"/>
+          <a:lstStyle/>
+          <a:p>
+            <a:pPr algn="ctr"/>
+            <a:r>
+              <a:rPr lang="en-US" altLang="ko-KR" sz="1000"/>
+              <a:t>s</a:t>
+            </a:r>
+            <a:endParaRPr lang="ko-KR" altLang="en-US" sz="1000"/>
+          </a:p>
+        </p:txBody>
+      </p:sp>
+      <p:sp>
+        <p:nvSpPr>
+          <p:cNvPr id="28" name="TextBox 27">
+            <a:extLst>
+              <a:ext uri="{FF2B5EF4-FFF2-40B4-BE49-F238E27FC236}">
+                <a16:creationId xmlns:a16="http://schemas.microsoft.com/office/drawing/2014/main" id="{411717BE-C883-AF14-609C-DE402AA54096}"/>
+              </a:ext>
+            </a:extLst>
+          </p:cNvPr>
+          <p:cNvSpPr txBox="1"/>
+          <p:nvPr/>
+        </p:nvSpPr>
+        <p:spPr>
+          <a:xfrm>
+            <a:off x="6070957" y="4665277"/>
+            <a:ext cx="1843432" cy="246221"/>
+          </a:xfrm>
+          <a:prstGeom prst="rect">
+            <a:avLst/>
+          </a:prstGeom>
+          <a:noFill/>
+        </p:spPr>
+        <p:txBody>
+          <a:bodyPr wrap="square" rtlCol="0">
+            <a:spAutoFit/>
+          </a:bodyPr>
+          <a:lstStyle/>
+          <a:p>
+            <a:r>
+              <a:rPr lang="en-KR" sz="1000"/>
+              <a:t>: </a:t>
+            </a:r>
+            <a:r>
+              <a:rPr lang="en-US" sz="1000"/>
+              <a:t>Data Source Block, </a:t>
+            </a:r>
+            <a:r>
+              <a:rPr lang="en-US" altLang="ko-KR" sz="1000"/>
+              <a:t>Object</a:t>
+            </a:r>
+            <a:endParaRPr lang="en-KR" sz="1000"/>
+          </a:p>
+        </p:txBody>
+      </p:sp>
+      <p:sp>
+        <p:nvSpPr>
+          <p:cNvPr id="55" name="TextBox 54">
+            <a:extLst>
+              <a:ext uri="{FF2B5EF4-FFF2-40B4-BE49-F238E27FC236}">
+                <a16:creationId xmlns:a16="http://schemas.microsoft.com/office/drawing/2014/main" id="{A9E02AC5-1CE1-4A57-72B4-C230A2D9A417}"/>
+              </a:ext>
+            </a:extLst>
+          </p:cNvPr>
+          <p:cNvSpPr txBox="1"/>
+          <p:nvPr/>
+        </p:nvSpPr>
+        <p:spPr>
+          <a:xfrm>
+            <a:off x="7165153" y="2060040"/>
+            <a:ext cx="607628" cy="246221"/>
+          </a:xfrm>
+          <a:prstGeom prst="rect">
+            <a:avLst/>
+          </a:prstGeom>
+          <a:noFill/>
+        </p:spPr>
+        <p:txBody>
+          <a:bodyPr wrap="square" rtlCol="0">
+            <a:spAutoFit/>
+          </a:bodyPr>
+          <a:lstStyle/>
+          <a:p>
+            <a:pPr algn="ctr"/>
+            <a:r>
+              <a:rPr lang="en-KR" sz="1000"/>
+              <a:t>Result</a:t>
             </a:r>
           </a:p>
         </p:txBody>
@@ -8431,7 +8857,7 @@
         <p:spPr>
           <a:xfrm>
             <a:off x="4507913" y="301806"/>
-            <a:ext cx="0" cy="4464496"/>
+            <a:ext cx="0" cy="4210213"/>
           </a:xfrm>
           <a:prstGeom prst="line">
             <a:avLst/>
@@ -13184,6 +13610,185 @@
             <a:r>
               <a:rPr lang="en-KR" sz="1000"/>
               <a:t>groupBy()</a:t>
+            </a:r>
+          </a:p>
+        </p:txBody>
+      </p:sp>
+      <p:sp>
+        <p:nvSpPr>
+          <p:cNvPr id="3" name="모서리가 둥근 직사각형 2">
+            <a:extLst>
+              <a:ext uri="{FF2B5EF4-FFF2-40B4-BE49-F238E27FC236}">
+                <a16:creationId xmlns:a16="http://schemas.microsoft.com/office/drawing/2014/main" id="{1EA5737C-51A1-15B8-BBC3-7D5502E07BC7}"/>
+              </a:ext>
+            </a:extLst>
+          </p:cNvPr>
+          <p:cNvSpPr/>
+          <p:nvPr/>
+        </p:nvSpPr>
+        <p:spPr>
+          <a:xfrm>
+            <a:off x="3446069" y="4651249"/>
+            <a:ext cx="446228" cy="184948"/>
+          </a:xfrm>
+          <a:prstGeom prst="roundRect">
+            <a:avLst>
+              <a:gd name="adj" fmla="val 13068"/>
+            </a:avLst>
+          </a:prstGeom>
+          <a:ln w="12700"/>
+        </p:spPr>
+        <p:style>
+          <a:lnRef idx="2">
+            <a:schemeClr val="dk1"/>
+          </a:lnRef>
+          <a:fillRef idx="1">
+            <a:schemeClr val="lt1"/>
+          </a:fillRef>
+          <a:effectRef idx="0">
+            <a:schemeClr val="dk1"/>
+          </a:effectRef>
+          <a:fontRef idx="minor">
+            <a:schemeClr val="dk1"/>
+          </a:fontRef>
+        </p:style>
+        <p:txBody>
+          <a:bodyPr rtlCol="0" anchor="ctr"/>
+          <a:lstStyle/>
+          <a:p>
+            <a:pPr algn="ctr"/>
+            <a:endParaRPr lang="ko-KR" altLang="en-US" sz="1000" b="1"/>
+          </a:p>
+        </p:txBody>
+      </p:sp>
+      <p:sp>
+        <p:nvSpPr>
+          <p:cNvPr id="4" name="TextBox 3">
+            <a:extLst>
+              <a:ext uri="{FF2B5EF4-FFF2-40B4-BE49-F238E27FC236}">
+                <a16:creationId xmlns:a16="http://schemas.microsoft.com/office/drawing/2014/main" id="{01A09EE3-C8EF-B385-5BEE-731735BA24F9}"/>
+              </a:ext>
+            </a:extLst>
+          </p:cNvPr>
+          <p:cNvSpPr txBox="1"/>
+          <p:nvPr/>
+        </p:nvSpPr>
+        <p:spPr>
+          <a:xfrm>
+            <a:off x="3872079" y="4616872"/>
+            <a:ext cx="626474" cy="246221"/>
+          </a:xfrm>
+          <a:prstGeom prst="rect">
+            <a:avLst/>
+          </a:prstGeom>
+          <a:noFill/>
+        </p:spPr>
+        <p:txBody>
+          <a:bodyPr wrap="square" rtlCol="0">
+            <a:spAutoFit/>
+          </a:bodyPr>
+          <a:lstStyle/>
+          <a:p>
+            <a:r>
+              <a:rPr lang="en-KR" sz="1000"/>
+              <a:t>: RDD</a:t>
+            </a:r>
+          </a:p>
+        </p:txBody>
+      </p:sp>
+      <p:sp>
+        <p:nvSpPr>
+          <p:cNvPr id="5" name="Oval 4">
+            <a:extLst>
+              <a:ext uri="{FF2B5EF4-FFF2-40B4-BE49-F238E27FC236}">
+                <a16:creationId xmlns:a16="http://schemas.microsoft.com/office/drawing/2014/main" id="{603DEE3F-5B42-7D13-2721-DFC2944893C8}"/>
+              </a:ext>
+            </a:extLst>
+          </p:cNvPr>
+          <p:cNvSpPr/>
+          <p:nvPr/>
+        </p:nvSpPr>
+        <p:spPr>
+          <a:xfrm>
+            <a:off x="4533976" y="4574282"/>
+            <a:ext cx="301724" cy="301724"/>
+          </a:xfrm>
+          <a:prstGeom prst="ellipse">
+            <a:avLst/>
+          </a:prstGeom>
+          <a:solidFill>
+            <a:schemeClr val="bg1"/>
+          </a:solidFill>
+          <a:ln w="12700"/>
+        </p:spPr>
+        <p:style>
+          <a:lnRef idx="2">
+            <a:schemeClr val="accent1">
+              <a:shade val="15000"/>
+            </a:schemeClr>
+          </a:lnRef>
+          <a:fillRef idx="1">
+            <a:schemeClr val="accent1"/>
+          </a:fillRef>
+          <a:effectRef idx="0">
+            <a:schemeClr val="accent1"/>
+          </a:effectRef>
+          <a:fontRef idx="minor">
+            <a:schemeClr val="lt1"/>
+          </a:fontRef>
+        </p:style>
+        <p:txBody>
+          <a:bodyPr rtlCol="0" anchor="ctr"/>
+          <a:lstStyle/>
+          <a:p>
+            <a:pPr algn="ctr"/>
+            <a:r>
+              <a:rPr lang="en-US" sz="1000">
+                <a:solidFill>
+                  <a:schemeClr val="tx1"/>
+                </a:solidFill>
+              </a:rPr>
+              <a:t>p</a:t>
+            </a:r>
+            <a:endParaRPr lang="en-KR" sz="1000">
+              <a:solidFill>
+                <a:schemeClr val="tx1"/>
+              </a:solidFill>
+            </a:endParaRPr>
+          </a:p>
+        </p:txBody>
+      </p:sp>
+      <p:sp>
+        <p:nvSpPr>
+          <p:cNvPr id="6" name="TextBox 5">
+            <a:extLst>
+              <a:ext uri="{FF2B5EF4-FFF2-40B4-BE49-F238E27FC236}">
+                <a16:creationId xmlns:a16="http://schemas.microsoft.com/office/drawing/2014/main" id="{18854B4D-3916-2EBD-94BB-E883438F444B}"/>
+              </a:ext>
+            </a:extLst>
+          </p:cNvPr>
+          <p:cNvSpPr txBox="1"/>
+          <p:nvPr/>
+        </p:nvSpPr>
+        <p:spPr>
+          <a:xfrm>
+            <a:off x="4887734" y="4613515"/>
+            <a:ext cx="836394" cy="246221"/>
+          </a:xfrm>
+          <a:prstGeom prst="rect">
+            <a:avLst/>
+          </a:prstGeom>
+          <a:noFill/>
+        </p:spPr>
+        <p:txBody>
+          <a:bodyPr wrap="square" rtlCol="0">
+            <a:spAutoFit/>
+          </a:bodyPr>
+          <a:lstStyle/>
+          <a:p>
+            <a:r>
+              <a:rPr lang="en-KR" sz="1000"/>
+              <a:t>: Partition</a:t>
             </a:r>
           </a:p>
         </p:txBody>
@@ -13222,6 +13827,5427 @@
     <p:extLst>
       <p:ext uri="{BB962C8B-B14F-4D97-AF65-F5344CB8AC3E}">
         <p14:creationId xmlns:p14="http://schemas.microsoft.com/office/powerpoint/2010/main" val="2881584123"/>
+      </p:ext>
+    </p:extLst>
+  </p:cSld>
+  <p:clrMapOvr>
+    <a:masterClrMapping/>
+  </p:clrMapOvr>
+</p:sld>
+</file>
+
+<file path=ppt/slides/slide4.xml><?xml version="1.0" encoding="utf-8"?>
+<p:sld xmlns:a="http://schemas.openxmlformats.org/drawingml/2006/main" xmlns:r="http://schemas.openxmlformats.org/officeDocument/2006/relationships" xmlns:p="http://schemas.openxmlformats.org/presentationml/2006/main">
+  <p:cSld>
+    <p:spTree>
+      <p:nvGrpSpPr>
+        <p:cNvPr id="1" name=""/>
+        <p:cNvGrpSpPr/>
+        <p:nvPr/>
+      </p:nvGrpSpPr>
+      <p:grpSpPr>
+        <a:xfrm>
+          <a:off x="0" y="0"/>
+          <a:ext cx="0" cy="0"/>
+          <a:chOff x="0" y="0"/>
+          <a:chExt cx="0" cy="0"/>
+        </a:xfrm>
+      </p:grpSpPr>
+      <p:sp>
+        <p:nvSpPr>
+          <p:cNvPr id="2" name="제목 1">
+            <a:extLst>
+              <a:ext uri="{FF2B5EF4-FFF2-40B4-BE49-F238E27FC236}">
+                <a16:creationId xmlns:a16="http://schemas.microsoft.com/office/drawing/2014/main" id="{758652C9-D40F-C0A9-1238-986B5FFB9621}"/>
+              </a:ext>
+            </a:extLst>
+          </p:cNvPr>
+          <p:cNvSpPr txBox="1">
+            <a:spLocks/>
+          </p:cNvSpPr>
+          <p:nvPr/>
+        </p:nvSpPr>
+        <p:spPr>
+          <a:xfrm>
+            <a:off x="611560" y="-668610"/>
+            <a:ext cx="8229600" cy="857250"/>
+          </a:xfrm>
+          <a:prstGeom prst="rect">
+            <a:avLst/>
+          </a:prstGeom>
+        </p:spPr>
+        <p:txBody>
+          <a:bodyPr>
+            <a:normAutofit/>
+          </a:bodyPr>
+          <a:lstStyle>
+            <a:lvl1pPr algn="ctr" defTabSz="914400" rtl="0" eaLnBrk="1" latinLnBrk="1" hangingPunct="1">
+              <a:spcBef>
+                <a:spcPct val="0"/>
+              </a:spcBef>
+              <a:buNone/>
+              <a:defRPr sz="4400" kern="1200">
+                <a:solidFill>
+                  <a:schemeClr val="tx1"/>
+                </a:solidFill>
+                <a:latin typeface="+mj-lt"/>
+                <a:ea typeface="+mj-ea"/>
+                <a:cs typeface="+mj-cs"/>
+              </a:defRPr>
+            </a:lvl1pPr>
+          </a:lstStyle>
+          <a:p>
+            <a:r>
+              <a:rPr lang="en-US" altLang="ko-KR" sz="3600"/>
+              <a:t>Spark RDD</a:t>
+            </a:r>
+            <a:endParaRPr lang="ko-KR" altLang="en-US" sz="3600"/>
+          </a:p>
+        </p:txBody>
+      </p:sp>
+      <p:sp>
+        <p:nvSpPr>
+          <p:cNvPr id="3" name="모서리가 둥근 직사각형 2">
+            <a:extLst>
+              <a:ext uri="{FF2B5EF4-FFF2-40B4-BE49-F238E27FC236}">
+                <a16:creationId xmlns:a16="http://schemas.microsoft.com/office/drawing/2014/main" id="{13A743A6-24C5-5C28-A734-4C6C55DF9DD7}"/>
+              </a:ext>
+            </a:extLst>
+          </p:cNvPr>
+          <p:cNvSpPr/>
+          <p:nvPr/>
+        </p:nvSpPr>
+        <p:spPr>
+          <a:xfrm>
+            <a:off x="1747443" y="760962"/>
+            <a:ext cx="426050" cy="1308650"/>
+          </a:xfrm>
+          <a:prstGeom prst="roundRect">
+            <a:avLst>
+              <a:gd name="adj" fmla="val 13068"/>
+            </a:avLst>
+          </a:prstGeom>
+          <a:solidFill>
+            <a:schemeClr val="bg1">
+              <a:lumMod val="85000"/>
+            </a:schemeClr>
+          </a:solidFill>
+          <a:ln w="12700"/>
+        </p:spPr>
+        <p:style>
+          <a:lnRef idx="2">
+            <a:schemeClr val="dk1"/>
+          </a:lnRef>
+          <a:fillRef idx="1">
+            <a:schemeClr val="lt1"/>
+          </a:fillRef>
+          <a:effectRef idx="0">
+            <a:schemeClr val="dk1"/>
+          </a:effectRef>
+          <a:fontRef idx="minor">
+            <a:schemeClr val="dk1"/>
+          </a:fontRef>
+        </p:style>
+        <p:txBody>
+          <a:bodyPr rtlCol="0" anchor="ctr"/>
+          <a:lstStyle/>
+          <a:p>
+            <a:pPr algn="ctr"/>
+            <a:endParaRPr lang="ko-KR" altLang="en-US" sz="1000" b="1"/>
+          </a:p>
+        </p:txBody>
+      </p:sp>
+      <p:sp>
+        <p:nvSpPr>
+          <p:cNvPr id="4" name="모서리가 둥근 직사각형 2">
+            <a:extLst>
+              <a:ext uri="{FF2B5EF4-FFF2-40B4-BE49-F238E27FC236}">
+                <a16:creationId xmlns:a16="http://schemas.microsoft.com/office/drawing/2014/main" id="{DD06DC93-2457-7DF3-CF3B-3CF7FB817E86}"/>
+              </a:ext>
+            </a:extLst>
+          </p:cNvPr>
+          <p:cNvSpPr/>
+          <p:nvPr/>
+        </p:nvSpPr>
+        <p:spPr>
+          <a:xfrm>
+            <a:off x="1816452" y="832377"/>
+            <a:ext cx="288032" cy="301724"/>
+          </a:xfrm>
+          <a:prstGeom prst="roundRect">
+            <a:avLst>
+              <a:gd name="adj" fmla="val 13068"/>
+            </a:avLst>
+          </a:prstGeom>
+          <a:ln w="12700"/>
+        </p:spPr>
+        <p:style>
+          <a:lnRef idx="2">
+            <a:schemeClr val="dk1"/>
+          </a:lnRef>
+          <a:fillRef idx="1">
+            <a:schemeClr val="lt1"/>
+          </a:fillRef>
+          <a:effectRef idx="0">
+            <a:schemeClr val="dk1"/>
+          </a:effectRef>
+          <a:fontRef idx="minor">
+            <a:schemeClr val="dk1"/>
+          </a:fontRef>
+        </p:style>
+        <p:txBody>
+          <a:bodyPr rtlCol="0" anchor="ctr"/>
+          <a:lstStyle/>
+          <a:p>
+            <a:pPr algn="ctr"/>
+            <a:r>
+              <a:rPr lang="en-US" altLang="ko-KR" sz="1000"/>
+              <a:t>s</a:t>
+            </a:r>
+            <a:endParaRPr lang="ko-KR" altLang="en-US" sz="1000"/>
+          </a:p>
+        </p:txBody>
+      </p:sp>
+      <p:sp>
+        <p:nvSpPr>
+          <p:cNvPr id="5" name="모서리가 둥근 직사각형 2">
+            <a:extLst>
+              <a:ext uri="{FF2B5EF4-FFF2-40B4-BE49-F238E27FC236}">
+                <a16:creationId xmlns:a16="http://schemas.microsoft.com/office/drawing/2014/main" id="{986216DE-CEF7-75D0-9F34-297823410A63}"/>
+              </a:ext>
+            </a:extLst>
+          </p:cNvPr>
+          <p:cNvSpPr/>
+          <p:nvPr/>
+        </p:nvSpPr>
+        <p:spPr>
+          <a:xfrm>
+            <a:off x="1816452" y="1264425"/>
+            <a:ext cx="288032" cy="301724"/>
+          </a:xfrm>
+          <a:prstGeom prst="roundRect">
+            <a:avLst>
+              <a:gd name="adj" fmla="val 13068"/>
+            </a:avLst>
+          </a:prstGeom>
+          <a:ln w="12700"/>
+        </p:spPr>
+        <p:style>
+          <a:lnRef idx="2">
+            <a:schemeClr val="dk1"/>
+          </a:lnRef>
+          <a:fillRef idx="1">
+            <a:schemeClr val="lt1"/>
+          </a:fillRef>
+          <a:effectRef idx="0">
+            <a:schemeClr val="dk1"/>
+          </a:effectRef>
+          <a:fontRef idx="minor">
+            <a:schemeClr val="dk1"/>
+          </a:fontRef>
+        </p:style>
+        <p:txBody>
+          <a:bodyPr rtlCol="0" anchor="ctr"/>
+          <a:lstStyle/>
+          <a:p>
+            <a:pPr algn="ctr"/>
+            <a:r>
+              <a:rPr lang="en-US" altLang="ko-KR" sz="1000"/>
+              <a:t>s</a:t>
+            </a:r>
+            <a:endParaRPr lang="ko-KR" altLang="en-US" sz="1000"/>
+          </a:p>
+        </p:txBody>
+      </p:sp>
+      <p:sp>
+        <p:nvSpPr>
+          <p:cNvPr id="6" name="모서리가 둥근 직사각형 2">
+            <a:extLst>
+              <a:ext uri="{FF2B5EF4-FFF2-40B4-BE49-F238E27FC236}">
+                <a16:creationId xmlns:a16="http://schemas.microsoft.com/office/drawing/2014/main" id="{B4DB784C-AC24-FA72-AADA-97109C823651}"/>
+              </a:ext>
+            </a:extLst>
+          </p:cNvPr>
+          <p:cNvSpPr/>
+          <p:nvPr/>
+        </p:nvSpPr>
+        <p:spPr>
+          <a:xfrm>
+            <a:off x="1816452" y="1696473"/>
+            <a:ext cx="288032" cy="301724"/>
+          </a:xfrm>
+          <a:prstGeom prst="roundRect">
+            <a:avLst>
+              <a:gd name="adj" fmla="val 13068"/>
+            </a:avLst>
+          </a:prstGeom>
+          <a:ln w="12700"/>
+        </p:spPr>
+        <p:style>
+          <a:lnRef idx="2">
+            <a:schemeClr val="dk1"/>
+          </a:lnRef>
+          <a:fillRef idx="1">
+            <a:schemeClr val="lt1"/>
+          </a:fillRef>
+          <a:effectRef idx="0">
+            <a:schemeClr val="dk1"/>
+          </a:effectRef>
+          <a:fontRef idx="minor">
+            <a:schemeClr val="dk1"/>
+          </a:fontRef>
+        </p:style>
+        <p:txBody>
+          <a:bodyPr rtlCol="0" anchor="ctr"/>
+          <a:lstStyle/>
+          <a:p>
+            <a:pPr algn="ctr"/>
+            <a:r>
+              <a:rPr lang="en-US" altLang="ko-KR" sz="1000"/>
+              <a:t>s</a:t>
+            </a:r>
+            <a:endParaRPr lang="ko-KR" altLang="en-US" sz="1000"/>
+          </a:p>
+        </p:txBody>
+      </p:sp>
+      <p:sp>
+        <p:nvSpPr>
+          <p:cNvPr id="8" name="모서리가 둥근 직사각형 2">
+            <a:extLst>
+              <a:ext uri="{FF2B5EF4-FFF2-40B4-BE49-F238E27FC236}">
+                <a16:creationId xmlns:a16="http://schemas.microsoft.com/office/drawing/2014/main" id="{2D7B7A17-D9CD-E07C-C526-9680E88C2DF5}"/>
+              </a:ext>
+            </a:extLst>
+          </p:cNvPr>
+          <p:cNvSpPr/>
+          <p:nvPr/>
+        </p:nvSpPr>
+        <p:spPr>
+          <a:xfrm>
+            <a:off x="814683" y="2690158"/>
+            <a:ext cx="426050" cy="890815"/>
+          </a:xfrm>
+          <a:prstGeom prst="roundRect">
+            <a:avLst>
+              <a:gd name="adj" fmla="val 13068"/>
+            </a:avLst>
+          </a:prstGeom>
+          <a:solidFill>
+            <a:schemeClr val="bg1">
+              <a:lumMod val="85000"/>
+            </a:schemeClr>
+          </a:solidFill>
+          <a:ln w="12700"/>
+        </p:spPr>
+        <p:style>
+          <a:lnRef idx="2">
+            <a:schemeClr val="dk1"/>
+          </a:lnRef>
+          <a:fillRef idx="1">
+            <a:schemeClr val="lt1"/>
+          </a:fillRef>
+          <a:effectRef idx="0">
+            <a:schemeClr val="dk1"/>
+          </a:effectRef>
+          <a:fontRef idx="minor">
+            <a:schemeClr val="dk1"/>
+          </a:fontRef>
+        </p:style>
+        <p:txBody>
+          <a:bodyPr rtlCol="0" anchor="ctr"/>
+          <a:lstStyle/>
+          <a:p>
+            <a:pPr algn="ctr"/>
+            <a:endParaRPr lang="ko-KR" altLang="en-US" sz="1000" b="1"/>
+          </a:p>
+        </p:txBody>
+      </p:sp>
+      <p:sp>
+        <p:nvSpPr>
+          <p:cNvPr id="9" name="모서리가 둥근 직사각형 2">
+            <a:extLst>
+              <a:ext uri="{FF2B5EF4-FFF2-40B4-BE49-F238E27FC236}">
+                <a16:creationId xmlns:a16="http://schemas.microsoft.com/office/drawing/2014/main" id="{F278BBD6-7509-439F-F6C5-BCFB565BE495}"/>
+              </a:ext>
+            </a:extLst>
+          </p:cNvPr>
+          <p:cNvSpPr/>
+          <p:nvPr/>
+        </p:nvSpPr>
+        <p:spPr>
+          <a:xfrm>
+            <a:off x="883692" y="2761573"/>
+            <a:ext cx="288032" cy="301724"/>
+          </a:xfrm>
+          <a:prstGeom prst="roundRect">
+            <a:avLst>
+              <a:gd name="adj" fmla="val 13068"/>
+            </a:avLst>
+          </a:prstGeom>
+          <a:ln w="12700"/>
+        </p:spPr>
+        <p:style>
+          <a:lnRef idx="2">
+            <a:schemeClr val="dk1"/>
+          </a:lnRef>
+          <a:fillRef idx="1">
+            <a:schemeClr val="lt1"/>
+          </a:fillRef>
+          <a:effectRef idx="0">
+            <a:schemeClr val="dk1"/>
+          </a:effectRef>
+          <a:fontRef idx="minor">
+            <a:schemeClr val="dk1"/>
+          </a:fontRef>
+        </p:style>
+        <p:txBody>
+          <a:bodyPr rtlCol="0" anchor="ctr"/>
+          <a:lstStyle/>
+          <a:p>
+            <a:pPr algn="ctr"/>
+            <a:r>
+              <a:rPr lang="en-US" altLang="ko-KR" sz="1000"/>
+              <a:t>s</a:t>
+            </a:r>
+            <a:endParaRPr lang="ko-KR" altLang="en-US" sz="1000"/>
+          </a:p>
+        </p:txBody>
+      </p:sp>
+      <p:sp>
+        <p:nvSpPr>
+          <p:cNvPr id="10" name="모서리가 둥근 직사각형 2">
+            <a:extLst>
+              <a:ext uri="{FF2B5EF4-FFF2-40B4-BE49-F238E27FC236}">
+                <a16:creationId xmlns:a16="http://schemas.microsoft.com/office/drawing/2014/main" id="{6C36986A-C6AC-3FCC-5D28-D7EFC698CB6F}"/>
+              </a:ext>
+            </a:extLst>
+          </p:cNvPr>
+          <p:cNvSpPr/>
+          <p:nvPr/>
+        </p:nvSpPr>
+        <p:spPr>
+          <a:xfrm>
+            <a:off x="883692" y="3193621"/>
+            <a:ext cx="288032" cy="301724"/>
+          </a:xfrm>
+          <a:prstGeom prst="roundRect">
+            <a:avLst>
+              <a:gd name="adj" fmla="val 13068"/>
+            </a:avLst>
+          </a:prstGeom>
+          <a:ln w="12700"/>
+        </p:spPr>
+        <p:style>
+          <a:lnRef idx="2">
+            <a:schemeClr val="dk1"/>
+          </a:lnRef>
+          <a:fillRef idx="1">
+            <a:schemeClr val="lt1"/>
+          </a:fillRef>
+          <a:effectRef idx="0">
+            <a:schemeClr val="dk1"/>
+          </a:effectRef>
+          <a:fontRef idx="minor">
+            <a:schemeClr val="dk1"/>
+          </a:fontRef>
+        </p:style>
+        <p:txBody>
+          <a:bodyPr rtlCol="0" anchor="ctr"/>
+          <a:lstStyle/>
+          <a:p>
+            <a:pPr algn="ctr"/>
+            <a:r>
+              <a:rPr lang="en-US" altLang="ko-KR" sz="1000"/>
+              <a:t>s</a:t>
+            </a:r>
+            <a:endParaRPr lang="ko-KR" altLang="en-US" sz="1000"/>
+          </a:p>
+        </p:txBody>
+      </p:sp>
+      <p:sp>
+        <p:nvSpPr>
+          <p:cNvPr id="13" name="모서리가 둥근 직사각형 2">
+            <a:extLst>
+              <a:ext uri="{FF2B5EF4-FFF2-40B4-BE49-F238E27FC236}">
+                <a16:creationId xmlns:a16="http://schemas.microsoft.com/office/drawing/2014/main" id="{975EDD2B-CDBC-A078-E0C3-2996D4E35159}"/>
+              </a:ext>
+            </a:extLst>
+          </p:cNvPr>
+          <p:cNvSpPr/>
+          <p:nvPr/>
+        </p:nvSpPr>
+        <p:spPr>
+          <a:xfrm>
+            <a:off x="2678856" y="760962"/>
+            <a:ext cx="426050" cy="1308650"/>
+          </a:xfrm>
+          <a:prstGeom prst="roundRect">
+            <a:avLst>
+              <a:gd name="adj" fmla="val 13068"/>
+            </a:avLst>
+          </a:prstGeom>
+          <a:ln w="12700"/>
+        </p:spPr>
+        <p:style>
+          <a:lnRef idx="2">
+            <a:schemeClr val="dk1"/>
+          </a:lnRef>
+          <a:fillRef idx="1">
+            <a:schemeClr val="lt1"/>
+          </a:fillRef>
+          <a:effectRef idx="0">
+            <a:schemeClr val="dk1"/>
+          </a:effectRef>
+          <a:fontRef idx="minor">
+            <a:schemeClr val="dk1"/>
+          </a:fontRef>
+        </p:style>
+        <p:txBody>
+          <a:bodyPr rtlCol="0" anchor="ctr"/>
+          <a:lstStyle/>
+          <a:p>
+            <a:pPr algn="ctr"/>
+            <a:endParaRPr lang="ko-KR" altLang="en-US" sz="1000" b="1"/>
+          </a:p>
+        </p:txBody>
+      </p:sp>
+      <p:sp>
+        <p:nvSpPr>
+          <p:cNvPr id="14" name="Oval 13">
+            <a:extLst>
+              <a:ext uri="{FF2B5EF4-FFF2-40B4-BE49-F238E27FC236}">
+                <a16:creationId xmlns:a16="http://schemas.microsoft.com/office/drawing/2014/main" id="{3AAE0D97-4693-FFED-05ED-363BA346CF09}"/>
+              </a:ext>
+            </a:extLst>
+          </p:cNvPr>
+          <p:cNvSpPr/>
+          <p:nvPr/>
+        </p:nvSpPr>
+        <p:spPr>
+          <a:xfrm>
+            <a:off x="2741019" y="832377"/>
+            <a:ext cx="301724" cy="301724"/>
+          </a:xfrm>
+          <a:prstGeom prst="ellipse">
+            <a:avLst/>
+          </a:prstGeom>
+          <a:solidFill>
+            <a:schemeClr val="bg1"/>
+          </a:solidFill>
+          <a:ln w="12700"/>
+        </p:spPr>
+        <p:style>
+          <a:lnRef idx="2">
+            <a:schemeClr val="accent1">
+              <a:shade val="15000"/>
+            </a:schemeClr>
+          </a:lnRef>
+          <a:fillRef idx="1">
+            <a:schemeClr val="accent1"/>
+          </a:fillRef>
+          <a:effectRef idx="0">
+            <a:schemeClr val="accent1"/>
+          </a:effectRef>
+          <a:fontRef idx="minor">
+            <a:schemeClr val="lt1"/>
+          </a:fontRef>
+        </p:style>
+        <p:txBody>
+          <a:bodyPr rtlCol="0" anchor="ctr"/>
+          <a:lstStyle/>
+          <a:p>
+            <a:pPr algn="ctr"/>
+            <a:r>
+              <a:rPr lang="en-US" sz="1000">
+                <a:solidFill>
+                  <a:schemeClr val="tx1"/>
+                </a:solidFill>
+              </a:rPr>
+              <a:t>p</a:t>
+            </a:r>
+            <a:endParaRPr lang="en-KR" sz="1000">
+              <a:solidFill>
+                <a:schemeClr val="tx1"/>
+              </a:solidFill>
+            </a:endParaRPr>
+          </a:p>
+        </p:txBody>
+      </p:sp>
+      <p:sp>
+        <p:nvSpPr>
+          <p:cNvPr id="15" name="Oval 14">
+            <a:extLst>
+              <a:ext uri="{FF2B5EF4-FFF2-40B4-BE49-F238E27FC236}">
+                <a16:creationId xmlns:a16="http://schemas.microsoft.com/office/drawing/2014/main" id="{D20B34B0-7F5F-335B-58E7-9C0856B47893}"/>
+              </a:ext>
+            </a:extLst>
+          </p:cNvPr>
+          <p:cNvSpPr/>
+          <p:nvPr/>
+        </p:nvSpPr>
+        <p:spPr>
+          <a:xfrm>
+            <a:off x="2741019" y="1264425"/>
+            <a:ext cx="301724" cy="301724"/>
+          </a:xfrm>
+          <a:prstGeom prst="ellipse">
+            <a:avLst/>
+          </a:prstGeom>
+          <a:solidFill>
+            <a:schemeClr val="bg1"/>
+          </a:solidFill>
+          <a:ln w="12700"/>
+        </p:spPr>
+        <p:style>
+          <a:lnRef idx="2">
+            <a:schemeClr val="accent1">
+              <a:shade val="15000"/>
+            </a:schemeClr>
+          </a:lnRef>
+          <a:fillRef idx="1">
+            <a:schemeClr val="accent1"/>
+          </a:fillRef>
+          <a:effectRef idx="0">
+            <a:schemeClr val="accent1"/>
+          </a:effectRef>
+          <a:fontRef idx="minor">
+            <a:schemeClr val="lt1"/>
+          </a:fontRef>
+        </p:style>
+        <p:txBody>
+          <a:bodyPr rtlCol="0" anchor="ctr"/>
+          <a:lstStyle/>
+          <a:p>
+            <a:pPr algn="ctr"/>
+            <a:r>
+              <a:rPr lang="en-US" sz="1000">
+                <a:solidFill>
+                  <a:schemeClr val="tx1"/>
+                </a:solidFill>
+              </a:rPr>
+              <a:t>p</a:t>
+            </a:r>
+            <a:endParaRPr lang="en-KR" sz="1000">
+              <a:solidFill>
+                <a:schemeClr val="tx1"/>
+              </a:solidFill>
+            </a:endParaRPr>
+          </a:p>
+        </p:txBody>
+      </p:sp>
+      <p:sp>
+        <p:nvSpPr>
+          <p:cNvPr id="16" name="Oval 15">
+            <a:extLst>
+              <a:ext uri="{FF2B5EF4-FFF2-40B4-BE49-F238E27FC236}">
+                <a16:creationId xmlns:a16="http://schemas.microsoft.com/office/drawing/2014/main" id="{2A49573C-7B09-9FDE-2328-00C310553968}"/>
+              </a:ext>
+            </a:extLst>
+          </p:cNvPr>
+          <p:cNvSpPr/>
+          <p:nvPr/>
+        </p:nvSpPr>
+        <p:spPr>
+          <a:xfrm>
+            <a:off x="2741019" y="1696473"/>
+            <a:ext cx="301724" cy="301724"/>
+          </a:xfrm>
+          <a:prstGeom prst="ellipse">
+            <a:avLst/>
+          </a:prstGeom>
+          <a:solidFill>
+            <a:schemeClr val="bg1"/>
+          </a:solidFill>
+          <a:ln w="12700"/>
+        </p:spPr>
+        <p:style>
+          <a:lnRef idx="2">
+            <a:schemeClr val="accent1">
+              <a:shade val="15000"/>
+            </a:schemeClr>
+          </a:lnRef>
+          <a:fillRef idx="1">
+            <a:schemeClr val="accent1"/>
+          </a:fillRef>
+          <a:effectRef idx="0">
+            <a:schemeClr val="accent1"/>
+          </a:effectRef>
+          <a:fontRef idx="minor">
+            <a:schemeClr val="lt1"/>
+          </a:fontRef>
+        </p:style>
+        <p:txBody>
+          <a:bodyPr rtlCol="0" anchor="ctr"/>
+          <a:lstStyle/>
+          <a:p>
+            <a:pPr algn="ctr"/>
+            <a:r>
+              <a:rPr lang="en-US" sz="1000">
+                <a:solidFill>
+                  <a:schemeClr val="tx1"/>
+                </a:solidFill>
+              </a:rPr>
+              <a:t>p</a:t>
+            </a:r>
+            <a:endParaRPr lang="en-KR" sz="1000">
+              <a:solidFill>
+                <a:schemeClr val="tx1"/>
+              </a:solidFill>
+            </a:endParaRPr>
+          </a:p>
+        </p:txBody>
+      </p:sp>
+      <p:cxnSp>
+        <p:nvCxnSpPr>
+          <p:cNvPr id="18" name="Straight Arrow Connector 17">
+            <a:extLst>
+              <a:ext uri="{FF2B5EF4-FFF2-40B4-BE49-F238E27FC236}">
+                <a16:creationId xmlns:a16="http://schemas.microsoft.com/office/drawing/2014/main" id="{25B42964-5E9D-F9F7-6BD2-54014295983C}"/>
+              </a:ext>
+            </a:extLst>
+          </p:cNvPr>
+          <p:cNvCxnSpPr>
+            <a:stCxn id="4" idx="3"/>
+            <a:endCxn id="14" idx="2"/>
+          </p:cNvCxnSpPr>
+          <p:nvPr/>
+        </p:nvCxnSpPr>
+        <p:spPr>
+          <a:xfrm>
+            <a:off x="2104484" y="983239"/>
+            <a:ext cx="636535" cy="0"/>
+          </a:xfrm>
+          <a:prstGeom prst="straightConnector1">
+            <a:avLst/>
+          </a:prstGeom>
+          <a:ln w="12700">
+            <a:solidFill>
+              <a:schemeClr val="tx1"/>
+            </a:solidFill>
+            <a:tailEnd type="triangle"/>
+          </a:ln>
+        </p:spPr>
+        <p:style>
+          <a:lnRef idx="1">
+            <a:schemeClr val="accent1"/>
+          </a:lnRef>
+          <a:fillRef idx="0">
+            <a:schemeClr val="accent1"/>
+          </a:fillRef>
+          <a:effectRef idx="0">
+            <a:schemeClr val="accent1"/>
+          </a:effectRef>
+          <a:fontRef idx="minor">
+            <a:schemeClr val="tx1"/>
+          </a:fontRef>
+        </p:style>
+      </p:cxnSp>
+      <p:cxnSp>
+        <p:nvCxnSpPr>
+          <p:cNvPr id="19" name="Straight Arrow Connector 18">
+            <a:extLst>
+              <a:ext uri="{FF2B5EF4-FFF2-40B4-BE49-F238E27FC236}">
+                <a16:creationId xmlns:a16="http://schemas.microsoft.com/office/drawing/2014/main" id="{4344A240-993F-AD86-FEBC-4B0D18F6001D}"/>
+              </a:ext>
+            </a:extLst>
+          </p:cNvPr>
+          <p:cNvCxnSpPr>
+            <a:cxnSpLocks/>
+            <a:stCxn id="5" idx="3"/>
+            <a:endCxn id="15" idx="2"/>
+          </p:cNvCxnSpPr>
+          <p:nvPr/>
+        </p:nvCxnSpPr>
+        <p:spPr>
+          <a:xfrm>
+            <a:off x="2104484" y="1415287"/>
+            <a:ext cx="636535" cy="0"/>
+          </a:xfrm>
+          <a:prstGeom prst="straightConnector1">
+            <a:avLst/>
+          </a:prstGeom>
+          <a:ln w="12700">
+            <a:solidFill>
+              <a:schemeClr val="tx1"/>
+            </a:solidFill>
+            <a:tailEnd type="triangle"/>
+          </a:ln>
+        </p:spPr>
+        <p:style>
+          <a:lnRef idx="1">
+            <a:schemeClr val="accent1"/>
+          </a:lnRef>
+          <a:fillRef idx="0">
+            <a:schemeClr val="accent1"/>
+          </a:fillRef>
+          <a:effectRef idx="0">
+            <a:schemeClr val="accent1"/>
+          </a:effectRef>
+          <a:fontRef idx="minor">
+            <a:schemeClr val="tx1"/>
+          </a:fontRef>
+        </p:style>
+      </p:cxnSp>
+      <p:cxnSp>
+        <p:nvCxnSpPr>
+          <p:cNvPr id="22" name="Straight Arrow Connector 21">
+            <a:extLst>
+              <a:ext uri="{FF2B5EF4-FFF2-40B4-BE49-F238E27FC236}">
+                <a16:creationId xmlns:a16="http://schemas.microsoft.com/office/drawing/2014/main" id="{EE3BBB9A-B2FE-3DFC-EE03-9532C5F17DC3}"/>
+              </a:ext>
+            </a:extLst>
+          </p:cNvPr>
+          <p:cNvCxnSpPr>
+            <a:cxnSpLocks/>
+            <a:stCxn id="6" idx="3"/>
+            <a:endCxn id="16" idx="2"/>
+          </p:cNvCxnSpPr>
+          <p:nvPr/>
+        </p:nvCxnSpPr>
+        <p:spPr>
+          <a:xfrm>
+            <a:off x="2104484" y="1847335"/>
+            <a:ext cx="636535" cy="0"/>
+          </a:xfrm>
+          <a:prstGeom prst="straightConnector1">
+            <a:avLst/>
+          </a:prstGeom>
+          <a:ln w="12700">
+            <a:solidFill>
+              <a:schemeClr val="tx1"/>
+            </a:solidFill>
+            <a:tailEnd type="triangle"/>
+          </a:ln>
+        </p:spPr>
+        <p:style>
+          <a:lnRef idx="1">
+            <a:schemeClr val="accent1"/>
+          </a:lnRef>
+          <a:fillRef idx="0">
+            <a:schemeClr val="accent1"/>
+          </a:fillRef>
+          <a:effectRef idx="0">
+            <a:schemeClr val="accent1"/>
+          </a:effectRef>
+          <a:fontRef idx="minor">
+            <a:schemeClr val="tx1"/>
+          </a:fontRef>
+        </p:style>
+      </p:cxnSp>
+      <p:sp>
+        <p:nvSpPr>
+          <p:cNvPr id="25" name="모서리가 둥근 직사각형 2">
+            <a:extLst>
+              <a:ext uri="{FF2B5EF4-FFF2-40B4-BE49-F238E27FC236}">
+                <a16:creationId xmlns:a16="http://schemas.microsoft.com/office/drawing/2014/main" id="{FCDD3589-717A-99B7-B564-B2DAD19B009B}"/>
+              </a:ext>
+            </a:extLst>
+          </p:cNvPr>
+          <p:cNvSpPr/>
+          <p:nvPr/>
+        </p:nvSpPr>
+        <p:spPr>
+          <a:xfrm>
+            <a:off x="1746096" y="2690158"/>
+            <a:ext cx="426050" cy="890815"/>
+          </a:xfrm>
+          <a:prstGeom prst="roundRect">
+            <a:avLst>
+              <a:gd name="adj" fmla="val 13068"/>
+            </a:avLst>
+          </a:prstGeom>
+          <a:ln w="12700"/>
+        </p:spPr>
+        <p:style>
+          <a:lnRef idx="2">
+            <a:schemeClr val="dk1"/>
+          </a:lnRef>
+          <a:fillRef idx="1">
+            <a:schemeClr val="lt1"/>
+          </a:fillRef>
+          <a:effectRef idx="0">
+            <a:schemeClr val="dk1"/>
+          </a:effectRef>
+          <a:fontRef idx="minor">
+            <a:schemeClr val="dk1"/>
+          </a:fontRef>
+        </p:style>
+        <p:txBody>
+          <a:bodyPr rtlCol="0" anchor="ctr"/>
+          <a:lstStyle/>
+          <a:p>
+            <a:pPr algn="ctr"/>
+            <a:endParaRPr lang="ko-KR" altLang="en-US" sz="1000" b="1"/>
+          </a:p>
+        </p:txBody>
+      </p:sp>
+      <p:sp>
+        <p:nvSpPr>
+          <p:cNvPr id="31" name="Oval 30">
+            <a:extLst>
+              <a:ext uri="{FF2B5EF4-FFF2-40B4-BE49-F238E27FC236}">
+                <a16:creationId xmlns:a16="http://schemas.microsoft.com/office/drawing/2014/main" id="{92202061-F1E2-7F64-A2B1-EC5DF9CEBA27}"/>
+              </a:ext>
+            </a:extLst>
+          </p:cNvPr>
+          <p:cNvSpPr/>
+          <p:nvPr/>
+        </p:nvSpPr>
+        <p:spPr>
+          <a:xfrm>
+            <a:off x="1808259" y="2761573"/>
+            <a:ext cx="301724" cy="301724"/>
+          </a:xfrm>
+          <a:prstGeom prst="ellipse">
+            <a:avLst/>
+          </a:prstGeom>
+          <a:solidFill>
+            <a:schemeClr val="bg1"/>
+          </a:solidFill>
+          <a:ln w="12700"/>
+        </p:spPr>
+        <p:style>
+          <a:lnRef idx="2">
+            <a:schemeClr val="accent1">
+              <a:shade val="15000"/>
+            </a:schemeClr>
+          </a:lnRef>
+          <a:fillRef idx="1">
+            <a:schemeClr val="accent1"/>
+          </a:fillRef>
+          <a:effectRef idx="0">
+            <a:schemeClr val="accent1"/>
+          </a:effectRef>
+          <a:fontRef idx="minor">
+            <a:schemeClr val="lt1"/>
+          </a:fontRef>
+        </p:style>
+        <p:txBody>
+          <a:bodyPr rtlCol="0" anchor="ctr"/>
+          <a:lstStyle/>
+          <a:p>
+            <a:pPr algn="ctr"/>
+            <a:r>
+              <a:rPr lang="en-US" sz="1000">
+                <a:solidFill>
+                  <a:schemeClr val="tx1"/>
+                </a:solidFill>
+              </a:rPr>
+              <a:t>p</a:t>
+            </a:r>
+            <a:endParaRPr lang="en-KR" sz="1000">
+              <a:solidFill>
+                <a:schemeClr val="tx1"/>
+              </a:solidFill>
+            </a:endParaRPr>
+          </a:p>
+        </p:txBody>
+      </p:sp>
+      <p:sp>
+        <p:nvSpPr>
+          <p:cNvPr id="32" name="Oval 31">
+            <a:extLst>
+              <a:ext uri="{FF2B5EF4-FFF2-40B4-BE49-F238E27FC236}">
+                <a16:creationId xmlns:a16="http://schemas.microsoft.com/office/drawing/2014/main" id="{F8A0DA97-54BA-CBF4-9746-9367796EFBE9}"/>
+              </a:ext>
+            </a:extLst>
+          </p:cNvPr>
+          <p:cNvSpPr/>
+          <p:nvPr/>
+        </p:nvSpPr>
+        <p:spPr>
+          <a:xfrm>
+            <a:off x="1808259" y="3193621"/>
+            <a:ext cx="301724" cy="301724"/>
+          </a:xfrm>
+          <a:prstGeom prst="ellipse">
+            <a:avLst/>
+          </a:prstGeom>
+          <a:solidFill>
+            <a:schemeClr val="bg1"/>
+          </a:solidFill>
+          <a:ln w="12700"/>
+        </p:spPr>
+        <p:style>
+          <a:lnRef idx="2">
+            <a:schemeClr val="accent1">
+              <a:shade val="15000"/>
+            </a:schemeClr>
+          </a:lnRef>
+          <a:fillRef idx="1">
+            <a:schemeClr val="accent1"/>
+          </a:fillRef>
+          <a:effectRef idx="0">
+            <a:schemeClr val="accent1"/>
+          </a:effectRef>
+          <a:fontRef idx="minor">
+            <a:schemeClr val="lt1"/>
+          </a:fontRef>
+        </p:style>
+        <p:txBody>
+          <a:bodyPr rtlCol="0" anchor="ctr"/>
+          <a:lstStyle/>
+          <a:p>
+            <a:pPr algn="ctr"/>
+            <a:r>
+              <a:rPr lang="en-US" sz="1000">
+                <a:solidFill>
+                  <a:schemeClr val="tx1"/>
+                </a:solidFill>
+              </a:rPr>
+              <a:t>p</a:t>
+            </a:r>
+            <a:endParaRPr lang="en-KR" sz="1000">
+              <a:solidFill>
+                <a:schemeClr val="tx1"/>
+              </a:solidFill>
+            </a:endParaRPr>
+          </a:p>
+        </p:txBody>
+      </p:sp>
+      <p:sp>
+        <p:nvSpPr>
+          <p:cNvPr id="36" name="모서리가 둥근 직사각형 2">
+            <a:extLst>
+              <a:ext uri="{FF2B5EF4-FFF2-40B4-BE49-F238E27FC236}">
+                <a16:creationId xmlns:a16="http://schemas.microsoft.com/office/drawing/2014/main" id="{A809120F-DC99-63D2-70B4-60018581FC30}"/>
+              </a:ext>
+            </a:extLst>
+          </p:cNvPr>
+          <p:cNvSpPr/>
+          <p:nvPr/>
+        </p:nvSpPr>
+        <p:spPr>
+          <a:xfrm>
+            <a:off x="1746096" y="3959696"/>
+            <a:ext cx="426050" cy="890815"/>
+          </a:xfrm>
+          <a:prstGeom prst="roundRect">
+            <a:avLst>
+              <a:gd name="adj" fmla="val 13068"/>
+            </a:avLst>
+          </a:prstGeom>
+          <a:solidFill>
+            <a:schemeClr val="bg1">
+              <a:lumMod val="85000"/>
+            </a:schemeClr>
+          </a:solidFill>
+          <a:ln w="12700"/>
+        </p:spPr>
+        <p:style>
+          <a:lnRef idx="2">
+            <a:schemeClr val="dk1"/>
+          </a:lnRef>
+          <a:fillRef idx="1">
+            <a:schemeClr val="lt1"/>
+          </a:fillRef>
+          <a:effectRef idx="0">
+            <a:schemeClr val="dk1"/>
+          </a:effectRef>
+          <a:fontRef idx="minor">
+            <a:schemeClr val="dk1"/>
+          </a:fontRef>
+        </p:style>
+        <p:txBody>
+          <a:bodyPr rtlCol="0" anchor="ctr"/>
+          <a:lstStyle/>
+          <a:p>
+            <a:pPr algn="ctr"/>
+            <a:endParaRPr lang="ko-KR" altLang="en-US" sz="1000" b="1"/>
+          </a:p>
+        </p:txBody>
+      </p:sp>
+      <p:sp>
+        <p:nvSpPr>
+          <p:cNvPr id="37" name="모서리가 둥근 직사각형 2">
+            <a:extLst>
+              <a:ext uri="{FF2B5EF4-FFF2-40B4-BE49-F238E27FC236}">
+                <a16:creationId xmlns:a16="http://schemas.microsoft.com/office/drawing/2014/main" id="{8711DE29-C201-F838-D6ED-6048E035A8DB}"/>
+              </a:ext>
+            </a:extLst>
+          </p:cNvPr>
+          <p:cNvSpPr/>
+          <p:nvPr/>
+        </p:nvSpPr>
+        <p:spPr>
+          <a:xfrm>
+            <a:off x="1815105" y="4031111"/>
+            <a:ext cx="288032" cy="301724"/>
+          </a:xfrm>
+          <a:prstGeom prst="roundRect">
+            <a:avLst>
+              <a:gd name="adj" fmla="val 13068"/>
+            </a:avLst>
+          </a:prstGeom>
+          <a:ln w="12700"/>
+        </p:spPr>
+        <p:style>
+          <a:lnRef idx="2">
+            <a:schemeClr val="dk1"/>
+          </a:lnRef>
+          <a:fillRef idx="1">
+            <a:schemeClr val="lt1"/>
+          </a:fillRef>
+          <a:effectRef idx="0">
+            <a:schemeClr val="dk1"/>
+          </a:effectRef>
+          <a:fontRef idx="minor">
+            <a:schemeClr val="dk1"/>
+          </a:fontRef>
+        </p:style>
+        <p:txBody>
+          <a:bodyPr rtlCol="0" anchor="ctr"/>
+          <a:lstStyle/>
+          <a:p>
+            <a:pPr algn="ctr"/>
+            <a:r>
+              <a:rPr lang="en-US" altLang="ko-KR" sz="1000"/>
+              <a:t>s</a:t>
+            </a:r>
+            <a:endParaRPr lang="ko-KR" altLang="en-US" sz="1000"/>
+          </a:p>
+        </p:txBody>
+      </p:sp>
+      <p:sp>
+        <p:nvSpPr>
+          <p:cNvPr id="38" name="모서리가 둥근 직사각형 2">
+            <a:extLst>
+              <a:ext uri="{FF2B5EF4-FFF2-40B4-BE49-F238E27FC236}">
+                <a16:creationId xmlns:a16="http://schemas.microsoft.com/office/drawing/2014/main" id="{1E3E27FE-38B7-D60E-EBB8-EA44E01469B9}"/>
+              </a:ext>
+            </a:extLst>
+          </p:cNvPr>
+          <p:cNvSpPr/>
+          <p:nvPr/>
+        </p:nvSpPr>
+        <p:spPr>
+          <a:xfrm>
+            <a:off x="1815105" y="4463159"/>
+            <a:ext cx="288032" cy="301724"/>
+          </a:xfrm>
+          <a:prstGeom prst="roundRect">
+            <a:avLst>
+              <a:gd name="adj" fmla="val 13068"/>
+            </a:avLst>
+          </a:prstGeom>
+          <a:ln w="12700"/>
+        </p:spPr>
+        <p:style>
+          <a:lnRef idx="2">
+            <a:schemeClr val="dk1"/>
+          </a:lnRef>
+          <a:fillRef idx="1">
+            <a:schemeClr val="lt1"/>
+          </a:fillRef>
+          <a:effectRef idx="0">
+            <a:schemeClr val="dk1"/>
+          </a:effectRef>
+          <a:fontRef idx="minor">
+            <a:schemeClr val="dk1"/>
+          </a:fontRef>
+        </p:style>
+        <p:txBody>
+          <a:bodyPr rtlCol="0" anchor="ctr"/>
+          <a:lstStyle/>
+          <a:p>
+            <a:pPr algn="ctr"/>
+            <a:r>
+              <a:rPr lang="en-US" altLang="ko-KR" sz="1000"/>
+              <a:t>s</a:t>
+            </a:r>
+            <a:endParaRPr lang="ko-KR" altLang="en-US" sz="1000"/>
+          </a:p>
+        </p:txBody>
+      </p:sp>
+      <p:sp>
+        <p:nvSpPr>
+          <p:cNvPr id="40" name="모서리가 둥근 직사각형 2">
+            <a:extLst>
+              <a:ext uri="{FF2B5EF4-FFF2-40B4-BE49-F238E27FC236}">
+                <a16:creationId xmlns:a16="http://schemas.microsoft.com/office/drawing/2014/main" id="{F86CA782-11B1-CE93-2E24-97DD5EAE8047}"/>
+              </a:ext>
+            </a:extLst>
+          </p:cNvPr>
+          <p:cNvSpPr/>
+          <p:nvPr/>
+        </p:nvSpPr>
+        <p:spPr>
+          <a:xfrm>
+            <a:off x="2677509" y="2690158"/>
+            <a:ext cx="426050" cy="890815"/>
+          </a:xfrm>
+          <a:prstGeom prst="roundRect">
+            <a:avLst>
+              <a:gd name="adj" fmla="val 13068"/>
+            </a:avLst>
+          </a:prstGeom>
+          <a:ln w="12700"/>
+        </p:spPr>
+        <p:style>
+          <a:lnRef idx="2">
+            <a:schemeClr val="dk1"/>
+          </a:lnRef>
+          <a:fillRef idx="1">
+            <a:schemeClr val="lt1"/>
+          </a:fillRef>
+          <a:effectRef idx="0">
+            <a:schemeClr val="dk1"/>
+          </a:effectRef>
+          <a:fontRef idx="minor">
+            <a:schemeClr val="dk1"/>
+          </a:fontRef>
+        </p:style>
+        <p:txBody>
+          <a:bodyPr rtlCol="0" anchor="ctr"/>
+          <a:lstStyle/>
+          <a:p>
+            <a:pPr algn="ctr"/>
+            <a:endParaRPr lang="ko-KR" altLang="en-US" sz="1000" b="1"/>
+          </a:p>
+        </p:txBody>
+      </p:sp>
+      <p:sp>
+        <p:nvSpPr>
+          <p:cNvPr id="41" name="Oval 40">
+            <a:extLst>
+              <a:ext uri="{FF2B5EF4-FFF2-40B4-BE49-F238E27FC236}">
+                <a16:creationId xmlns:a16="http://schemas.microsoft.com/office/drawing/2014/main" id="{9EC06E1E-F8D6-52D1-D448-4C337B4D1003}"/>
+              </a:ext>
+            </a:extLst>
+          </p:cNvPr>
+          <p:cNvSpPr/>
+          <p:nvPr/>
+        </p:nvSpPr>
+        <p:spPr>
+          <a:xfrm>
+            <a:off x="2739672" y="2761573"/>
+            <a:ext cx="301724" cy="301724"/>
+          </a:xfrm>
+          <a:prstGeom prst="ellipse">
+            <a:avLst/>
+          </a:prstGeom>
+          <a:solidFill>
+            <a:schemeClr val="bg1"/>
+          </a:solidFill>
+          <a:ln w="12700"/>
+        </p:spPr>
+        <p:style>
+          <a:lnRef idx="2">
+            <a:schemeClr val="accent1">
+              <a:shade val="15000"/>
+            </a:schemeClr>
+          </a:lnRef>
+          <a:fillRef idx="1">
+            <a:schemeClr val="accent1"/>
+          </a:fillRef>
+          <a:effectRef idx="0">
+            <a:schemeClr val="accent1"/>
+          </a:effectRef>
+          <a:fontRef idx="minor">
+            <a:schemeClr val="lt1"/>
+          </a:fontRef>
+        </p:style>
+        <p:txBody>
+          <a:bodyPr rtlCol="0" anchor="ctr"/>
+          <a:lstStyle/>
+          <a:p>
+            <a:pPr algn="ctr"/>
+            <a:r>
+              <a:rPr lang="en-US" sz="1000">
+                <a:solidFill>
+                  <a:schemeClr val="tx1"/>
+                </a:solidFill>
+              </a:rPr>
+              <a:t>p</a:t>
+            </a:r>
+            <a:endParaRPr lang="en-KR" sz="1000">
+              <a:solidFill>
+                <a:schemeClr val="tx1"/>
+              </a:solidFill>
+            </a:endParaRPr>
+          </a:p>
+        </p:txBody>
+      </p:sp>
+      <p:sp>
+        <p:nvSpPr>
+          <p:cNvPr id="42" name="Oval 41">
+            <a:extLst>
+              <a:ext uri="{FF2B5EF4-FFF2-40B4-BE49-F238E27FC236}">
+                <a16:creationId xmlns:a16="http://schemas.microsoft.com/office/drawing/2014/main" id="{D01D1B2E-A310-1988-123B-C8DE5323F18D}"/>
+              </a:ext>
+            </a:extLst>
+          </p:cNvPr>
+          <p:cNvSpPr/>
+          <p:nvPr/>
+        </p:nvSpPr>
+        <p:spPr>
+          <a:xfrm>
+            <a:off x="2739672" y="3193621"/>
+            <a:ext cx="301724" cy="301724"/>
+          </a:xfrm>
+          <a:prstGeom prst="ellipse">
+            <a:avLst/>
+          </a:prstGeom>
+          <a:solidFill>
+            <a:schemeClr val="bg1"/>
+          </a:solidFill>
+          <a:ln w="12700"/>
+        </p:spPr>
+        <p:style>
+          <a:lnRef idx="2">
+            <a:schemeClr val="accent1">
+              <a:shade val="15000"/>
+            </a:schemeClr>
+          </a:lnRef>
+          <a:fillRef idx="1">
+            <a:schemeClr val="accent1"/>
+          </a:fillRef>
+          <a:effectRef idx="0">
+            <a:schemeClr val="accent1"/>
+          </a:effectRef>
+          <a:fontRef idx="minor">
+            <a:schemeClr val="lt1"/>
+          </a:fontRef>
+        </p:style>
+        <p:txBody>
+          <a:bodyPr rtlCol="0" anchor="ctr"/>
+          <a:lstStyle/>
+          <a:p>
+            <a:pPr algn="ctr"/>
+            <a:r>
+              <a:rPr lang="en-US" sz="1000">
+                <a:solidFill>
+                  <a:schemeClr val="tx1"/>
+                </a:solidFill>
+              </a:rPr>
+              <a:t>p</a:t>
+            </a:r>
+            <a:endParaRPr lang="en-KR" sz="1000">
+              <a:solidFill>
+                <a:schemeClr val="tx1"/>
+              </a:solidFill>
+            </a:endParaRPr>
+          </a:p>
+        </p:txBody>
+      </p:sp>
+      <p:cxnSp>
+        <p:nvCxnSpPr>
+          <p:cNvPr id="43" name="Straight Arrow Connector 42">
+            <a:extLst>
+              <a:ext uri="{FF2B5EF4-FFF2-40B4-BE49-F238E27FC236}">
+                <a16:creationId xmlns:a16="http://schemas.microsoft.com/office/drawing/2014/main" id="{3AD6527E-EFCC-5ED1-C4C6-A011FF9BDE40}"/>
+              </a:ext>
+            </a:extLst>
+          </p:cNvPr>
+          <p:cNvCxnSpPr>
+            <a:cxnSpLocks/>
+            <a:stCxn id="9" idx="3"/>
+            <a:endCxn id="31" idx="2"/>
+          </p:cNvCxnSpPr>
+          <p:nvPr/>
+        </p:nvCxnSpPr>
+        <p:spPr>
+          <a:xfrm>
+            <a:off x="1171724" y="2912435"/>
+            <a:ext cx="636535" cy="0"/>
+          </a:xfrm>
+          <a:prstGeom prst="straightConnector1">
+            <a:avLst/>
+          </a:prstGeom>
+          <a:ln w="12700">
+            <a:solidFill>
+              <a:schemeClr val="tx1"/>
+            </a:solidFill>
+            <a:tailEnd type="triangle"/>
+          </a:ln>
+        </p:spPr>
+        <p:style>
+          <a:lnRef idx="1">
+            <a:schemeClr val="accent1"/>
+          </a:lnRef>
+          <a:fillRef idx="0">
+            <a:schemeClr val="accent1"/>
+          </a:fillRef>
+          <a:effectRef idx="0">
+            <a:schemeClr val="accent1"/>
+          </a:effectRef>
+          <a:fontRef idx="minor">
+            <a:schemeClr val="tx1"/>
+          </a:fontRef>
+        </p:style>
+      </p:cxnSp>
+      <p:cxnSp>
+        <p:nvCxnSpPr>
+          <p:cNvPr id="46" name="Straight Arrow Connector 45">
+            <a:extLst>
+              <a:ext uri="{FF2B5EF4-FFF2-40B4-BE49-F238E27FC236}">
+                <a16:creationId xmlns:a16="http://schemas.microsoft.com/office/drawing/2014/main" id="{2B0D7698-505C-A267-B17E-FD43858CF5F9}"/>
+              </a:ext>
+            </a:extLst>
+          </p:cNvPr>
+          <p:cNvCxnSpPr>
+            <a:cxnSpLocks/>
+            <a:stCxn id="10" idx="3"/>
+            <a:endCxn id="32" idx="2"/>
+          </p:cNvCxnSpPr>
+          <p:nvPr/>
+        </p:nvCxnSpPr>
+        <p:spPr>
+          <a:xfrm>
+            <a:off x="1171724" y="3344483"/>
+            <a:ext cx="636535" cy="0"/>
+          </a:xfrm>
+          <a:prstGeom prst="straightConnector1">
+            <a:avLst/>
+          </a:prstGeom>
+          <a:ln w="12700">
+            <a:solidFill>
+              <a:schemeClr val="tx1"/>
+            </a:solidFill>
+            <a:tailEnd type="triangle"/>
+          </a:ln>
+        </p:spPr>
+        <p:style>
+          <a:lnRef idx="1">
+            <a:schemeClr val="accent1"/>
+          </a:lnRef>
+          <a:fillRef idx="0">
+            <a:schemeClr val="accent1"/>
+          </a:fillRef>
+          <a:effectRef idx="0">
+            <a:schemeClr val="accent1"/>
+          </a:effectRef>
+          <a:fontRef idx="minor">
+            <a:schemeClr val="tx1"/>
+          </a:fontRef>
+        </p:style>
+      </p:cxnSp>
+      <p:cxnSp>
+        <p:nvCxnSpPr>
+          <p:cNvPr id="49" name="Straight Arrow Connector 48">
+            <a:extLst>
+              <a:ext uri="{FF2B5EF4-FFF2-40B4-BE49-F238E27FC236}">
+                <a16:creationId xmlns:a16="http://schemas.microsoft.com/office/drawing/2014/main" id="{27E0D508-F7CA-5AA4-7061-31F0859815BE}"/>
+              </a:ext>
+            </a:extLst>
+          </p:cNvPr>
+          <p:cNvCxnSpPr>
+            <a:cxnSpLocks/>
+            <a:stCxn id="32" idx="6"/>
+            <a:endCxn id="42" idx="2"/>
+          </p:cNvCxnSpPr>
+          <p:nvPr/>
+        </p:nvCxnSpPr>
+        <p:spPr>
+          <a:xfrm>
+            <a:off x="2109983" y="3344483"/>
+            <a:ext cx="629689" cy="0"/>
+          </a:xfrm>
+          <a:prstGeom prst="straightConnector1">
+            <a:avLst/>
+          </a:prstGeom>
+          <a:ln w="12700">
+            <a:solidFill>
+              <a:schemeClr val="tx1"/>
+            </a:solidFill>
+            <a:tailEnd type="triangle"/>
+          </a:ln>
+        </p:spPr>
+        <p:style>
+          <a:lnRef idx="1">
+            <a:schemeClr val="accent1"/>
+          </a:lnRef>
+          <a:fillRef idx="0">
+            <a:schemeClr val="accent1"/>
+          </a:fillRef>
+          <a:effectRef idx="0">
+            <a:schemeClr val="accent1"/>
+          </a:effectRef>
+          <a:fontRef idx="minor">
+            <a:schemeClr val="tx1"/>
+          </a:fontRef>
+        </p:style>
+      </p:cxnSp>
+      <p:cxnSp>
+        <p:nvCxnSpPr>
+          <p:cNvPr id="53" name="Straight Arrow Connector 52">
+            <a:extLst>
+              <a:ext uri="{FF2B5EF4-FFF2-40B4-BE49-F238E27FC236}">
+                <a16:creationId xmlns:a16="http://schemas.microsoft.com/office/drawing/2014/main" id="{0FEBA498-AC9F-7739-83ED-993BF8AE29B0}"/>
+              </a:ext>
+            </a:extLst>
+          </p:cNvPr>
+          <p:cNvCxnSpPr>
+            <a:cxnSpLocks/>
+            <a:stCxn id="31" idx="6"/>
+            <a:endCxn id="41" idx="2"/>
+          </p:cNvCxnSpPr>
+          <p:nvPr/>
+        </p:nvCxnSpPr>
+        <p:spPr>
+          <a:xfrm>
+            <a:off x="2109983" y="2912435"/>
+            <a:ext cx="629689" cy="0"/>
+          </a:xfrm>
+          <a:prstGeom prst="straightConnector1">
+            <a:avLst/>
+          </a:prstGeom>
+          <a:ln w="12700">
+            <a:solidFill>
+              <a:schemeClr val="tx1"/>
+            </a:solidFill>
+            <a:tailEnd type="triangle"/>
+          </a:ln>
+        </p:spPr>
+        <p:style>
+          <a:lnRef idx="1">
+            <a:schemeClr val="accent1"/>
+          </a:lnRef>
+          <a:fillRef idx="0">
+            <a:schemeClr val="accent1"/>
+          </a:fillRef>
+          <a:effectRef idx="0">
+            <a:schemeClr val="accent1"/>
+          </a:effectRef>
+          <a:fontRef idx="minor">
+            <a:schemeClr val="tx1"/>
+          </a:fontRef>
+        </p:style>
+      </p:cxnSp>
+      <p:sp>
+        <p:nvSpPr>
+          <p:cNvPr id="56" name="Rounded Rectangle 55">
+            <a:extLst>
+              <a:ext uri="{FF2B5EF4-FFF2-40B4-BE49-F238E27FC236}">
+                <a16:creationId xmlns:a16="http://schemas.microsoft.com/office/drawing/2014/main" id="{5B0A0BEB-FBA4-486D-D7E0-C43C2C182471}"/>
+              </a:ext>
+            </a:extLst>
+          </p:cNvPr>
+          <p:cNvSpPr/>
+          <p:nvPr/>
+        </p:nvSpPr>
+        <p:spPr>
+          <a:xfrm>
+            <a:off x="709165" y="415340"/>
+            <a:ext cx="3443999" cy="1743835"/>
+          </a:xfrm>
+          <a:prstGeom prst="roundRect">
+            <a:avLst>
+              <a:gd name="adj" fmla="val 5417"/>
+            </a:avLst>
+          </a:prstGeom>
+          <a:noFill/>
+          <a:ln w="12700">
+            <a:prstDash val="dash"/>
+          </a:ln>
+        </p:spPr>
+        <p:style>
+          <a:lnRef idx="2">
+            <a:schemeClr val="accent1">
+              <a:shade val="15000"/>
+            </a:schemeClr>
+          </a:lnRef>
+          <a:fillRef idx="1">
+            <a:schemeClr val="accent1"/>
+          </a:fillRef>
+          <a:effectRef idx="0">
+            <a:schemeClr val="accent1"/>
+          </a:effectRef>
+          <a:fontRef idx="minor">
+            <a:schemeClr val="lt1"/>
+          </a:fontRef>
+        </p:style>
+        <p:txBody>
+          <a:bodyPr rtlCol="0" anchor="t"/>
+          <a:lstStyle/>
+          <a:p>
+            <a:pPr algn="ctr"/>
+            <a:r>
+              <a:rPr lang="en-KR" sz="1100">
+                <a:ln w="0"/>
+                <a:solidFill>
+                  <a:schemeClr val="tx1"/>
+                </a:solidFill>
+              </a:rPr>
+              <a:t>Stage A / ShuffleMapStage / 3 Tasks</a:t>
+            </a:r>
+          </a:p>
+        </p:txBody>
+      </p:sp>
+      <p:sp>
+        <p:nvSpPr>
+          <p:cNvPr id="59" name="모서리가 둥근 직사각형 2">
+            <a:extLst>
+              <a:ext uri="{FF2B5EF4-FFF2-40B4-BE49-F238E27FC236}">
+                <a16:creationId xmlns:a16="http://schemas.microsoft.com/office/drawing/2014/main" id="{1C860159-9AB8-C7C6-40BA-F22E8FB2A6AE}"/>
+              </a:ext>
+            </a:extLst>
+          </p:cNvPr>
+          <p:cNvSpPr/>
+          <p:nvPr/>
+        </p:nvSpPr>
+        <p:spPr>
+          <a:xfrm>
+            <a:off x="2677509" y="3959696"/>
+            <a:ext cx="426050" cy="890815"/>
+          </a:xfrm>
+          <a:prstGeom prst="roundRect">
+            <a:avLst>
+              <a:gd name="adj" fmla="val 13068"/>
+            </a:avLst>
+          </a:prstGeom>
+          <a:ln w="12700"/>
+        </p:spPr>
+        <p:style>
+          <a:lnRef idx="2">
+            <a:schemeClr val="dk1"/>
+          </a:lnRef>
+          <a:fillRef idx="1">
+            <a:schemeClr val="lt1"/>
+          </a:fillRef>
+          <a:effectRef idx="0">
+            <a:schemeClr val="dk1"/>
+          </a:effectRef>
+          <a:fontRef idx="minor">
+            <a:schemeClr val="dk1"/>
+          </a:fontRef>
+        </p:style>
+        <p:txBody>
+          <a:bodyPr rtlCol="0" anchor="ctr"/>
+          <a:lstStyle/>
+          <a:p>
+            <a:pPr algn="ctr"/>
+            <a:endParaRPr lang="ko-KR" altLang="en-US" sz="1000" b="1"/>
+          </a:p>
+        </p:txBody>
+      </p:sp>
+      <p:sp>
+        <p:nvSpPr>
+          <p:cNvPr id="60" name="Oval 59">
+            <a:extLst>
+              <a:ext uri="{FF2B5EF4-FFF2-40B4-BE49-F238E27FC236}">
+                <a16:creationId xmlns:a16="http://schemas.microsoft.com/office/drawing/2014/main" id="{BD009236-6D06-761A-569D-515BF2E5B9E6}"/>
+              </a:ext>
+            </a:extLst>
+          </p:cNvPr>
+          <p:cNvSpPr/>
+          <p:nvPr/>
+        </p:nvSpPr>
+        <p:spPr>
+          <a:xfrm>
+            <a:off x="2739672" y="4031111"/>
+            <a:ext cx="301724" cy="301724"/>
+          </a:xfrm>
+          <a:prstGeom prst="ellipse">
+            <a:avLst/>
+          </a:prstGeom>
+          <a:solidFill>
+            <a:schemeClr val="bg1"/>
+          </a:solidFill>
+          <a:ln w="12700"/>
+        </p:spPr>
+        <p:style>
+          <a:lnRef idx="2">
+            <a:schemeClr val="accent1">
+              <a:shade val="15000"/>
+            </a:schemeClr>
+          </a:lnRef>
+          <a:fillRef idx="1">
+            <a:schemeClr val="accent1"/>
+          </a:fillRef>
+          <a:effectRef idx="0">
+            <a:schemeClr val="accent1"/>
+          </a:effectRef>
+          <a:fontRef idx="minor">
+            <a:schemeClr val="lt1"/>
+          </a:fontRef>
+        </p:style>
+        <p:txBody>
+          <a:bodyPr rtlCol="0" anchor="ctr"/>
+          <a:lstStyle/>
+          <a:p>
+            <a:pPr algn="ctr"/>
+            <a:r>
+              <a:rPr lang="en-US" sz="1000">
+                <a:solidFill>
+                  <a:schemeClr val="tx1"/>
+                </a:solidFill>
+              </a:rPr>
+              <a:t>p</a:t>
+            </a:r>
+            <a:endParaRPr lang="en-KR" sz="1000">
+              <a:solidFill>
+                <a:schemeClr val="tx1"/>
+              </a:solidFill>
+            </a:endParaRPr>
+          </a:p>
+        </p:txBody>
+      </p:sp>
+      <p:sp>
+        <p:nvSpPr>
+          <p:cNvPr id="61" name="Oval 60">
+            <a:extLst>
+              <a:ext uri="{FF2B5EF4-FFF2-40B4-BE49-F238E27FC236}">
+                <a16:creationId xmlns:a16="http://schemas.microsoft.com/office/drawing/2014/main" id="{5AC1B040-516E-DDD6-EFBE-4BCCC25CA86D}"/>
+              </a:ext>
+            </a:extLst>
+          </p:cNvPr>
+          <p:cNvSpPr/>
+          <p:nvPr/>
+        </p:nvSpPr>
+        <p:spPr>
+          <a:xfrm>
+            <a:off x="2739672" y="4463159"/>
+            <a:ext cx="301724" cy="301724"/>
+          </a:xfrm>
+          <a:prstGeom prst="ellipse">
+            <a:avLst/>
+          </a:prstGeom>
+          <a:solidFill>
+            <a:schemeClr val="bg1"/>
+          </a:solidFill>
+          <a:ln w="12700"/>
+        </p:spPr>
+        <p:style>
+          <a:lnRef idx="2">
+            <a:schemeClr val="accent1">
+              <a:shade val="15000"/>
+            </a:schemeClr>
+          </a:lnRef>
+          <a:fillRef idx="1">
+            <a:schemeClr val="accent1"/>
+          </a:fillRef>
+          <a:effectRef idx="0">
+            <a:schemeClr val="accent1"/>
+          </a:effectRef>
+          <a:fontRef idx="minor">
+            <a:schemeClr val="lt1"/>
+          </a:fontRef>
+        </p:style>
+        <p:txBody>
+          <a:bodyPr rtlCol="0" anchor="ctr"/>
+          <a:lstStyle/>
+          <a:p>
+            <a:pPr algn="ctr"/>
+            <a:r>
+              <a:rPr lang="en-US" sz="1000">
+                <a:solidFill>
+                  <a:schemeClr val="tx1"/>
+                </a:solidFill>
+              </a:rPr>
+              <a:t>p</a:t>
+            </a:r>
+            <a:endParaRPr lang="en-KR" sz="1000">
+              <a:solidFill>
+                <a:schemeClr val="tx1"/>
+              </a:solidFill>
+            </a:endParaRPr>
+          </a:p>
+        </p:txBody>
+      </p:sp>
+      <p:cxnSp>
+        <p:nvCxnSpPr>
+          <p:cNvPr id="62" name="Straight Arrow Connector 61">
+            <a:extLst>
+              <a:ext uri="{FF2B5EF4-FFF2-40B4-BE49-F238E27FC236}">
+                <a16:creationId xmlns:a16="http://schemas.microsoft.com/office/drawing/2014/main" id="{ED68400D-FAD9-0415-BD61-2F1D3F7234FB}"/>
+              </a:ext>
+            </a:extLst>
+          </p:cNvPr>
+          <p:cNvCxnSpPr>
+            <a:cxnSpLocks/>
+            <a:stCxn id="37" idx="3"/>
+            <a:endCxn id="60" idx="2"/>
+          </p:cNvCxnSpPr>
+          <p:nvPr/>
+        </p:nvCxnSpPr>
+        <p:spPr>
+          <a:xfrm>
+            <a:off x="2103137" y="4181973"/>
+            <a:ext cx="636535" cy="0"/>
+          </a:xfrm>
+          <a:prstGeom prst="straightConnector1">
+            <a:avLst/>
+          </a:prstGeom>
+          <a:ln w="12700">
+            <a:solidFill>
+              <a:schemeClr val="tx1"/>
+            </a:solidFill>
+            <a:tailEnd type="triangle"/>
+          </a:ln>
+        </p:spPr>
+        <p:style>
+          <a:lnRef idx="1">
+            <a:schemeClr val="accent1"/>
+          </a:lnRef>
+          <a:fillRef idx="0">
+            <a:schemeClr val="accent1"/>
+          </a:fillRef>
+          <a:effectRef idx="0">
+            <a:schemeClr val="accent1"/>
+          </a:effectRef>
+          <a:fontRef idx="minor">
+            <a:schemeClr val="tx1"/>
+          </a:fontRef>
+        </p:style>
+      </p:cxnSp>
+      <p:cxnSp>
+        <p:nvCxnSpPr>
+          <p:cNvPr id="65" name="Straight Arrow Connector 64">
+            <a:extLst>
+              <a:ext uri="{FF2B5EF4-FFF2-40B4-BE49-F238E27FC236}">
+                <a16:creationId xmlns:a16="http://schemas.microsoft.com/office/drawing/2014/main" id="{13903B89-1DC5-8EC0-35AC-EF25D90BBB75}"/>
+              </a:ext>
+            </a:extLst>
+          </p:cNvPr>
+          <p:cNvCxnSpPr>
+            <a:cxnSpLocks/>
+            <a:stCxn id="38" idx="3"/>
+            <a:endCxn id="61" idx="2"/>
+          </p:cNvCxnSpPr>
+          <p:nvPr/>
+        </p:nvCxnSpPr>
+        <p:spPr>
+          <a:xfrm>
+            <a:off x="2103137" y="4614021"/>
+            <a:ext cx="636535" cy="0"/>
+          </a:xfrm>
+          <a:prstGeom prst="straightConnector1">
+            <a:avLst/>
+          </a:prstGeom>
+          <a:ln w="12700">
+            <a:solidFill>
+              <a:schemeClr val="tx1"/>
+            </a:solidFill>
+            <a:tailEnd type="triangle"/>
+          </a:ln>
+        </p:spPr>
+        <p:style>
+          <a:lnRef idx="1">
+            <a:schemeClr val="accent1"/>
+          </a:lnRef>
+          <a:fillRef idx="0">
+            <a:schemeClr val="accent1"/>
+          </a:fillRef>
+          <a:effectRef idx="0">
+            <a:schemeClr val="accent1"/>
+          </a:effectRef>
+          <a:fontRef idx="minor">
+            <a:schemeClr val="tx1"/>
+          </a:fontRef>
+        </p:style>
+      </p:cxnSp>
+      <p:sp>
+        <p:nvSpPr>
+          <p:cNvPr id="70" name="모서리가 둥근 직사각형 2">
+            <a:extLst>
+              <a:ext uri="{FF2B5EF4-FFF2-40B4-BE49-F238E27FC236}">
+                <a16:creationId xmlns:a16="http://schemas.microsoft.com/office/drawing/2014/main" id="{7A1A978C-D0EB-1093-3D45-E29EBCE38ECE}"/>
+              </a:ext>
+            </a:extLst>
+          </p:cNvPr>
+          <p:cNvSpPr/>
+          <p:nvPr/>
+        </p:nvSpPr>
+        <p:spPr>
+          <a:xfrm>
+            <a:off x="3608922" y="2912435"/>
+            <a:ext cx="426050" cy="1753469"/>
+          </a:xfrm>
+          <a:prstGeom prst="roundRect">
+            <a:avLst>
+              <a:gd name="adj" fmla="val 13068"/>
+            </a:avLst>
+          </a:prstGeom>
+          <a:ln w="12700"/>
+        </p:spPr>
+        <p:style>
+          <a:lnRef idx="2">
+            <a:schemeClr val="dk1"/>
+          </a:lnRef>
+          <a:fillRef idx="1">
+            <a:schemeClr val="lt1"/>
+          </a:fillRef>
+          <a:effectRef idx="0">
+            <a:schemeClr val="dk1"/>
+          </a:effectRef>
+          <a:fontRef idx="minor">
+            <a:schemeClr val="dk1"/>
+          </a:fontRef>
+        </p:style>
+        <p:txBody>
+          <a:bodyPr rtlCol="0" anchor="ctr"/>
+          <a:lstStyle/>
+          <a:p>
+            <a:pPr algn="ctr"/>
+            <a:endParaRPr lang="ko-KR" altLang="en-US" sz="1000" b="1"/>
+          </a:p>
+        </p:txBody>
+      </p:sp>
+      <p:sp>
+        <p:nvSpPr>
+          <p:cNvPr id="71" name="Oval 70">
+            <a:extLst>
+              <a:ext uri="{FF2B5EF4-FFF2-40B4-BE49-F238E27FC236}">
+                <a16:creationId xmlns:a16="http://schemas.microsoft.com/office/drawing/2014/main" id="{7C6C2A5F-BDF3-8D7C-C367-B72CF796AD3D}"/>
+              </a:ext>
+            </a:extLst>
+          </p:cNvPr>
+          <p:cNvSpPr/>
+          <p:nvPr/>
+        </p:nvSpPr>
+        <p:spPr>
+          <a:xfrm>
+            <a:off x="3671085" y="2983850"/>
+            <a:ext cx="301724" cy="301724"/>
+          </a:xfrm>
+          <a:prstGeom prst="ellipse">
+            <a:avLst/>
+          </a:prstGeom>
+          <a:solidFill>
+            <a:schemeClr val="bg1"/>
+          </a:solidFill>
+          <a:ln w="12700"/>
+        </p:spPr>
+        <p:style>
+          <a:lnRef idx="2">
+            <a:schemeClr val="accent1">
+              <a:shade val="15000"/>
+            </a:schemeClr>
+          </a:lnRef>
+          <a:fillRef idx="1">
+            <a:schemeClr val="accent1"/>
+          </a:fillRef>
+          <a:effectRef idx="0">
+            <a:schemeClr val="accent1"/>
+          </a:effectRef>
+          <a:fontRef idx="minor">
+            <a:schemeClr val="lt1"/>
+          </a:fontRef>
+        </p:style>
+        <p:txBody>
+          <a:bodyPr rtlCol="0" anchor="ctr"/>
+          <a:lstStyle/>
+          <a:p>
+            <a:pPr algn="ctr"/>
+            <a:r>
+              <a:rPr lang="en-US" sz="1000">
+                <a:solidFill>
+                  <a:schemeClr val="tx1"/>
+                </a:solidFill>
+              </a:rPr>
+              <a:t>p</a:t>
+            </a:r>
+            <a:endParaRPr lang="en-KR" sz="1000">
+              <a:solidFill>
+                <a:schemeClr val="tx1"/>
+              </a:solidFill>
+            </a:endParaRPr>
+          </a:p>
+        </p:txBody>
+      </p:sp>
+      <p:sp>
+        <p:nvSpPr>
+          <p:cNvPr id="72" name="Oval 71">
+            <a:extLst>
+              <a:ext uri="{FF2B5EF4-FFF2-40B4-BE49-F238E27FC236}">
+                <a16:creationId xmlns:a16="http://schemas.microsoft.com/office/drawing/2014/main" id="{B3407138-367C-DE32-D9D3-822CF1932BF3}"/>
+              </a:ext>
+            </a:extLst>
+          </p:cNvPr>
+          <p:cNvSpPr/>
+          <p:nvPr/>
+        </p:nvSpPr>
+        <p:spPr>
+          <a:xfrm>
+            <a:off x="3671085" y="3415898"/>
+            <a:ext cx="301724" cy="301724"/>
+          </a:xfrm>
+          <a:prstGeom prst="ellipse">
+            <a:avLst/>
+          </a:prstGeom>
+          <a:solidFill>
+            <a:schemeClr val="bg1"/>
+          </a:solidFill>
+          <a:ln w="12700"/>
+        </p:spPr>
+        <p:style>
+          <a:lnRef idx="2">
+            <a:schemeClr val="accent1">
+              <a:shade val="15000"/>
+            </a:schemeClr>
+          </a:lnRef>
+          <a:fillRef idx="1">
+            <a:schemeClr val="accent1"/>
+          </a:fillRef>
+          <a:effectRef idx="0">
+            <a:schemeClr val="accent1"/>
+          </a:effectRef>
+          <a:fontRef idx="minor">
+            <a:schemeClr val="lt1"/>
+          </a:fontRef>
+        </p:style>
+        <p:txBody>
+          <a:bodyPr rtlCol="0" anchor="ctr"/>
+          <a:lstStyle/>
+          <a:p>
+            <a:pPr algn="ctr"/>
+            <a:r>
+              <a:rPr lang="en-US" sz="1000">
+                <a:solidFill>
+                  <a:schemeClr val="tx1"/>
+                </a:solidFill>
+              </a:rPr>
+              <a:t>p</a:t>
+            </a:r>
+            <a:endParaRPr lang="en-KR" sz="1000">
+              <a:solidFill>
+                <a:schemeClr val="tx1"/>
+              </a:solidFill>
+            </a:endParaRPr>
+          </a:p>
+        </p:txBody>
+      </p:sp>
+      <p:sp>
+        <p:nvSpPr>
+          <p:cNvPr id="73" name="Oval 72">
+            <a:extLst>
+              <a:ext uri="{FF2B5EF4-FFF2-40B4-BE49-F238E27FC236}">
+                <a16:creationId xmlns:a16="http://schemas.microsoft.com/office/drawing/2014/main" id="{745998BB-0CDE-E44A-3970-44A4B12928A7}"/>
+              </a:ext>
+            </a:extLst>
+          </p:cNvPr>
+          <p:cNvSpPr/>
+          <p:nvPr/>
+        </p:nvSpPr>
+        <p:spPr>
+          <a:xfrm>
+            <a:off x="3671085" y="3853219"/>
+            <a:ext cx="301724" cy="301724"/>
+          </a:xfrm>
+          <a:prstGeom prst="ellipse">
+            <a:avLst/>
+          </a:prstGeom>
+          <a:solidFill>
+            <a:schemeClr val="bg1"/>
+          </a:solidFill>
+          <a:ln w="12700"/>
+        </p:spPr>
+        <p:style>
+          <a:lnRef idx="2">
+            <a:schemeClr val="accent1">
+              <a:shade val="15000"/>
+            </a:schemeClr>
+          </a:lnRef>
+          <a:fillRef idx="1">
+            <a:schemeClr val="accent1"/>
+          </a:fillRef>
+          <a:effectRef idx="0">
+            <a:schemeClr val="accent1"/>
+          </a:effectRef>
+          <a:fontRef idx="minor">
+            <a:schemeClr val="lt1"/>
+          </a:fontRef>
+        </p:style>
+        <p:txBody>
+          <a:bodyPr rtlCol="0" anchor="ctr"/>
+          <a:lstStyle/>
+          <a:p>
+            <a:pPr algn="ctr"/>
+            <a:r>
+              <a:rPr lang="en-US" sz="1000">
+                <a:solidFill>
+                  <a:schemeClr val="tx1"/>
+                </a:solidFill>
+              </a:rPr>
+              <a:t>p</a:t>
+            </a:r>
+            <a:endParaRPr lang="en-KR" sz="1000">
+              <a:solidFill>
+                <a:schemeClr val="tx1"/>
+              </a:solidFill>
+            </a:endParaRPr>
+          </a:p>
+        </p:txBody>
+      </p:sp>
+      <p:sp>
+        <p:nvSpPr>
+          <p:cNvPr id="74" name="Oval 73">
+            <a:extLst>
+              <a:ext uri="{FF2B5EF4-FFF2-40B4-BE49-F238E27FC236}">
+                <a16:creationId xmlns:a16="http://schemas.microsoft.com/office/drawing/2014/main" id="{9FECF73B-5DAE-7158-004D-BF69A76FB43A}"/>
+              </a:ext>
+            </a:extLst>
+          </p:cNvPr>
+          <p:cNvSpPr/>
+          <p:nvPr/>
+        </p:nvSpPr>
+        <p:spPr>
+          <a:xfrm>
+            <a:off x="3671085" y="4285267"/>
+            <a:ext cx="301724" cy="301724"/>
+          </a:xfrm>
+          <a:prstGeom prst="ellipse">
+            <a:avLst/>
+          </a:prstGeom>
+          <a:solidFill>
+            <a:schemeClr val="bg1"/>
+          </a:solidFill>
+          <a:ln w="12700"/>
+        </p:spPr>
+        <p:style>
+          <a:lnRef idx="2">
+            <a:schemeClr val="accent1">
+              <a:shade val="15000"/>
+            </a:schemeClr>
+          </a:lnRef>
+          <a:fillRef idx="1">
+            <a:schemeClr val="accent1"/>
+          </a:fillRef>
+          <a:effectRef idx="0">
+            <a:schemeClr val="accent1"/>
+          </a:effectRef>
+          <a:fontRef idx="minor">
+            <a:schemeClr val="lt1"/>
+          </a:fontRef>
+        </p:style>
+        <p:txBody>
+          <a:bodyPr rtlCol="0" anchor="ctr"/>
+          <a:lstStyle/>
+          <a:p>
+            <a:pPr algn="ctr"/>
+            <a:r>
+              <a:rPr lang="en-US" sz="1000">
+                <a:solidFill>
+                  <a:schemeClr val="tx1"/>
+                </a:solidFill>
+              </a:rPr>
+              <a:t>p</a:t>
+            </a:r>
+            <a:endParaRPr lang="en-KR" sz="1000">
+              <a:solidFill>
+                <a:schemeClr val="tx1"/>
+              </a:solidFill>
+            </a:endParaRPr>
+          </a:p>
+        </p:txBody>
+      </p:sp>
+      <p:cxnSp>
+        <p:nvCxnSpPr>
+          <p:cNvPr id="75" name="Straight Arrow Connector 74">
+            <a:extLst>
+              <a:ext uri="{FF2B5EF4-FFF2-40B4-BE49-F238E27FC236}">
+                <a16:creationId xmlns:a16="http://schemas.microsoft.com/office/drawing/2014/main" id="{E0750E6E-1A68-16B4-A051-AF851EA9524B}"/>
+              </a:ext>
+            </a:extLst>
+          </p:cNvPr>
+          <p:cNvCxnSpPr>
+            <a:cxnSpLocks/>
+            <a:stCxn id="41" idx="6"/>
+            <a:endCxn id="71" idx="2"/>
+          </p:cNvCxnSpPr>
+          <p:nvPr/>
+        </p:nvCxnSpPr>
+        <p:spPr>
+          <a:xfrm>
+            <a:off x="3041396" y="2912435"/>
+            <a:ext cx="629689" cy="222277"/>
+          </a:xfrm>
+          <a:prstGeom prst="straightConnector1">
+            <a:avLst/>
+          </a:prstGeom>
+          <a:ln w="12700">
+            <a:solidFill>
+              <a:schemeClr val="tx1"/>
+            </a:solidFill>
+            <a:tailEnd type="triangle"/>
+          </a:ln>
+        </p:spPr>
+        <p:style>
+          <a:lnRef idx="1">
+            <a:schemeClr val="accent1"/>
+          </a:lnRef>
+          <a:fillRef idx="0">
+            <a:schemeClr val="accent1"/>
+          </a:fillRef>
+          <a:effectRef idx="0">
+            <a:schemeClr val="accent1"/>
+          </a:effectRef>
+          <a:fontRef idx="minor">
+            <a:schemeClr val="tx1"/>
+          </a:fontRef>
+        </p:style>
+      </p:cxnSp>
+      <p:cxnSp>
+        <p:nvCxnSpPr>
+          <p:cNvPr id="78" name="Straight Arrow Connector 77">
+            <a:extLst>
+              <a:ext uri="{FF2B5EF4-FFF2-40B4-BE49-F238E27FC236}">
+                <a16:creationId xmlns:a16="http://schemas.microsoft.com/office/drawing/2014/main" id="{03A9E66B-0697-69EE-FF92-DC782608ED49}"/>
+              </a:ext>
+            </a:extLst>
+          </p:cNvPr>
+          <p:cNvCxnSpPr>
+            <a:cxnSpLocks/>
+            <a:stCxn id="42" idx="6"/>
+            <a:endCxn id="72" idx="2"/>
+          </p:cNvCxnSpPr>
+          <p:nvPr/>
+        </p:nvCxnSpPr>
+        <p:spPr>
+          <a:xfrm>
+            <a:off x="3041396" y="3344483"/>
+            <a:ext cx="629689" cy="222277"/>
+          </a:xfrm>
+          <a:prstGeom prst="straightConnector1">
+            <a:avLst/>
+          </a:prstGeom>
+          <a:ln w="12700">
+            <a:solidFill>
+              <a:schemeClr val="tx1"/>
+            </a:solidFill>
+            <a:tailEnd type="triangle"/>
+          </a:ln>
+        </p:spPr>
+        <p:style>
+          <a:lnRef idx="1">
+            <a:schemeClr val="accent1"/>
+          </a:lnRef>
+          <a:fillRef idx="0">
+            <a:schemeClr val="accent1"/>
+          </a:fillRef>
+          <a:effectRef idx="0">
+            <a:schemeClr val="accent1"/>
+          </a:effectRef>
+          <a:fontRef idx="minor">
+            <a:schemeClr val="tx1"/>
+          </a:fontRef>
+        </p:style>
+      </p:cxnSp>
+      <p:cxnSp>
+        <p:nvCxnSpPr>
+          <p:cNvPr id="81" name="Straight Arrow Connector 80">
+            <a:extLst>
+              <a:ext uri="{FF2B5EF4-FFF2-40B4-BE49-F238E27FC236}">
+                <a16:creationId xmlns:a16="http://schemas.microsoft.com/office/drawing/2014/main" id="{C9578BC0-CE29-91F7-F531-B460A0607FB1}"/>
+              </a:ext>
+            </a:extLst>
+          </p:cNvPr>
+          <p:cNvCxnSpPr>
+            <a:cxnSpLocks/>
+            <a:stCxn id="60" idx="6"/>
+            <a:endCxn id="73" idx="2"/>
+          </p:cNvCxnSpPr>
+          <p:nvPr/>
+        </p:nvCxnSpPr>
+        <p:spPr>
+          <a:xfrm flipV="1">
+            <a:off x="3041396" y="4004081"/>
+            <a:ext cx="629689" cy="177892"/>
+          </a:xfrm>
+          <a:prstGeom prst="straightConnector1">
+            <a:avLst/>
+          </a:prstGeom>
+          <a:ln w="12700">
+            <a:solidFill>
+              <a:schemeClr val="tx1"/>
+            </a:solidFill>
+            <a:tailEnd type="triangle"/>
+          </a:ln>
+        </p:spPr>
+        <p:style>
+          <a:lnRef idx="1">
+            <a:schemeClr val="accent1"/>
+          </a:lnRef>
+          <a:fillRef idx="0">
+            <a:schemeClr val="accent1"/>
+          </a:fillRef>
+          <a:effectRef idx="0">
+            <a:schemeClr val="accent1"/>
+          </a:effectRef>
+          <a:fontRef idx="minor">
+            <a:schemeClr val="tx1"/>
+          </a:fontRef>
+        </p:style>
+      </p:cxnSp>
+      <p:cxnSp>
+        <p:nvCxnSpPr>
+          <p:cNvPr id="84" name="Straight Arrow Connector 83">
+            <a:extLst>
+              <a:ext uri="{FF2B5EF4-FFF2-40B4-BE49-F238E27FC236}">
+                <a16:creationId xmlns:a16="http://schemas.microsoft.com/office/drawing/2014/main" id="{091CFA58-B3FE-91C7-BB5E-D789347D35F7}"/>
+              </a:ext>
+            </a:extLst>
+          </p:cNvPr>
+          <p:cNvCxnSpPr>
+            <a:cxnSpLocks/>
+            <a:stCxn id="61" idx="6"/>
+            <a:endCxn id="74" idx="2"/>
+          </p:cNvCxnSpPr>
+          <p:nvPr/>
+        </p:nvCxnSpPr>
+        <p:spPr>
+          <a:xfrm flipV="1">
+            <a:off x="3041396" y="4436129"/>
+            <a:ext cx="629689" cy="177892"/>
+          </a:xfrm>
+          <a:prstGeom prst="straightConnector1">
+            <a:avLst/>
+          </a:prstGeom>
+          <a:ln w="12700">
+            <a:solidFill>
+              <a:schemeClr val="tx1"/>
+            </a:solidFill>
+            <a:tailEnd type="triangle"/>
+          </a:ln>
+        </p:spPr>
+        <p:style>
+          <a:lnRef idx="1">
+            <a:schemeClr val="accent1"/>
+          </a:lnRef>
+          <a:fillRef idx="0">
+            <a:schemeClr val="accent1"/>
+          </a:fillRef>
+          <a:effectRef idx="0">
+            <a:schemeClr val="accent1"/>
+          </a:effectRef>
+          <a:fontRef idx="minor">
+            <a:schemeClr val="tx1"/>
+          </a:fontRef>
+        </p:style>
+      </p:cxnSp>
+      <p:sp>
+        <p:nvSpPr>
+          <p:cNvPr id="87" name="Rounded Rectangle 86">
+            <a:extLst>
+              <a:ext uri="{FF2B5EF4-FFF2-40B4-BE49-F238E27FC236}">
+                <a16:creationId xmlns:a16="http://schemas.microsoft.com/office/drawing/2014/main" id="{B3F67CE7-450C-FE90-6770-A413424D82C4}"/>
+              </a:ext>
+            </a:extLst>
+          </p:cNvPr>
+          <p:cNvSpPr/>
+          <p:nvPr/>
+        </p:nvSpPr>
+        <p:spPr>
+          <a:xfrm>
+            <a:off x="714339" y="2366563"/>
+            <a:ext cx="3438826" cy="2571050"/>
+          </a:xfrm>
+          <a:prstGeom prst="roundRect">
+            <a:avLst>
+              <a:gd name="adj" fmla="val 2746"/>
+            </a:avLst>
+          </a:prstGeom>
+          <a:noFill/>
+          <a:ln w="12700">
+            <a:prstDash val="dash"/>
+          </a:ln>
+        </p:spPr>
+        <p:style>
+          <a:lnRef idx="2">
+            <a:schemeClr val="accent1">
+              <a:shade val="15000"/>
+            </a:schemeClr>
+          </a:lnRef>
+          <a:fillRef idx="1">
+            <a:schemeClr val="accent1"/>
+          </a:fillRef>
+          <a:effectRef idx="0">
+            <a:schemeClr val="accent1"/>
+          </a:effectRef>
+          <a:fontRef idx="minor">
+            <a:schemeClr val="lt1"/>
+          </a:fontRef>
+        </p:style>
+        <p:txBody>
+          <a:bodyPr rtlCol="0" anchor="t"/>
+          <a:lstStyle/>
+          <a:p>
+            <a:pPr algn="ctr"/>
+            <a:r>
+              <a:rPr lang="en-KR" sz="1100">
+                <a:ln w="0"/>
+                <a:solidFill>
+                  <a:schemeClr val="tx1"/>
+                </a:solidFill>
+              </a:rPr>
+              <a:t>Stage B / ShuffleMapStage / 4 Tasks</a:t>
+            </a:r>
+          </a:p>
+        </p:txBody>
+      </p:sp>
+      <p:sp>
+        <p:nvSpPr>
+          <p:cNvPr id="91" name="모서리가 둥근 직사각형 2">
+            <a:extLst>
+              <a:ext uri="{FF2B5EF4-FFF2-40B4-BE49-F238E27FC236}">
+                <a16:creationId xmlns:a16="http://schemas.microsoft.com/office/drawing/2014/main" id="{95E7A770-97CA-6AA9-7165-8089EAFDCF54}"/>
+              </a:ext>
+            </a:extLst>
+          </p:cNvPr>
+          <p:cNvSpPr/>
+          <p:nvPr/>
+        </p:nvSpPr>
+        <p:spPr>
+          <a:xfrm>
+            <a:off x="4460127" y="760962"/>
+            <a:ext cx="426050" cy="1308650"/>
+          </a:xfrm>
+          <a:prstGeom prst="roundRect">
+            <a:avLst>
+              <a:gd name="adj" fmla="val 13068"/>
+            </a:avLst>
+          </a:prstGeom>
+          <a:ln w="12700"/>
+        </p:spPr>
+        <p:style>
+          <a:lnRef idx="2">
+            <a:schemeClr val="dk1"/>
+          </a:lnRef>
+          <a:fillRef idx="1">
+            <a:schemeClr val="lt1"/>
+          </a:fillRef>
+          <a:effectRef idx="0">
+            <a:schemeClr val="dk1"/>
+          </a:effectRef>
+          <a:fontRef idx="minor">
+            <a:schemeClr val="dk1"/>
+          </a:fontRef>
+        </p:style>
+        <p:txBody>
+          <a:bodyPr rtlCol="0" anchor="ctr"/>
+          <a:lstStyle/>
+          <a:p>
+            <a:pPr algn="ctr"/>
+            <a:endParaRPr lang="ko-KR" altLang="en-US" sz="1000" b="1"/>
+          </a:p>
+        </p:txBody>
+      </p:sp>
+      <p:sp>
+        <p:nvSpPr>
+          <p:cNvPr id="92" name="Oval 91">
+            <a:extLst>
+              <a:ext uri="{FF2B5EF4-FFF2-40B4-BE49-F238E27FC236}">
+                <a16:creationId xmlns:a16="http://schemas.microsoft.com/office/drawing/2014/main" id="{48EF1DE6-6CBD-6851-7378-3D87BB598119}"/>
+              </a:ext>
+            </a:extLst>
+          </p:cNvPr>
+          <p:cNvSpPr/>
+          <p:nvPr/>
+        </p:nvSpPr>
+        <p:spPr>
+          <a:xfrm>
+            <a:off x="4522290" y="832377"/>
+            <a:ext cx="301724" cy="301724"/>
+          </a:xfrm>
+          <a:prstGeom prst="ellipse">
+            <a:avLst/>
+          </a:prstGeom>
+          <a:solidFill>
+            <a:schemeClr val="bg1"/>
+          </a:solidFill>
+          <a:ln w="12700"/>
+        </p:spPr>
+        <p:style>
+          <a:lnRef idx="2">
+            <a:schemeClr val="accent1">
+              <a:shade val="15000"/>
+            </a:schemeClr>
+          </a:lnRef>
+          <a:fillRef idx="1">
+            <a:schemeClr val="accent1"/>
+          </a:fillRef>
+          <a:effectRef idx="0">
+            <a:schemeClr val="accent1"/>
+          </a:effectRef>
+          <a:fontRef idx="minor">
+            <a:schemeClr val="lt1"/>
+          </a:fontRef>
+        </p:style>
+        <p:txBody>
+          <a:bodyPr rtlCol="0" anchor="ctr"/>
+          <a:lstStyle/>
+          <a:p>
+            <a:pPr algn="ctr"/>
+            <a:r>
+              <a:rPr lang="en-US" sz="1000">
+                <a:solidFill>
+                  <a:schemeClr val="tx1"/>
+                </a:solidFill>
+              </a:rPr>
+              <a:t>p</a:t>
+            </a:r>
+            <a:endParaRPr lang="en-KR" sz="1000">
+              <a:solidFill>
+                <a:schemeClr val="tx1"/>
+              </a:solidFill>
+            </a:endParaRPr>
+          </a:p>
+        </p:txBody>
+      </p:sp>
+      <p:sp>
+        <p:nvSpPr>
+          <p:cNvPr id="93" name="Oval 92">
+            <a:extLst>
+              <a:ext uri="{FF2B5EF4-FFF2-40B4-BE49-F238E27FC236}">
+                <a16:creationId xmlns:a16="http://schemas.microsoft.com/office/drawing/2014/main" id="{7A4FE50C-BA34-F7B7-F0B1-4710AE657E27}"/>
+              </a:ext>
+            </a:extLst>
+          </p:cNvPr>
+          <p:cNvSpPr/>
+          <p:nvPr/>
+        </p:nvSpPr>
+        <p:spPr>
+          <a:xfrm>
+            <a:off x="4522290" y="1264425"/>
+            <a:ext cx="301724" cy="301724"/>
+          </a:xfrm>
+          <a:prstGeom prst="ellipse">
+            <a:avLst/>
+          </a:prstGeom>
+          <a:solidFill>
+            <a:schemeClr val="bg1"/>
+          </a:solidFill>
+          <a:ln w="12700"/>
+        </p:spPr>
+        <p:style>
+          <a:lnRef idx="2">
+            <a:schemeClr val="accent1">
+              <a:shade val="15000"/>
+            </a:schemeClr>
+          </a:lnRef>
+          <a:fillRef idx="1">
+            <a:schemeClr val="accent1"/>
+          </a:fillRef>
+          <a:effectRef idx="0">
+            <a:schemeClr val="accent1"/>
+          </a:effectRef>
+          <a:fontRef idx="minor">
+            <a:schemeClr val="lt1"/>
+          </a:fontRef>
+        </p:style>
+        <p:txBody>
+          <a:bodyPr rtlCol="0" anchor="ctr"/>
+          <a:lstStyle/>
+          <a:p>
+            <a:pPr algn="ctr"/>
+            <a:r>
+              <a:rPr lang="en-US" sz="1000">
+                <a:solidFill>
+                  <a:schemeClr val="tx1"/>
+                </a:solidFill>
+              </a:rPr>
+              <a:t>p</a:t>
+            </a:r>
+            <a:endParaRPr lang="en-KR" sz="1000">
+              <a:solidFill>
+                <a:schemeClr val="tx1"/>
+              </a:solidFill>
+            </a:endParaRPr>
+          </a:p>
+        </p:txBody>
+      </p:sp>
+      <p:sp>
+        <p:nvSpPr>
+          <p:cNvPr id="94" name="Oval 93">
+            <a:extLst>
+              <a:ext uri="{FF2B5EF4-FFF2-40B4-BE49-F238E27FC236}">
+                <a16:creationId xmlns:a16="http://schemas.microsoft.com/office/drawing/2014/main" id="{5E088156-A3D2-0E24-E947-D0EBF97BE5A4}"/>
+              </a:ext>
+            </a:extLst>
+          </p:cNvPr>
+          <p:cNvSpPr/>
+          <p:nvPr/>
+        </p:nvSpPr>
+        <p:spPr>
+          <a:xfrm>
+            <a:off x="4522290" y="1696473"/>
+            <a:ext cx="301724" cy="301724"/>
+          </a:xfrm>
+          <a:prstGeom prst="ellipse">
+            <a:avLst/>
+          </a:prstGeom>
+          <a:solidFill>
+            <a:schemeClr val="bg1"/>
+          </a:solidFill>
+          <a:ln w="12700"/>
+        </p:spPr>
+        <p:style>
+          <a:lnRef idx="2">
+            <a:schemeClr val="accent1">
+              <a:shade val="15000"/>
+            </a:schemeClr>
+          </a:lnRef>
+          <a:fillRef idx="1">
+            <a:schemeClr val="accent1"/>
+          </a:fillRef>
+          <a:effectRef idx="0">
+            <a:schemeClr val="accent1"/>
+          </a:effectRef>
+          <a:fontRef idx="minor">
+            <a:schemeClr val="lt1"/>
+          </a:fontRef>
+        </p:style>
+        <p:txBody>
+          <a:bodyPr rtlCol="0" anchor="ctr"/>
+          <a:lstStyle/>
+          <a:p>
+            <a:pPr algn="ctr"/>
+            <a:r>
+              <a:rPr lang="en-US" sz="1000">
+                <a:solidFill>
+                  <a:schemeClr val="tx1"/>
+                </a:solidFill>
+              </a:rPr>
+              <a:t>p</a:t>
+            </a:r>
+            <a:endParaRPr lang="en-KR" sz="1000">
+              <a:solidFill>
+                <a:schemeClr val="tx1"/>
+              </a:solidFill>
+            </a:endParaRPr>
+          </a:p>
+        </p:txBody>
+      </p:sp>
+      <p:cxnSp>
+        <p:nvCxnSpPr>
+          <p:cNvPr id="95" name="Straight Arrow Connector 94">
+            <a:extLst>
+              <a:ext uri="{FF2B5EF4-FFF2-40B4-BE49-F238E27FC236}">
+                <a16:creationId xmlns:a16="http://schemas.microsoft.com/office/drawing/2014/main" id="{E307F9D6-C6D7-6C06-8219-23B6F650ADEF}"/>
+              </a:ext>
+            </a:extLst>
+          </p:cNvPr>
+          <p:cNvCxnSpPr>
+            <a:cxnSpLocks/>
+            <a:stCxn id="15" idx="6"/>
+            <a:endCxn id="93" idx="2"/>
+          </p:cNvCxnSpPr>
+          <p:nvPr/>
+        </p:nvCxnSpPr>
+        <p:spPr>
+          <a:xfrm>
+            <a:off x="3042743" y="1415287"/>
+            <a:ext cx="1479547" cy="0"/>
+          </a:xfrm>
+          <a:prstGeom prst="straightConnector1">
+            <a:avLst/>
+          </a:prstGeom>
+          <a:ln w="12700">
+            <a:solidFill>
+              <a:schemeClr val="tx1"/>
+            </a:solidFill>
+            <a:tailEnd type="triangle"/>
+          </a:ln>
+        </p:spPr>
+        <p:style>
+          <a:lnRef idx="1">
+            <a:schemeClr val="accent1"/>
+          </a:lnRef>
+          <a:fillRef idx="0">
+            <a:schemeClr val="accent1"/>
+          </a:fillRef>
+          <a:effectRef idx="0">
+            <a:schemeClr val="accent1"/>
+          </a:effectRef>
+          <a:fontRef idx="minor">
+            <a:schemeClr val="tx1"/>
+          </a:fontRef>
+        </p:style>
+      </p:cxnSp>
+      <p:cxnSp>
+        <p:nvCxnSpPr>
+          <p:cNvPr id="98" name="Straight Arrow Connector 97">
+            <a:extLst>
+              <a:ext uri="{FF2B5EF4-FFF2-40B4-BE49-F238E27FC236}">
+                <a16:creationId xmlns:a16="http://schemas.microsoft.com/office/drawing/2014/main" id="{411FFCEF-2461-C0F5-BA04-92D6D301ADE6}"/>
+              </a:ext>
+            </a:extLst>
+          </p:cNvPr>
+          <p:cNvCxnSpPr>
+            <a:cxnSpLocks/>
+            <a:stCxn id="14" idx="6"/>
+            <a:endCxn id="94" idx="2"/>
+          </p:cNvCxnSpPr>
+          <p:nvPr/>
+        </p:nvCxnSpPr>
+        <p:spPr>
+          <a:xfrm>
+            <a:off x="3042743" y="983239"/>
+            <a:ext cx="1479547" cy="864096"/>
+          </a:xfrm>
+          <a:prstGeom prst="straightConnector1">
+            <a:avLst/>
+          </a:prstGeom>
+          <a:ln w="12700">
+            <a:solidFill>
+              <a:schemeClr val="tx1"/>
+            </a:solidFill>
+            <a:tailEnd type="triangle"/>
+          </a:ln>
+        </p:spPr>
+        <p:style>
+          <a:lnRef idx="1">
+            <a:schemeClr val="accent1"/>
+          </a:lnRef>
+          <a:fillRef idx="0">
+            <a:schemeClr val="accent1"/>
+          </a:fillRef>
+          <a:effectRef idx="0">
+            <a:schemeClr val="accent1"/>
+          </a:effectRef>
+          <a:fontRef idx="minor">
+            <a:schemeClr val="tx1"/>
+          </a:fontRef>
+        </p:style>
+      </p:cxnSp>
+      <p:cxnSp>
+        <p:nvCxnSpPr>
+          <p:cNvPr id="101" name="Straight Arrow Connector 100">
+            <a:extLst>
+              <a:ext uri="{FF2B5EF4-FFF2-40B4-BE49-F238E27FC236}">
+                <a16:creationId xmlns:a16="http://schemas.microsoft.com/office/drawing/2014/main" id="{AD79F237-1AC0-8B32-AA23-1F19F8B5BC15}"/>
+              </a:ext>
+            </a:extLst>
+          </p:cNvPr>
+          <p:cNvCxnSpPr>
+            <a:cxnSpLocks/>
+            <a:stCxn id="16" idx="6"/>
+            <a:endCxn id="92" idx="2"/>
+          </p:cNvCxnSpPr>
+          <p:nvPr/>
+        </p:nvCxnSpPr>
+        <p:spPr>
+          <a:xfrm flipV="1">
+            <a:off x="3042743" y="983239"/>
+            <a:ext cx="1479547" cy="864096"/>
+          </a:xfrm>
+          <a:prstGeom prst="straightConnector1">
+            <a:avLst/>
+          </a:prstGeom>
+          <a:ln w="12700">
+            <a:solidFill>
+              <a:schemeClr val="tx1"/>
+            </a:solidFill>
+            <a:tailEnd type="triangle"/>
+          </a:ln>
+        </p:spPr>
+        <p:style>
+          <a:lnRef idx="1">
+            <a:schemeClr val="accent1"/>
+          </a:lnRef>
+          <a:fillRef idx="0">
+            <a:schemeClr val="accent1"/>
+          </a:fillRef>
+          <a:effectRef idx="0">
+            <a:schemeClr val="accent1"/>
+          </a:effectRef>
+          <a:fontRef idx="minor">
+            <a:schemeClr val="tx1"/>
+          </a:fontRef>
+        </p:style>
+      </p:cxnSp>
+      <p:cxnSp>
+        <p:nvCxnSpPr>
+          <p:cNvPr id="104" name="Straight Arrow Connector 103">
+            <a:extLst>
+              <a:ext uri="{FF2B5EF4-FFF2-40B4-BE49-F238E27FC236}">
+                <a16:creationId xmlns:a16="http://schemas.microsoft.com/office/drawing/2014/main" id="{27FD0A31-D482-AA59-1A58-80AD35BC8391}"/>
+              </a:ext>
+            </a:extLst>
+          </p:cNvPr>
+          <p:cNvCxnSpPr>
+            <a:cxnSpLocks/>
+            <a:stCxn id="14" idx="6"/>
+            <a:endCxn id="93" idx="2"/>
+          </p:cNvCxnSpPr>
+          <p:nvPr/>
+        </p:nvCxnSpPr>
+        <p:spPr>
+          <a:xfrm>
+            <a:off x="3042743" y="983239"/>
+            <a:ext cx="1479547" cy="432048"/>
+          </a:xfrm>
+          <a:prstGeom prst="straightConnector1">
+            <a:avLst/>
+          </a:prstGeom>
+          <a:ln w="12700">
+            <a:solidFill>
+              <a:schemeClr val="tx1"/>
+            </a:solidFill>
+            <a:tailEnd type="triangle"/>
+          </a:ln>
+        </p:spPr>
+        <p:style>
+          <a:lnRef idx="1">
+            <a:schemeClr val="accent1"/>
+          </a:lnRef>
+          <a:fillRef idx="0">
+            <a:schemeClr val="accent1"/>
+          </a:fillRef>
+          <a:effectRef idx="0">
+            <a:schemeClr val="accent1"/>
+          </a:effectRef>
+          <a:fontRef idx="minor">
+            <a:schemeClr val="tx1"/>
+          </a:fontRef>
+        </p:style>
+      </p:cxnSp>
+      <p:cxnSp>
+        <p:nvCxnSpPr>
+          <p:cNvPr id="107" name="Straight Arrow Connector 106">
+            <a:extLst>
+              <a:ext uri="{FF2B5EF4-FFF2-40B4-BE49-F238E27FC236}">
+                <a16:creationId xmlns:a16="http://schemas.microsoft.com/office/drawing/2014/main" id="{EFAD60F8-0E90-A42A-68C3-3096BFC8C4B2}"/>
+              </a:ext>
+            </a:extLst>
+          </p:cNvPr>
+          <p:cNvCxnSpPr>
+            <a:cxnSpLocks/>
+            <a:stCxn id="15" idx="6"/>
+            <a:endCxn id="94" idx="2"/>
+          </p:cNvCxnSpPr>
+          <p:nvPr/>
+        </p:nvCxnSpPr>
+        <p:spPr>
+          <a:xfrm>
+            <a:off x="3042743" y="1415287"/>
+            <a:ext cx="1479547" cy="432048"/>
+          </a:xfrm>
+          <a:prstGeom prst="straightConnector1">
+            <a:avLst/>
+          </a:prstGeom>
+          <a:ln w="12700">
+            <a:solidFill>
+              <a:schemeClr val="tx1"/>
+            </a:solidFill>
+            <a:tailEnd type="triangle"/>
+          </a:ln>
+        </p:spPr>
+        <p:style>
+          <a:lnRef idx="1">
+            <a:schemeClr val="accent1"/>
+          </a:lnRef>
+          <a:fillRef idx="0">
+            <a:schemeClr val="accent1"/>
+          </a:fillRef>
+          <a:effectRef idx="0">
+            <a:schemeClr val="accent1"/>
+          </a:effectRef>
+          <a:fontRef idx="minor">
+            <a:schemeClr val="tx1"/>
+          </a:fontRef>
+        </p:style>
+      </p:cxnSp>
+      <p:cxnSp>
+        <p:nvCxnSpPr>
+          <p:cNvPr id="110" name="Straight Arrow Connector 109">
+            <a:extLst>
+              <a:ext uri="{FF2B5EF4-FFF2-40B4-BE49-F238E27FC236}">
+                <a16:creationId xmlns:a16="http://schemas.microsoft.com/office/drawing/2014/main" id="{AAFE3E49-8B1D-C568-7036-117DB52AEE8F}"/>
+              </a:ext>
+            </a:extLst>
+          </p:cNvPr>
+          <p:cNvCxnSpPr>
+            <a:cxnSpLocks/>
+            <a:stCxn id="16" idx="6"/>
+            <a:endCxn id="93" idx="2"/>
+          </p:cNvCxnSpPr>
+          <p:nvPr/>
+        </p:nvCxnSpPr>
+        <p:spPr>
+          <a:xfrm flipV="1">
+            <a:off x="3042743" y="1415287"/>
+            <a:ext cx="1479547" cy="432048"/>
+          </a:xfrm>
+          <a:prstGeom prst="straightConnector1">
+            <a:avLst/>
+          </a:prstGeom>
+          <a:ln w="12700">
+            <a:solidFill>
+              <a:schemeClr val="tx1"/>
+            </a:solidFill>
+            <a:tailEnd type="triangle"/>
+          </a:ln>
+        </p:spPr>
+        <p:style>
+          <a:lnRef idx="1">
+            <a:schemeClr val="accent1"/>
+          </a:lnRef>
+          <a:fillRef idx="0">
+            <a:schemeClr val="accent1"/>
+          </a:fillRef>
+          <a:effectRef idx="0">
+            <a:schemeClr val="accent1"/>
+          </a:effectRef>
+          <a:fontRef idx="minor">
+            <a:schemeClr val="tx1"/>
+          </a:fontRef>
+        </p:style>
+      </p:cxnSp>
+      <p:cxnSp>
+        <p:nvCxnSpPr>
+          <p:cNvPr id="113" name="Straight Arrow Connector 112">
+            <a:extLst>
+              <a:ext uri="{FF2B5EF4-FFF2-40B4-BE49-F238E27FC236}">
+                <a16:creationId xmlns:a16="http://schemas.microsoft.com/office/drawing/2014/main" id="{DE6DFCCC-367E-6EEA-37CA-75583715BA56}"/>
+              </a:ext>
+            </a:extLst>
+          </p:cNvPr>
+          <p:cNvCxnSpPr>
+            <a:cxnSpLocks/>
+            <a:stCxn id="15" idx="6"/>
+            <a:endCxn id="92" idx="2"/>
+          </p:cNvCxnSpPr>
+          <p:nvPr/>
+        </p:nvCxnSpPr>
+        <p:spPr>
+          <a:xfrm flipV="1">
+            <a:off x="3042743" y="983239"/>
+            <a:ext cx="1479547" cy="432048"/>
+          </a:xfrm>
+          <a:prstGeom prst="straightConnector1">
+            <a:avLst/>
+          </a:prstGeom>
+          <a:ln w="12700">
+            <a:solidFill>
+              <a:schemeClr val="tx1"/>
+            </a:solidFill>
+            <a:tailEnd type="triangle"/>
+          </a:ln>
+        </p:spPr>
+        <p:style>
+          <a:lnRef idx="1">
+            <a:schemeClr val="accent1"/>
+          </a:lnRef>
+          <a:fillRef idx="0">
+            <a:schemeClr val="accent1"/>
+          </a:fillRef>
+          <a:effectRef idx="0">
+            <a:schemeClr val="accent1"/>
+          </a:effectRef>
+          <a:fontRef idx="minor">
+            <a:schemeClr val="tx1"/>
+          </a:fontRef>
+        </p:style>
+      </p:cxnSp>
+      <p:cxnSp>
+        <p:nvCxnSpPr>
+          <p:cNvPr id="116" name="Straight Arrow Connector 115">
+            <a:extLst>
+              <a:ext uri="{FF2B5EF4-FFF2-40B4-BE49-F238E27FC236}">
+                <a16:creationId xmlns:a16="http://schemas.microsoft.com/office/drawing/2014/main" id="{D6327018-C683-48D6-F4BA-73DDCA2FD90E}"/>
+              </a:ext>
+            </a:extLst>
+          </p:cNvPr>
+          <p:cNvCxnSpPr>
+            <a:cxnSpLocks/>
+            <a:stCxn id="16" idx="6"/>
+            <a:endCxn id="94" idx="2"/>
+          </p:cNvCxnSpPr>
+          <p:nvPr/>
+        </p:nvCxnSpPr>
+        <p:spPr>
+          <a:xfrm>
+            <a:off x="3042743" y="1847335"/>
+            <a:ext cx="1479547" cy="0"/>
+          </a:xfrm>
+          <a:prstGeom prst="straightConnector1">
+            <a:avLst/>
+          </a:prstGeom>
+          <a:ln w="12700">
+            <a:solidFill>
+              <a:schemeClr val="tx1"/>
+            </a:solidFill>
+            <a:tailEnd type="triangle"/>
+          </a:ln>
+        </p:spPr>
+        <p:style>
+          <a:lnRef idx="1">
+            <a:schemeClr val="accent1"/>
+          </a:lnRef>
+          <a:fillRef idx="0">
+            <a:schemeClr val="accent1"/>
+          </a:fillRef>
+          <a:effectRef idx="0">
+            <a:schemeClr val="accent1"/>
+          </a:effectRef>
+          <a:fontRef idx="minor">
+            <a:schemeClr val="tx1"/>
+          </a:fontRef>
+        </p:style>
+      </p:cxnSp>
+      <p:cxnSp>
+        <p:nvCxnSpPr>
+          <p:cNvPr id="119" name="Straight Arrow Connector 118">
+            <a:extLst>
+              <a:ext uri="{FF2B5EF4-FFF2-40B4-BE49-F238E27FC236}">
+                <a16:creationId xmlns:a16="http://schemas.microsoft.com/office/drawing/2014/main" id="{7608A24E-24D0-9534-616C-FA0F220A7B55}"/>
+              </a:ext>
+            </a:extLst>
+          </p:cNvPr>
+          <p:cNvCxnSpPr>
+            <a:cxnSpLocks/>
+            <a:stCxn id="14" idx="6"/>
+            <a:endCxn id="92" idx="2"/>
+          </p:cNvCxnSpPr>
+          <p:nvPr/>
+        </p:nvCxnSpPr>
+        <p:spPr>
+          <a:xfrm>
+            <a:off x="3042743" y="983239"/>
+            <a:ext cx="1479547" cy="0"/>
+          </a:xfrm>
+          <a:prstGeom prst="straightConnector1">
+            <a:avLst/>
+          </a:prstGeom>
+          <a:ln w="12700">
+            <a:solidFill>
+              <a:schemeClr val="tx1"/>
+            </a:solidFill>
+            <a:tailEnd type="triangle"/>
+          </a:ln>
+        </p:spPr>
+        <p:style>
+          <a:lnRef idx="1">
+            <a:schemeClr val="accent1"/>
+          </a:lnRef>
+          <a:fillRef idx="0">
+            <a:schemeClr val="accent1"/>
+          </a:fillRef>
+          <a:effectRef idx="0">
+            <a:schemeClr val="accent1"/>
+          </a:effectRef>
+          <a:fontRef idx="minor">
+            <a:schemeClr val="tx1"/>
+          </a:fontRef>
+        </p:style>
+      </p:cxnSp>
+      <p:sp>
+        <p:nvSpPr>
+          <p:cNvPr id="131" name="모서리가 둥근 직사각형 2">
+            <a:extLst>
+              <a:ext uri="{FF2B5EF4-FFF2-40B4-BE49-F238E27FC236}">
+                <a16:creationId xmlns:a16="http://schemas.microsoft.com/office/drawing/2014/main" id="{EB04194A-0AE9-978A-ECCF-3465FFFFF0B1}"/>
+              </a:ext>
+            </a:extLst>
+          </p:cNvPr>
+          <p:cNvSpPr/>
+          <p:nvPr/>
+        </p:nvSpPr>
+        <p:spPr>
+          <a:xfrm>
+            <a:off x="5395699" y="2310038"/>
+            <a:ext cx="426050" cy="1308650"/>
+          </a:xfrm>
+          <a:prstGeom prst="roundRect">
+            <a:avLst>
+              <a:gd name="adj" fmla="val 13068"/>
+            </a:avLst>
+          </a:prstGeom>
+          <a:ln w="12700"/>
+        </p:spPr>
+        <p:style>
+          <a:lnRef idx="2">
+            <a:schemeClr val="dk1"/>
+          </a:lnRef>
+          <a:fillRef idx="1">
+            <a:schemeClr val="lt1"/>
+          </a:fillRef>
+          <a:effectRef idx="0">
+            <a:schemeClr val="dk1"/>
+          </a:effectRef>
+          <a:fontRef idx="minor">
+            <a:schemeClr val="dk1"/>
+          </a:fontRef>
+        </p:style>
+        <p:txBody>
+          <a:bodyPr rtlCol="0" anchor="ctr"/>
+          <a:lstStyle/>
+          <a:p>
+            <a:pPr algn="ctr"/>
+            <a:endParaRPr lang="ko-KR" altLang="en-US" sz="1000" b="1"/>
+          </a:p>
+        </p:txBody>
+      </p:sp>
+      <p:sp>
+        <p:nvSpPr>
+          <p:cNvPr id="132" name="Oval 131">
+            <a:extLst>
+              <a:ext uri="{FF2B5EF4-FFF2-40B4-BE49-F238E27FC236}">
+                <a16:creationId xmlns:a16="http://schemas.microsoft.com/office/drawing/2014/main" id="{88EBEF13-E4EE-78AB-CE09-9972FB2D9C2E}"/>
+              </a:ext>
+            </a:extLst>
+          </p:cNvPr>
+          <p:cNvSpPr/>
+          <p:nvPr/>
+        </p:nvSpPr>
+        <p:spPr>
+          <a:xfrm>
+            <a:off x="5457862" y="2381453"/>
+            <a:ext cx="301724" cy="301724"/>
+          </a:xfrm>
+          <a:prstGeom prst="ellipse">
+            <a:avLst/>
+          </a:prstGeom>
+          <a:solidFill>
+            <a:schemeClr val="bg1"/>
+          </a:solidFill>
+          <a:ln w="12700"/>
+        </p:spPr>
+        <p:style>
+          <a:lnRef idx="2">
+            <a:schemeClr val="accent1">
+              <a:shade val="15000"/>
+            </a:schemeClr>
+          </a:lnRef>
+          <a:fillRef idx="1">
+            <a:schemeClr val="accent1"/>
+          </a:fillRef>
+          <a:effectRef idx="0">
+            <a:schemeClr val="accent1"/>
+          </a:effectRef>
+          <a:fontRef idx="minor">
+            <a:schemeClr val="lt1"/>
+          </a:fontRef>
+        </p:style>
+        <p:txBody>
+          <a:bodyPr rtlCol="0" anchor="ctr"/>
+          <a:lstStyle/>
+          <a:p>
+            <a:pPr algn="ctr"/>
+            <a:r>
+              <a:rPr lang="en-US" sz="1000">
+                <a:solidFill>
+                  <a:schemeClr val="tx1"/>
+                </a:solidFill>
+              </a:rPr>
+              <a:t>p</a:t>
+            </a:r>
+            <a:endParaRPr lang="en-KR" sz="1000">
+              <a:solidFill>
+                <a:schemeClr val="tx1"/>
+              </a:solidFill>
+            </a:endParaRPr>
+          </a:p>
+        </p:txBody>
+      </p:sp>
+      <p:sp>
+        <p:nvSpPr>
+          <p:cNvPr id="133" name="Oval 132">
+            <a:extLst>
+              <a:ext uri="{FF2B5EF4-FFF2-40B4-BE49-F238E27FC236}">
+                <a16:creationId xmlns:a16="http://schemas.microsoft.com/office/drawing/2014/main" id="{3DC50618-D1E8-0499-E639-AAE2605A95BA}"/>
+              </a:ext>
+            </a:extLst>
+          </p:cNvPr>
+          <p:cNvSpPr/>
+          <p:nvPr/>
+        </p:nvSpPr>
+        <p:spPr>
+          <a:xfrm>
+            <a:off x="5457862" y="2813501"/>
+            <a:ext cx="301724" cy="301724"/>
+          </a:xfrm>
+          <a:prstGeom prst="ellipse">
+            <a:avLst/>
+          </a:prstGeom>
+          <a:solidFill>
+            <a:schemeClr val="bg1"/>
+          </a:solidFill>
+          <a:ln w="12700"/>
+        </p:spPr>
+        <p:style>
+          <a:lnRef idx="2">
+            <a:schemeClr val="accent1">
+              <a:shade val="15000"/>
+            </a:schemeClr>
+          </a:lnRef>
+          <a:fillRef idx="1">
+            <a:schemeClr val="accent1"/>
+          </a:fillRef>
+          <a:effectRef idx="0">
+            <a:schemeClr val="accent1"/>
+          </a:effectRef>
+          <a:fontRef idx="minor">
+            <a:schemeClr val="lt1"/>
+          </a:fontRef>
+        </p:style>
+        <p:txBody>
+          <a:bodyPr rtlCol="0" anchor="ctr"/>
+          <a:lstStyle/>
+          <a:p>
+            <a:pPr algn="ctr"/>
+            <a:r>
+              <a:rPr lang="en-US" sz="1000">
+                <a:solidFill>
+                  <a:schemeClr val="tx1"/>
+                </a:solidFill>
+              </a:rPr>
+              <a:t>p</a:t>
+            </a:r>
+            <a:endParaRPr lang="en-KR" sz="1000">
+              <a:solidFill>
+                <a:schemeClr val="tx1"/>
+              </a:solidFill>
+            </a:endParaRPr>
+          </a:p>
+        </p:txBody>
+      </p:sp>
+      <p:sp>
+        <p:nvSpPr>
+          <p:cNvPr id="134" name="Oval 133">
+            <a:extLst>
+              <a:ext uri="{FF2B5EF4-FFF2-40B4-BE49-F238E27FC236}">
+                <a16:creationId xmlns:a16="http://schemas.microsoft.com/office/drawing/2014/main" id="{C4A58F17-9101-201D-7419-1E4E2214EF17}"/>
+              </a:ext>
+            </a:extLst>
+          </p:cNvPr>
+          <p:cNvSpPr/>
+          <p:nvPr/>
+        </p:nvSpPr>
+        <p:spPr>
+          <a:xfrm>
+            <a:off x="5457862" y="3245549"/>
+            <a:ext cx="301724" cy="301724"/>
+          </a:xfrm>
+          <a:prstGeom prst="ellipse">
+            <a:avLst/>
+          </a:prstGeom>
+          <a:solidFill>
+            <a:schemeClr val="bg1"/>
+          </a:solidFill>
+          <a:ln w="12700"/>
+        </p:spPr>
+        <p:style>
+          <a:lnRef idx="2">
+            <a:schemeClr val="accent1">
+              <a:shade val="15000"/>
+            </a:schemeClr>
+          </a:lnRef>
+          <a:fillRef idx="1">
+            <a:schemeClr val="accent1"/>
+          </a:fillRef>
+          <a:effectRef idx="0">
+            <a:schemeClr val="accent1"/>
+          </a:effectRef>
+          <a:fontRef idx="minor">
+            <a:schemeClr val="lt1"/>
+          </a:fontRef>
+        </p:style>
+        <p:txBody>
+          <a:bodyPr rtlCol="0" anchor="ctr"/>
+          <a:lstStyle/>
+          <a:p>
+            <a:pPr algn="ctr"/>
+            <a:r>
+              <a:rPr lang="en-US" sz="1000">
+                <a:solidFill>
+                  <a:schemeClr val="tx1"/>
+                </a:solidFill>
+              </a:rPr>
+              <a:t>p</a:t>
+            </a:r>
+            <a:endParaRPr lang="en-KR" sz="1000">
+              <a:solidFill>
+                <a:schemeClr val="tx1"/>
+              </a:solidFill>
+            </a:endParaRPr>
+          </a:p>
+        </p:txBody>
+      </p:sp>
+      <p:cxnSp>
+        <p:nvCxnSpPr>
+          <p:cNvPr id="137" name="Straight Arrow Connector 136">
+            <a:extLst>
+              <a:ext uri="{FF2B5EF4-FFF2-40B4-BE49-F238E27FC236}">
+                <a16:creationId xmlns:a16="http://schemas.microsoft.com/office/drawing/2014/main" id="{D69856C4-7E79-EE20-D3ED-4A2EE0B8993B}"/>
+              </a:ext>
+            </a:extLst>
+          </p:cNvPr>
+          <p:cNvCxnSpPr>
+            <a:cxnSpLocks/>
+            <a:stCxn id="71" idx="6"/>
+            <a:endCxn id="132" idx="2"/>
+          </p:cNvCxnSpPr>
+          <p:nvPr/>
+        </p:nvCxnSpPr>
+        <p:spPr>
+          <a:xfrm flipV="1">
+            <a:off x="3972809" y="2532315"/>
+            <a:ext cx="1485053" cy="602397"/>
+          </a:xfrm>
+          <a:prstGeom prst="straightConnector1">
+            <a:avLst/>
+          </a:prstGeom>
+          <a:ln w="12700">
+            <a:solidFill>
+              <a:schemeClr val="tx1"/>
+            </a:solidFill>
+            <a:tailEnd type="triangle"/>
+          </a:ln>
+        </p:spPr>
+        <p:style>
+          <a:lnRef idx="1">
+            <a:schemeClr val="accent1"/>
+          </a:lnRef>
+          <a:fillRef idx="0">
+            <a:schemeClr val="accent1"/>
+          </a:fillRef>
+          <a:effectRef idx="0">
+            <a:schemeClr val="accent1"/>
+          </a:effectRef>
+          <a:fontRef idx="minor">
+            <a:schemeClr val="tx1"/>
+          </a:fontRef>
+        </p:style>
+      </p:cxnSp>
+      <p:cxnSp>
+        <p:nvCxnSpPr>
+          <p:cNvPr id="140" name="Straight Arrow Connector 139">
+            <a:extLst>
+              <a:ext uri="{FF2B5EF4-FFF2-40B4-BE49-F238E27FC236}">
+                <a16:creationId xmlns:a16="http://schemas.microsoft.com/office/drawing/2014/main" id="{20E12F05-A8CD-CAFF-9D92-89B9B2EC28B5}"/>
+              </a:ext>
+            </a:extLst>
+          </p:cNvPr>
+          <p:cNvCxnSpPr>
+            <a:cxnSpLocks/>
+            <a:stCxn id="92" idx="6"/>
+            <a:endCxn id="132" idx="2"/>
+          </p:cNvCxnSpPr>
+          <p:nvPr/>
+        </p:nvCxnSpPr>
+        <p:spPr>
+          <a:xfrm>
+            <a:off x="4824014" y="983239"/>
+            <a:ext cx="633848" cy="1549076"/>
+          </a:xfrm>
+          <a:prstGeom prst="straightConnector1">
+            <a:avLst/>
+          </a:prstGeom>
+          <a:ln w="12700">
+            <a:solidFill>
+              <a:schemeClr val="tx1"/>
+            </a:solidFill>
+            <a:tailEnd type="triangle"/>
+          </a:ln>
+        </p:spPr>
+        <p:style>
+          <a:lnRef idx="1">
+            <a:schemeClr val="accent1"/>
+          </a:lnRef>
+          <a:fillRef idx="0">
+            <a:schemeClr val="accent1"/>
+          </a:fillRef>
+          <a:effectRef idx="0">
+            <a:schemeClr val="accent1"/>
+          </a:effectRef>
+          <a:fontRef idx="minor">
+            <a:schemeClr val="tx1"/>
+          </a:fontRef>
+        </p:style>
+      </p:cxnSp>
+      <p:cxnSp>
+        <p:nvCxnSpPr>
+          <p:cNvPr id="143" name="Straight Arrow Connector 142">
+            <a:extLst>
+              <a:ext uri="{FF2B5EF4-FFF2-40B4-BE49-F238E27FC236}">
+                <a16:creationId xmlns:a16="http://schemas.microsoft.com/office/drawing/2014/main" id="{E178D478-B942-91FA-8F34-ACE390E6DFCA}"/>
+              </a:ext>
+            </a:extLst>
+          </p:cNvPr>
+          <p:cNvCxnSpPr>
+            <a:cxnSpLocks/>
+            <a:stCxn id="93" idx="6"/>
+            <a:endCxn id="133" idx="2"/>
+          </p:cNvCxnSpPr>
+          <p:nvPr/>
+        </p:nvCxnSpPr>
+        <p:spPr>
+          <a:xfrm>
+            <a:off x="4824014" y="1415287"/>
+            <a:ext cx="633848" cy="1549076"/>
+          </a:xfrm>
+          <a:prstGeom prst="straightConnector1">
+            <a:avLst/>
+          </a:prstGeom>
+          <a:ln w="12700">
+            <a:solidFill>
+              <a:schemeClr val="tx1"/>
+            </a:solidFill>
+            <a:tailEnd type="triangle"/>
+          </a:ln>
+        </p:spPr>
+        <p:style>
+          <a:lnRef idx="1">
+            <a:schemeClr val="accent1"/>
+          </a:lnRef>
+          <a:fillRef idx="0">
+            <a:schemeClr val="accent1"/>
+          </a:fillRef>
+          <a:effectRef idx="0">
+            <a:schemeClr val="accent1"/>
+          </a:effectRef>
+          <a:fontRef idx="minor">
+            <a:schemeClr val="tx1"/>
+          </a:fontRef>
+        </p:style>
+      </p:cxnSp>
+      <p:cxnSp>
+        <p:nvCxnSpPr>
+          <p:cNvPr id="146" name="Straight Arrow Connector 145">
+            <a:extLst>
+              <a:ext uri="{FF2B5EF4-FFF2-40B4-BE49-F238E27FC236}">
+                <a16:creationId xmlns:a16="http://schemas.microsoft.com/office/drawing/2014/main" id="{A72E56A6-A3B7-60C5-0111-2D8E7B33144F}"/>
+              </a:ext>
+            </a:extLst>
+          </p:cNvPr>
+          <p:cNvCxnSpPr>
+            <a:cxnSpLocks/>
+            <a:stCxn id="94" idx="6"/>
+            <a:endCxn id="134" idx="2"/>
+          </p:cNvCxnSpPr>
+          <p:nvPr/>
+        </p:nvCxnSpPr>
+        <p:spPr>
+          <a:xfrm>
+            <a:off x="4824014" y="1847335"/>
+            <a:ext cx="633848" cy="1549076"/>
+          </a:xfrm>
+          <a:prstGeom prst="straightConnector1">
+            <a:avLst/>
+          </a:prstGeom>
+          <a:ln w="12700">
+            <a:solidFill>
+              <a:schemeClr val="tx1"/>
+            </a:solidFill>
+            <a:tailEnd type="triangle"/>
+          </a:ln>
+        </p:spPr>
+        <p:style>
+          <a:lnRef idx="1">
+            <a:schemeClr val="accent1"/>
+          </a:lnRef>
+          <a:fillRef idx="0">
+            <a:schemeClr val="accent1"/>
+          </a:fillRef>
+          <a:effectRef idx="0">
+            <a:schemeClr val="accent1"/>
+          </a:effectRef>
+          <a:fontRef idx="minor">
+            <a:schemeClr val="tx1"/>
+          </a:fontRef>
+        </p:style>
+      </p:cxnSp>
+      <p:cxnSp>
+        <p:nvCxnSpPr>
+          <p:cNvPr id="169" name="Straight Arrow Connector 168">
+            <a:extLst>
+              <a:ext uri="{FF2B5EF4-FFF2-40B4-BE49-F238E27FC236}">
+                <a16:creationId xmlns:a16="http://schemas.microsoft.com/office/drawing/2014/main" id="{79DFB469-1E5A-8B58-8626-A4048478810D}"/>
+              </a:ext>
+            </a:extLst>
+          </p:cNvPr>
+          <p:cNvCxnSpPr>
+            <a:cxnSpLocks/>
+            <a:stCxn id="72" idx="6"/>
+            <a:endCxn id="133" idx="2"/>
+          </p:cNvCxnSpPr>
+          <p:nvPr/>
+        </p:nvCxnSpPr>
+        <p:spPr>
+          <a:xfrm flipV="1">
+            <a:off x="3972809" y="2964363"/>
+            <a:ext cx="1485053" cy="602397"/>
+          </a:xfrm>
+          <a:prstGeom prst="straightConnector1">
+            <a:avLst/>
+          </a:prstGeom>
+          <a:ln w="12700">
+            <a:solidFill>
+              <a:schemeClr val="tx1"/>
+            </a:solidFill>
+            <a:tailEnd type="triangle"/>
+          </a:ln>
+        </p:spPr>
+        <p:style>
+          <a:lnRef idx="1">
+            <a:schemeClr val="accent1"/>
+          </a:lnRef>
+          <a:fillRef idx="0">
+            <a:schemeClr val="accent1"/>
+          </a:fillRef>
+          <a:effectRef idx="0">
+            <a:schemeClr val="accent1"/>
+          </a:effectRef>
+          <a:fontRef idx="minor">
+            <a:schemeClr val="tx1"/>
+          </a:fontRef>
+        </p:style>
+      </p:cxnSp>
+      <p:cxnSp>
+        <p:nvCxnSpPr>
+          <p:cNvPr id="172" name="Straight Arrow Connector 171">
+            <a:extLst>
+              <a:ext uri="{FF2B5EF4-FFF2-40B4-BE49-F238E27FC236}">
+                <a16:creationId xmlns:a16="http://schemas.microsoft.com/office/drawing/2014/main" id="{894231D1-5927-08B4-10DA-F0597C67EA19}"/>
+              </a:ext>
+            </a:extLst>
+          </p:cNvPr>
+          <p:cNvCxnSpPr>
+            <a:cxnSpLocks/>
+            <a:stCxn id="73" idx="6"/>
+            <a:endCxn id="134" idx="2"/>
+          </p:cNvCxnSpPr>
+          <p:nvPr/>
+        </p:nvCxnSpPr>
+        <p:spPr>
+          <a:xfrm flipV="1">
+            <a:off x="3972809" y="3396411"/>
+            <a:ext cx="1485053" cy="607670"/>
+          </a:xfrm>
+          <a:prstGeom prst="straightConnector1">
+            <a:avLst/>
+          </a:prstGeom>
+          <a:ln w="12700">
+            <a:solidFill>
+              <a:schemeClr val="tx1"/>
+            </a:solidFill>
+            <a:tailEnd type="triangle"/>
+          </a:ln>
+        </p:spPr>
+        <p:style>
+          <a:lnRef idx="1">
+            <a:schemeClr val="accent1"/>
+          </a:lnRef>
+          <a:fillRef idx="0">
+            <a:schemeClr val="accent1"/>
+          </a:fillRef>
+          <a:effectRef idx="0">
+            <a:schemeClr val="accent1"/>
+          </a:effectRef>
+          <a:fontRef idx="minor">
+            <a:schemeClr val="tx1"/>
+          </a:fontRef>
+        </p:style>
+      </p:cxnSp>
+      <p:cxnSp>
+        <p:nvCxnSpPr>
+          <p:cNvPr id="175" name="Straight Arrow Connector 174">
+            <a:extLst>
+              <a:ext uri="{FF2B5EF4-FFF2-40B4-BE49-F238E27FC236}">
+                <a16:creationId xmlns:a16="http://schemas.microsoft.com/office/drawing/2014/main" id="{EAA0F690-26E4-8537-FAFD-1454CCD52022}"/>
+              </a:ext>
+            </a:extLst>
+          </p:cNvPr>
+          <p:cNvCxnSpPr>
+            <a:cxnSpLocks/>
+            <a:stCxn id="74" idx="6"/>
+            <a:endCxn id="134" idx="2"/>
+          </p:cNvCxnSpPr>
+          <p:nvPr/>
+        </p:nvCxnSpPr>
+        <p:spPr>
+          <a:xfrm flipV="1">
+            <a:off x="3972809" y="3396411"/>
+            <a:ext cx="1485053" cy="1039718"/>
+          </a:xfrm>
+          <a:prstGeom prst="straightConnector1">
+            <a:avLst/>
+          </a:prstGeom>
+          <a:ln w="12700">
+            <a:solidFill>
+              <a:schemeClr val="tx1"/>
+            </a:solidFill>
+            <a:tailEnd type="triangle"/>
+          </a:ln>
+        </p:spPr>
+        <p:style>
+          <a:lnRef idx="1">
+            <a:schemeClr val="accent1"/>
+          </a:lnRef>
+          <a:fillRef idx="0">
+            <a:schemeClr val="accent1"/>
+          </a:fillRef>
+          <a:effectRef idx="0">
+            <a:schemeClr val="accent1"/>
+          </a:effectRef>
+          <a:fontRef idx="minor">
+            <a:schemeClr val="tx1"/>
+          </a:fontRef>
+        </p:style>
+      </p:cxnSp>
+      <p:cxnSp>
+        <p:nvCxnSpPr>
+          <p:cNvPr id="178" name="Straight Arrow Connector 177">
+            <a:extLst>
+              <a:ext uri="{FF2B5EF4-FFF2-40B4-BE49-F238E27FC236}">
+                <a16:creationId xmlns:a16="http://schemas.microsoft.com/office/drawing/2014/main" id="{AF76B69E-2F1A-9903-ACFE-B510CA38178C}"/>
+              </a:ext>
+            </a:extLst>
+          </p:cNvPr>
+          <p:cNvCxnSpPr>
+            <a:cxnSpLocks/>
+            <a:stCxn id="73" idx="6"/>
+            <a:endCxn id="133" idx="2"/>
+          </p:cNvCxnSpPr>
+          <p:nvPr/>
+        </p:nvCxnSpPr>
+        <p:spPr>
+          <a:xfrm flipV="1">
+            <a:off x="3972809" y="2964363"/>
+            <a:ext cx="1485053" cy="1039718"/>
+          </a:xfrm>
+          <a:prstGeom prst="straightConnector1">
+            <a:avLst/>
+          </a:prstGeom>
+          <a:ln w="12700">
+            <a:solidFill>
+              <a:schemeClr val="tx1"/>
+            </a:solidFill>
+            <a:tailEnd type="triangle"/>
+          </a:ln>
+        </p:spPr>
+        <p:style>
+          <a:lnRef idx="1">
+            <a:schemeClr val="accent1"/>
+          </a:lnRef>
+          <a:fillRef idx="0">
+            <a:schemeClr val="accent1"/>
+          </a:fillRef>
+          <a:effectRef idx="0">
+            <a:schemeClr val="accent1"/>
+          </a:effectRef>
+          <a:fontRef idx="minor">
+            <a:schemeClr val="tx1"/>
+          </a:fontRef>
+        </p:style>
+      </p:cxnSp>
+      <p:cxnSp>
+        <p:nvCxnSpPr>
+          <p:cNvPr id="181" name="Straight Arrow Connector 180">
+            <a:extLst>
+              <a:ext uri="{FF2B5EF4-FFF2-40B4-BE49-F238E27FC236}">
+                <a16:creationId xmlns:a16="http://schemas.microsoft.com/office/drawing/2014/main" id="{E5F85C6E-8F75-BB92-DC93-321DC82443FE}"/>
+              </a:ext>
+            </a:extLst>
+          </p:cNvPr>
+          <p:cNvCxnSpPr>
+            <a:cxnSpLocks/>
+            <a:stCxn id="72" idx="6"/>
+            <a:endCxn id="132" idx="2"/>
+          </p:cNvCxnSpPr>
+          <p:nvPr/>
+        </p:nvCxnSpPr>
+        <p:spPr>
+          <a:xfrm flipV="1">
+            <a:off x="3972809" y="2532315"/>
+            <a:ext cx="1485053" cy="1034445"/>
+          </a:xfrm>
+          <a:prstGeom prst="straightConnector1">
+            <a:avLst/>
+          </a:prstGeom>
+          <a:ln w="12700">
+            <a:solidFill>
+              <a:schemeClr val="tx1"/>
+            </a:solidFill>
+            <a:tailEnd type="triangle"/>
+          </a:ln>
+        </p:spPr>
+        <p:style>
+          <a:lnRef idx="1">
+            <a:schemeClr val="accent1"/>
+          </a:lnRef>
+          <a:fillRef idx="0">
+            <a:schemeClr val="accent1"/>
+          </a:fillRef>
+          <a:effectRef idx="0">
+            <a:schemeClr val="accent1"/>
+          </a:effectRef>
+          <a:fontRef idx="minor">
+            <a:schemeClr val="tx1"/>
+          </a:fontRef>
+        </p:style>
+      </p:cxnSp>
+      <p:cxnSp>
+        <p:nvCxnSpPr>
+          <p:cNvPr id="184" name="Straight Arrow Connector 183">
+            <a:extLst>
+              <a:ext uri="{FF2B5EF4-FFF2-40B4-BE49-F238E27FC236}">
+                <a16:creationId xmlns:a16="http://schemas.microsoft.com/office/drawing/2014/main" id="{C9E9BCE3-566E-0909-807D-239755535E35}"/>
+              </a:ext>
+            </a:extLst>
+          </p:cNvPr>
+          <p:cNvCxnSpPr>
+            <a:cxnSpLocks/>
+            <a:stCxn id="71" idx="6"/>
+            <a:endCxn id="133" idx="2"/>
+          </p:cNvCxnSpPr>
+          <p:nvPr/>
+        </p:nvCxnSpPr>
+        <p:spPr>
+          <a:xfrm flipV="1">
+            <a:off x="3972809" y="2964363"/>
+            <a:ext cx="1485053" cy="170349"/>
+          </a:xfrm>
+          <a:prstGeom prst="straightConnector1">
+            <a:avLst/>
+          </a:prstGeom>
+          <a:ln w="12700">
+            <a:solidFill>
+              <a:schemeClr val="tx1"/>
+            </a:solidFill>
+            <a:tailEnd type="triangle"/>
+          </a:ln>
+        </p:spPr>
+        <p:style>
+          <a:lnRef idx="1">
+            <a:schemeClr val="accent1"/>
+          </a:lnRef>
+          <a:fillRef idx="0">
+            <a:schemeClr val="accent1"/>
+          </a:fillRef>
+          <a:effectRef idx="0">
+            <a:schemeClr val="accent1"/>
+          </a:effectRef>
+          <a:fontRef idx="minor">
+            <a:schemeClr val="tx1"/>
+          </a:fontRef>
+        </p:style>
+      </p:cxnSp>
+      <p:cxnSp>
+        <p:nvCxnSpPr>
+          <p:cNvPr id="187" name="Straight Arrow Connector 186">
+            <a:extLst>
+              <a:ext uri="{FF2B5EF4-FFF2-40B4-BE49-F238E27FC236}">
+                <a16:creationId xmlns:a16="http://schemas.microsoft.com/office/drawing/2014/main" id="{8DD8D9B2-3635-D855-3885-8562DDD7AB35}"/>
+              </a:ext>
+            </a:extLst>
+          </p:cNvPr>
+          <p:cNvCxnSpPr>
+            <a:cxnSpLocks/>
+            <a:stCxn id="72" idx="6"/>
+            <a:endCxn id="134" idx="2"/>
+          </p:cNvCxnSpPr>
+          <p:nvPr/>
+        </p:nvCxnSpPr>
+        <p:spPr>
+          <a:xfrm flipV="1">
+            <a:off x="3972809" y="3396411"/>
+            <a:ext cx="1485053" cy="170349"/>
+          </a:xfrm>
+          <a:prstGeom prst="straightConnector1">
+            <a:avLst/>
+          </a:prstGeom>
+          <a:ln w="12700">
+            <a:solidFill>
+              <a:schemeClr val="tx1"/>
+            </a:solidFill>
+            <a:tailEnd type="triangle"/>
+          </a:ln>
+        </p:spPr>
+        <p:style>
+          <a:lnRef idx="1">
+            <a:schemeClr val="accent1"/>
+          </a:lnRef>
+          <a:fillRef idx="0">
+            <a:schemeClr val="accent1"/>
+          </a:fillRef>
+          <a:effectRef idx="0">
+            <a:schemeClr val="accent1"/>
+          </a:effectRef>
+          <a:fontRef idx="minor">
+            <a:schemeClr val="tx1"/>
+          </a:fontRef>
+        </p:style>
+      </p:cxnSp>
+      <p:cxnSp>
+        <p:nvCxnSpPr>
+          <p:cNvPr id="190" name="Straight Arrow Connector 189">
+            <a:extLst>
+              <a:ext uri="{FF2B5EF4-FFF2-40B4-BE49-F238E27FC236}">
+                <a16:creationId xmlns:a16="http://schemas.microsoft.com/office/drawing/2014/main" id="{5CA4386C-D886-29A9-FF13-4E432B78BF7C}"/>
+              </a:ext>
+            </a:extLst>
+          </p:cNvPr>
+          <p:cNvCxnSpPr>
+            <a:cxnSpLocks/>
+            <a:stCxn id="73" idx="6"/>
+            <a:endCxn id="132" idx="2"/>
+          </p:cNvCxnSpPr>
+          <p:nvPr/>
+        </p:nvCxnSpPr>
+        <p:spPr>
+          <a:xfrm flipV="1">
+            <a:off x="3972809" y="2532315"/>
+            <a:ext cx="1485053" cy="1471766"/>
+          </a:xfrm>
+          <a:prstGeom prst="straightConnector1">
+            <a:avLst/>
+          </a:prstGeom>
+          <a:ln w="12700">
+            <a:solidFill>
+              <a:schemeClr val="tx1"/>
+            </a:solidFill>
+            <a:tailEnd type="triangle"/>
+          </a:ln>
+        </p:spPr>
+        <p:style>
+          <a:lnRef idx="1">
+            <a:schemeClr val="accent1"/>
+          </a:lnRef>
+          <a:fillRef idx="0">
+            <a:schemeClr val="accent1"/>
+          </a:fillRef>
+          <a:effectRef idx="0">
+            <a:schemeClr val="accent1"/>
+          </a:effectRef>
+          <a:fontRef idx="minor">
+            <a:schemeClr val="tx1"/>
+          </a:fontRef>
+        </p:style>
+      </p:cxnSp>
+      <p:cxnSp>
+        <p:nvCxnSpPr>
+          <p:cNvPr id="195" name="Straight Arrow Connector 194">
+            <a:extLst>
+              <a:ext uri="{FF2B5EF4-FFF2-40B4-BE49-F238E27FC236}">
+                <a16:creationId xmlns:a16="http://schemas.microsoft.com/office/drawing/2014/main" id="{57FB68F2-EB6F-FDB5-EBB0-9CDC97576C19}"/>
+              </a:ext>
+            </a:extLst>
+          </p:cNvPr>
+          <p:cNvCxnSpPr>
+            <a:cxnSpLocks/>
+            <a:stCxn id="71" idx="6"/>
+            <a:endCxn id="134" idx="2"/>
+          </p:cNvCxnSpPr>
+          <p:nvPr/>
+        </p:nvCxnSpPr>
+        <p:spPr>
+          <a:xfrm>
+            <a:off x="3972809" y="3134712"/>
+            <a:ext cx="1485053" cy="261699"/>
+          </a:xfrm>
+          <a:prstGeom prst="straightConnector1">
+            <a:avLst/>
+          </a:prstGeom>
+          <a:ln w="12700">
+            <a:solidFill>
+              <a:schemeClr val="tx1"/>
+            </a:solidFill>
+            <a:tailEnd type="triangle"/>
+          </a:ln>
+        </p:spPr>
+        <p:style>
+          <a:lnRef idx="1">
+            <a:schemeClr val="accent1"/>
+          </a:lnRef>
+          <a:fillRef idx="0">
+            <a:schemeClr val="accent1"/>
+          </a:fillRef>
+          <a:effectRef idx="0">
+            <a:schemeClr val="accent1"/>
+          </a:effectRef>
+          <a:fontRef idx="minor">
+            <a:schemeClr val="tx1"/>
+          </a:fontRef>
+        </p:style>
+      </p:cxnSp>
+      <p:cxnSp>
+        <p:nvCxnSpPr>
+          <p:cNvPr id="198" name="Straight Arrow Connector 197">
+            <a:extLst>
+              <a:ext uri="{FF2B5EF4-FFF2-40B4-BE49-F238E27FC236}">
+                <a16:creationId xmlns:a16="http://schemas.microsoft.com/office/drawing/2014/main" id="{58CFA083-9AF5-6CAC-906C-B21480CAD953}"/>
+              </a:ext>
+            </a:extLst>
+          </p:cNvPr>
+          <p:cNvCxnSpPr>
+            <a:cxnSpLocks/>
+            <a:stCxn id="74" idx="6"/>
+            <a:endCxn id="133" idx="2"/>
+          </p:cNvCxnSpPr>
+          <p:nvPr/>
+        </p:nvCxnSpPr>
+        <p:spPr>
+          <a:xfrm flipV="1">
+            <a:off x="3972809" y="2964363"/>
+            <a:ext cx="1485053" cy="1471766"/>
+          </a:xfrm>
+          <a:prstGeom prst="straightConnector1">
+            <a:avLst/>
+          </a:prstGeom>
+          <a:ln w="12700">
+            <a:solidFill>
+              <a:schemeClr val="tx1"/>
+            </a:solidFill>
+            <a:tailEnd type="triangle"/>
+          </a:ln>
+        </p:spPr>
+        <p:style>
+          <a:lnRef idx="1">
+            <a:schemeClr val="accent1"/>
+          </a:lnRef>
+          <a:fillRef idx="0">
+            <a:schemeClr val="accent1"/>
+          </a:fillRef>
+          <a:effectRef idx="0">
+            <a:schemeClr val="accent1"/>
+          </a:effectRef>
+          <a:fontRef idx="minor">
+            <a:schemeClr val="tx1"/>
+          </a:fontRef>
+        </p:style>
+      </p:cxnSp>
+      <p:cxnSp>
+        <p:nvCxnSpPr>
+          <p:cNvPr id="201" name="Straight Arrow Connector 200">
+            <a:extLst>
+              <a:ext uri="{FF2B5EF4-FFF2-40B4-BE49-F238E27FC236}">
+                <a16:creationId xmlns:a16="http://schemas.microsoft.com/office/drawing/2014/main" id="{B29483F3-D458-D156-D4CC-229CFF432687}"/>
+              </a:ext>
+            </a:extLst>
+          </p:cNvPr>
+          <p:cNvCxnSpPr>
+            <a:cxnSpLocks/>
+            <a:stCxn id="74" idx="6"/>
+            <a:endCxn id="132" idx="2"/>
+          </p:cNvCxnSpPr>
+          <p:nvPr/>
+        </p:nvCxnSpPr>
+        <p:spPr>
+          <a:xfrm flipV="1">
+            <a:off x="3972809" y="2532315"/>
+            <a:ext cx="1485053" cy="1903814"/>
+          </a:xfrm>
+          <a:prstGeom prst="straightConnector1">
+            <a:avLst/>
+          </a:prstGeom>
+          <a:ln w="12700">
+            <a:solidFill>
+              <a:schemeClr val="tx1"/>
+            </a:solidFill>
+            <a:tailEnd type="triangle"/>
+          </a:ln>
+        </p:spPr>
+        <p:style>
+          <a:lnRef idx="1">
+            <a:schemeClr val="accent1"/>
+          </a:lnRef>
+          <a:fillRef idx="0">
+            <a:schemeClr val="accent1"/>
+          </a:fillRef>
+          <a:effectRef idx="0">
+            <a:schemeClr val="accent1"/>
+          </a:effectRef>
+          <a:fontRef idx="minor">
+            <a:schemeClr val="tx1"/>
+          </a:fontRef>
+        </p:style>
+      </p:cxnSp>
+      <p:sp>
+        <p:nvSpPr>
+          <p:cNvPr id="224" name="모서리가 둥근 직사각형 2">
+            <a:extLst>
+              <a:ext uri="{FF2B5EF4-FFF2-40B4-BE49-F238E27FC236}">
+                <a16:creationId xmlns:a16="http://schemas.microsoft.com/office/drawing/2014/main" id="{33250D93-4E0B-A302-7174-E0065015547F}"/>
+              </a:ext>
+            </a:extLst>
+          </p:cNvPr>
+          <p:cNvSpPr/>
+          <p:nvPr/>
+        </p:nvSpPr>
+        <p:spPr>
+          <a:xfrm>
+            <a:off x="6327112" y="2310038"/>
+            <a:ext cx="426050" cy="1308650"/>
+          </a:xfrm>
+          <a:prstGeom prst="roundRect">
+            <a:avLst>
+              <a:gd name="adj" fmla="val 13068"/>
+            </a:avLst>
+          </a:prstGeom>
+          <a:ln w="12700"/>
+        </p:spPr>
+        <p:style>
+          <a:lnRef idx="2">
+            <a:schemeClr val="dk1"/>
+          </a:lnRef>
+          <a:fillRef idx="1">
+            <a:schemeClr val="lt1"/>
+          </a:fillRef>
+          <a:effectRef idx="0">
+            <a:schemeClr val="dk1"/>
+          </a:effectRef>
+          <a:fontRef idx="minor">
+            <a:schemeClr val="dk1"/>
+          </a:fontRef>
+        </p:style>
+        <p:txBody>
+          <a:bodyPr rtlCol="0" anchor="ctr"/>
+          <a:lstStyle/>
+          <a:p>
+            <a:pPr algn="ctr"/>
+            <a:endParaRPr lang="ko-KR" altLang="en-US" sz="1000" b="1"/>
+          </a:p>
+        </p:txBody>
+      </p:sp>
+      <p:sp>
+        <p:nvSpPr>
+          <p:cNvPr id="225" name="Oval 224">
+            <a:extLst>
+              <a:ext uri="{FF2B5EF4-FFF2-40B4-BE49-F238E27FC236}">
+                <a16:creationId xmlns:a16="http://schemas.microsoft.com/office/drawing/2014/main" id="{0209009B-36CA-0FF6-282D-FE7E6CA1697F}"/>
+              </a:ext>
+            </a:extLst>
+          </p:cNvPr>
+          <p:cNvSpPr/>
+          <p:nvPr/>
+        </p:nvSpPr>
+        <p:spPr>
+          <a:xfrm>
+            <a:off x="6389275" y="2381453"/>
+            <a:ext cx="301724" cy="301724"/>
+          </a:xfrm>
+          <a:prstGeom prst="ellipse">
+            <a:avLst/>
+          </a:prstGeom>
+          <a:solidFill>
+            <a:schemeClr val="bg1"/>
+          </a:solidFill>
+          <a:ln w="12700"/>
+        </p:spPr>
+        <p:style>
+          <a:lnRef idx="2">
+            <a:schemeClr val="accent1">
+              <a:shade val="15000"/>
+            </a:schemeClr>
+          </a:lnRef>
+          <a:fillRef idx="1">
+            <a:schemeClr val="accent1"/>
+          </a:fillRef>
+          <a:effectRef idx="0">
+            <a:schemeClr val="accent1"/>
+          </a:effectRef>
+          <a:fontRef idx="minor">
+            <a:schemeClr val="lt1"/>
+          </a:fontRef>
+        </p:style>
+        <p:txBody>
+          <a:bodyPr rtlCol="0" anchor="ctr"/>
+          <a:lstStyle/>
+          <a:p>
+            <a:pPr algn="ctr"/>
+            <a:r>
+              <a:rPr lang="en-US" sz="1000">
+                <a:solidFill>
+                  <a:schemeClr val="tx1"/>
+                </a:solidFill>
+              </a:rPr>
+              <a:t>p</a:t>
+            </a:r>
+            <a:endParaRPr lang="en-KR" sz="1000">
+              <a:solidFill>
+                <a:schemeClr val="tx1"/>
+              </a:solidFill>
+            </a:endParaRPr>
+          </a:p>
+        </p:txBody>
+      </p:sp>
+      <p:sp>
+        <p:nvSpPr>
+          <p:cNvPr id="226" name="Oval 225">
+            <a:extLst>
+              <a:ext uri="{FF2B5EF4-FFF2-40B4-BE49-F238E27FC236}">
+                <a16:creationId xmlns:a16="http://schemas.microsoft.com/office/drawing/2014/main" id="{42FB57F8-3012-2018-11C5-EEE4B3F3D686}"/>
+              </a:ext>
+            </a:extLst>
+          </p:cNvPr>
+          <p:cNvSpPr/>
+          <p:nvPr/>
+        </p:nvSpPr>
+        <p:spPr>
+          <a:xfrm>
+            <a:off x="6389275" y="2813501"/>
+            <a:ext cx="301724" cy="301724"/>
+          </a:xfrm>
+          <a:prstGeom prst="ellipse">
+            <a:avLst/>
+          </a:prstGeom>
+          <a:solidFill>
+            <a:schemeClr val="bg1"/>
+          </a:solidFill>
+          <a:ln w="12700"/>
+        </p:spPr>
+        <p:style>
+          <a:lnRef idx="2">
+            <a:schemeClr val="accent1">
+              <a:shade val="15000"/>
+            </a:schemeClr>
+          </a:lnRef>
+          <a:fillRef idx="1">
+            <a:schemeClr val="accent1"/>
+          </a:fillRef>
+          <a:effectRef idx="0">
+            <a:schemeClr val="accent1"/>
+          </a:effectRef>
+          <a:fontRef idx="minor">
+            <a:schemeClr val="lt1"/>
+          </a:fontRef>
+        </p:style>
+        <p:txBody>
+          <a:bodyPr rtlCol="0" anchor="ctr"/>
+          <a:lstStyle/>
+          <a:p>
+            <a:pPr algn="ctr"/>
+            <a:r>
+              <a:rPr lang="en-US" sz="1000">
+                <a:solidFill>
+                  <a:schemeClr val="tx1"/>
+                </a:solidFill>
+              </a:rPr>
+              <a:t>p</a:t>
+            </a:r>
+            <a:endParaRPr lang="en-KR" sz="1000">
+              <a:solidFill>
+                <a:schemeClr val="tx1"/>
+              </a:solidFill>
+            </a:endParaRPr>
+          </a:p>
+        </p:txBody>
+      </p:sp>
+      <p:sp>
+        <p:nvSpPr>
+          <p:cNvPr id="227" name="Oval 226">
+            <a:extLst>
+              <a:ext uri="{FF2B5EF4-FFF2-40B4-BE49-F238E27FC236}">
+                <a16:creationId xmlns:a16="http://schemas.microsoft.com/office/drawing/2014/main" id="{4F15D779-3E1D-CCF4-BB91-4CF9A3585949}"/>
+              </a:ext>
+            </a:extLst>
+          </p:cNvPr>
+          <p:cNvSpPr/>
+          <p:nvPr/>
+        </p:nvSpPr>
+        <p:spPr>
+          <a:xfrm>
+            <a:off x="6389275" y="3245549"/>
+            <a:ext cx="301724" cy="301724"/>
+          </a:xfrm>
+          <a:prstGeom prst="ellipse">
+            <a:avLst/>
+          </a:prstGeom>
+          <a:solidFill>
+            <a:schemeClr val="bg1"/>
+          </a:solidFill>
+          <a:ln w="12700"/>
+        </p:spPr>
+        <p:style>
+          <a:lnRef idx="2">
+            <a:schemeClr val="accent1">
+              <a:shade val="15000"/>
+            </a:schemeClr>
+          </a:lnRef>
+          <a:fillRef idx="1">
+            <a:schemeClr val="accent1"/>
+          </a:fillRef>
+          <a:effectRef idx="0">
+            <a:schemeClr val="accent1"/>
+          </a:effectRef>
+          <a:fontRef idx="minor">
+            <a:schemeClr val="lt1"/>
+          </a:fontRef>
+        </p:style>
+        <p:txBody>
+          <a:bodyPr rtlCol="0" anchor="ctr"/>
+          <a:lstStyle/>
+          <a:p>
+            <a:pPr algn="ctr"/>
+            <a:r>
+              <a:rPr lang="en-US" sz="1000">
+                <a:solidFill>
+                  <a:schemeClr val="tx1"/>
+                </a:solidFill>
+              </a:rPr>
+              <a:t>p</a:t>
+            </a:r>
+            <a:endParaRPr lang="en-KR" sz="1000">
+              <a:solidFill>
+                <a:schemeClr val="tx1"/>
+              </a:solidFill>
+            </a:endParaRPr>
+          </a:p>
+        </p:txBody>
+      </p:sp>
+      <p:cxnSp>
+        <p:nvCxnSpPr>
+          <p:cNvPr id="230" name="Straight Arrow Connector 229">
+            <a:extLst>
+              <a:ext uri="{FF2B5EF4-FFF2-40B4-BE49-F238E27FC236}">
+                <a16:creationId xmlns:a16="http://schemas.microsoft.com/office/drawing/2014/main" id="{6D964DD2-3B57-632B-BD4E-96BE1D514536}"/>
+              </a:ext>
+            </a:extLst>
+          </p:cNvPr>
+          <p:cNvCxnSpPr>
+            <a:cxnSpLocks/>
+            <a:stCxn id="132" idx="6"/>
+            <a:endCxn id="225" idx="2"/>
+          </p:cNvCxnSpPr>
+          <p:nvPr/>
+        </p:nvCxnSpPr>
+        <p:spPr>
+          <a:xfrm>
+            <a:off x="5759586" y="2532315"/>
+            <a:ext cx="629689" cy="0"/>
+          </a:xfrm>
+          <a:prstGeom prst="straightConnector1">
+            <a:avLst/>
+          </a:prstGeom>
+          <a:ln w="12700">
+            <a:solidFill>
+              <a:schemeClr val="tx1"/>
+            </a:solidFill>
+            <a:tailEnd type="triangle"/>
+          </a:ln>
+        </p:spPr>
+        <p:style>
+          <a:lnRef idx="1">
+            <a:schemeClr val="accent1"/>
+          </a:lnRef>
+          <a:fillRef idx="0">
+            <a:schemeClr val="accent1"/>
+          </a:fillRef>
+          <a:effectRef idx="0">
+            <a:schemeClr val="accent1"/>
+          </a:effectRef>
+          <a:fontRef idx="minor">
+            <a:schemeClr val="tx1"/>
+          </a:fontRef>
+        </p:style>
+      </p:cxnSp>
+      <p:cxnSp>
+        <p:nvCxnSpPr>
+          <p:cNvPr id="233" name="Straight Arrow Connector 232">
+            <a:extLst>
+              <a:ext uri="{FF2B5EF4-FFF2-40B4-BE49-F238E27FC236}">
+                <a16:creationId xmlns:a16="http://schemas.microsoft.com/office/drawing/2014/main" id="{E873D55C-14B0-4302-B9AE-6911F1FF14DA}"/>
+              </a:ext>
+            </a:extLst>
+          </p:cNvPr>
+          <p:cNvCxnSpPr>
+            <a:cxnSpLocks/>
+            <a:stCxn id="133" idx="6"/>
+            <a:endCxn id="226" idx="2"/>
+          </p:cNvCxnSpPr>
+          <p:nvPr/>
+        </p:nvCxnSpPr>
+        <p:spPr>
+          <a:xfrm>
+            <a:off x="5759586" y="2964363"/>
+            <a:ext cx="629689" cy="0"/>
+          </a:xfrm>
+          <a:prstGeom prst="straightConnector1">
+            <a:avLst/>
+          </a:prstGeom>
+          <a:ln w="12700">
+            <a:solidFill>
+              <a:schemeClr val="tx1"/>
+            </a:solidFill>
+            <a:tailEnd type="triangle"/>
+          </a:ln>
+        </p:spPr>
+        <p:style>
+          <a:lnRef idx="1">
+            <a:schemeClr val="accent1"/>
+          </a:lnRef>
+          <a:fillRef idx="0">
+            <a:schemeClr val="accent1"/>
+          </a:fillRef>
+          <a:effectRef idx="0">
+            <a:schemeClr val="accent1"/>
+          </a:effectRef>
+          <a:fontRef idx="minor">
+            <a:schemeClr val="tx1"/>
+          </a:fontRef>
+        </p:style>
+      </p:cxnSp>
+      <p:cxnSp>
+        <p:nvCxnSpPr>
+          <p:cNvPr id="236" name="Straight Arrow Connector 235">
+            <a:extLst>
+              <a:ext uri="{FF2B5EF4-FFF2-40B4-BE49-F238E27FC236}">
+                <a16:creationId xmlns:a16="http://schemas.microsoft.com/office/drawing/2014/main" id="{273092F3-A5A1-C917-1CCC-7A5907CA1C2D}"/>
+              </a:ext>
+            </a:extLst>
+          </p:cNvPr>
+          <p:cNvCxnSpPr>
+            <a:cxnSpLocks/>
+            <a:stCxn id="134" idx="6"/>
+            <a:endCxn id="227" idx="2"/>
+          </p:cNvCxnSpPr>
+          <p:nvPr/>
+        </p:nvCxnSpPr>
+        <p:spPr>
+          <a:xfrm>
+            <a:off x="5759586" y="3396411"/>
+            <a:ext cx="629689" cy="0"/>
+          </a:xfrm>
+          <a:prstGeom prst="straightConnector1">
+            <a:avLst/>
+          </a:prstGeom>
+          <a:ln w="12700">
+            <a:solidFill>
+              <a:schemeClr val="tx1"/>
+            </a:solidFill>
+            <a:tailEnd type="triangle"/>
+          </a:ln>
+        </p:spPr>
+        <p:style>
+          <a:lnRef idx="1">
+            <a:schemeClr val="accent1"/>
+          </a:lnRef>
+          <a:fillRef idx="0">
+            <a:schemeClr val="accent1"/>
+          </a:fillRef>
+          <a:effectRef idx="0">
+            <a:schemeClr val="accent1"/>
+          </a:effectRef>
+          <a:fontRef idx="minor">
+            <a:schemeClr val="tx1"/>
+          </a:fontRef>
+        </p:style>
+      </p:cxnSp>
+      <p:sp>
+        <p:nvSpPr>
+          <p:cNvPr id="242" name="모서리가 둥근 직사각형 2">
+            <a:extLst>
+              <a:ext uri="{FF2B5EF4-FFF2-40B4-BE49-F238E27FC236}">
+                <a16:creationId xmlns:a16="http://schemas.microsoft.com/office/drawing/2014/main" id="{7B4C0B26-0D7D-7DA5-9215-187CCBBCD57A}"/>
+              </a:ext>
+            </a:extLst>
+          </p:cNvPr>
+          <p:cNvSpPr/>
+          <p:nvPr/>
+        </p:nvSpPr>
+        <p:spPr>
+          <a:xfrm>
+            <a:off x="7258525" y="2310038"/>
+            <a:ext cx="426050" cy="1308650"/>
+          </a:xfrm>
+          <a:prstGeom prst="roundRect">
+            <a:avLst>
+              <a:gd name="adj" fmla="val 13068"/>
+            </a:avLst>
+          </a:prstGeom>
+          <a:solidFill>
+            <a:schemeClr val="bg1">
+              <a:lumMod val="85000"/>
+            </a:schemeClr>
+          </a:solidFill>
+          <a:ln w="12700"/>
+        </p:spPr>
+        <p:style>
+          <a:lnRef idx="2">
+            <a:schemeClr val="dk1"/>
+          </a:lnRef>
+          <a:fillRef idx="1">
+            <a:schemeClr val="lt1"/>
+          </a:fillRef>
+          <a:effectRef idx="0">
+            <a:schemeClr val="dk1"/>
+          </a:effectRef>
+          <a:fontRef idx="minor">
+            <a:schemeClr val="dk1"/>
+          </a:fontRef>
+        </p:style>
+        <p:txBody>
+          <a:bodyPr rtlCol="0" anchor="ctr"/>
+          <a:lstStyle/>
+          <a:p>
+            <a:pPr algn="ctr"/>
+            <a:endParaRPr lang="ko-KR" altLang="en-US" sz="1000" b="1"/>
+          </a:p>
+        </p:txBody>
+      </p:sp>
+      <p:sp>
+        <p:nvSpPr>
+          <p:cNvPr id="243" name="모서리가 둥근 직사각형 2">
+            <a:extLst>
+              <a:ext uri="{FF2B5EF4-FFF2-40B4-BE49-F238E27FC236}">
+                <a16:creationId xmlns:a16="http://schemas.microsoft.com/office/drawing/2014/main" id="{7455EC20-2614-1336-999A-1DA130FB2E8F}"/>
+              </a:ext>
+            </a:extLst>
+          </p:cNvPr>
+          <p:cNvSpPr/>
+          <p:nvPr/>
+        </p:nvSpPr>
+        <p:spPr>
+          <a:xfrm>
+            <a:off x="7327534" y="2381453"/>
+            <a:ext cx="288032" cy="301724"/>
+          </a:xfrm>
+          <a:prstGeom prst="roundRect">
+            <a:avLst>
+              <a:gd name="adj" fmla="val 13068"/>
+            </a:avLst>
+          </a:prstGeom>
+          <a:ln w="12700"/>
+        </p:spPr>
+        <p:style>
+          <a:lnRef idx="2">
+            <a:schemeClr val="dk1"/>
+          </a:lnRef>
+          <a:fillRef idx="1">
+            <a:schemeClr val="lt1"/>
+          </a:fillRef>
+          <a:effectRef idx="0">
+            <a:schemeClr val="dk1"/>
+          </a:effectRef>
+          <a:fontRef idx="minor">
+            <a:schemeClr val="dk1"/>
+          </a:fontRef>
+        </p:style>
+        <p:txBody>
+          <a:bodyPr rtlCol="0" anchor="ctr"/>
+          <a:lstStyle/>
+          <a:p>
+            <a:pPr algn="ctr"/>
+            <a:r>
+              <a:rPr lang="en-US" altLang="ko-KR" sz="1000"/>
+              <a:t>r</a:t>
+            </a:r>
+            <a:endParaRPr lang="ko-KR" altLang="en-US" sz="1000"/>
+          </a:p>
+        </p:txBody>
+      </p:sp>
+      <p:sp>
+        <p:nvSpPr>
+          <p:cNvPr id="244" name="모서리가 둥근 직사각형 2">
+            <a:extLst>
+              <a:ext uri="{FF2B5EF4-FFF2-40B4-BE49-F238E27FC236}">
+                <a16:creationId xmlns:a16="http://schemas.microsoft.com/office/drawing/2014/main" id="{C0229ABE-8D7E-8BBC-A5A2-35BE01F19B53}"/>
+              </a:ext>
+            </a:extLst>
+          </p:cNvPr>
+          <p:cNvSpPr/>
+          <p:nvPr/>
+        </p:nvSpPr>
+        <p:spPr>
+          <a:xfrm>
+            <a:off x="7327534" y="2813501"/>
+            <a:ext cx="288032" cy="301724"/>
+          </a:xfrm>
+          <a:prstGeom prst="roundRect">
+            <a:avLst>
+              <a:gd name="adj" fmla="val 13068"/>
+            </a:avLst>
+          </a:prstGeom>
+          <a:ln w="12700"/>
+        </p:spPr>
+        <p:style>
+          <a:lnRef idx="2">
+            <a:schemeClr val="dk1"/>
+          </a:lnRef>
+          <a:fillRef idx="1">
+            <a:schemeClr val="lt1"/>
+          </a:fillRef>
+          <a:effectRef idx="0">
+            <a:schemeClr val="dk1"/>
+          </a:effectRef>
+          <a:fontRef idx="minor">
+            <a:schemeClr val="dk1"/>
+          </a:fontRef>
+        </p:style>
+        <p:txBody>
+          <a:bodyPr rtlCol="0" anchor="ctr"/>
+          <a:lstStyle/>
+          <a:p>
+            <a:pPr algn="ctr"/>
+            <a:r>
+              <a:rPr lang="en-US" altLang="ko-KR" sz="1000"/>
+              <a:t>r</a:t>
+            </a:r>
+            <a:endParaRPr lang="ko-KR" altLang="en-US" sz="1000"/>
+          </a:p>
+        </p:txBody>
+      </p:sp>
+      <p:sp>
+        <p:nvSpPr>
+          <p:cNvPr id="245" name="모서리가 둥근 직사각형 2">
+            <a:extLst>
+              <a:ext uri="{FF2B5EF4-FFF2-40B4-BE49-F238E27FC236}">
+                <a16:creationId xmlns:a16="http://schemas.microsoft.com/office/drawing/2014/main" id="{EA4238FF-F823-7AAA-61D4-E39822294DA6}"/>
+              </a:ext>
+            </a:extLst>
+          </p:cNvPr>
+          <p:cNvSpPr/>
+          <p:nvPr/>
+        </p:nvSpPr>
+        <p:spPr>
+          <a:xfrm>
+            <a:off x="7327534" y="3245549"/>
+            <a:ext cx="288032" cy="301724"/>
+          </a:xfrm>
+          <a:prstGeom prst="roundRect">
+            <a:avLst>
+              <a:gd name="adj" fmla="val 13068"/>
+            </a:avLst>
+          </a:prstGeom>
+          <a:ln w="12700"/>
+        </p:spPr>
+        <p:style>
+          <a:lnRef idx="2">
+            <a:schemeClr val="dk1"/>
+          </a:lnRef>
+          <a:fillRef idx="1">
+            <a:schemeClr val="lt1"/>
+          </a:fillRef>
+          <a:effectRef idx="0">
+            <a:schemeClr val="dk1"/>
+          </a:effectRef>
+          <a:fontRef idx="minor">
+            <a:schemeClr val="dk1"/>
+          </a:fontRef>
+        </p:style>
+        <p:txBody>
+          <a:bodyPr rtlCol="0" anchor="ctr"/>
+          <a:lstStyle/>
+          <a:p>
+            <a:pPr algn="ctr"/>
+            <a:r>
+              <a:rPr lang="en-US" altLang="ko-KR" sz="1000"/>
+              <a:t>r</a:t>
+            </a:r>
+            <a:endParaRPr lang="ko-KR" altLang="en-US" sz="1000"/>
+          </a:p>
+        </p:txBody>
+      </p:sp>
+      <p:cxnSp>
+        <p:nvCxnSpPr>
+          <p:cNvPr id="246" name="Straight Arrow Connector 245">
+            <a:extLst>
+              <a:ext uri="{FF2B5EF4-FFF2-40B4-BE49-F238E27FC236}">
+                <a16:creationId xmlns:a16="http://schemas.microsoft.com/office/drawing/2014/main" id="{3DC052E4-235D-386C-4F3D-EAB0EE9BA41F}"/>
+              </a:ext>
+            </a:extLst>
+          </p:cNvPr>
+          <p:cNvCxnSpPr>
+            <a:cxnSpLocks/>
+            <a:stCxn id="227" idx="6"/>
+            <a:endCxn id="245" idx="1"/>
+          </p:cNvCxnSpPr>
+          <p:nvPr/>
+        </p:nvCxnSpPr>
+        <p:spPr>
+          <a:xfrm>
+            <a:off x="6690999" y="3396411"/>
+            <a:ext cx="636535" cy="0"/>
+          </a:xfrm>
+          <a:prstGeom prst="straightConnector1">
+            <a:avLst/>
+          </a:prstGeom>
+          <a:ln w="12700">
+            <a:solidFill>
+              <a:schemeClr val="tx1"/>
+            </a:solidFill>
+            <a:tailEnd type="triangle"/>
+          </a:ln>
+        </p:spPr>
+        <p:style>
+          <a:lnRef idx="1">
+            <a:schemeClr val="accent1"/>
+          </a:lnRef>
+          <a:fillRef idx="0">
+            <a:schemeClr val="accent1"/>
+          </a:fillRef>
+          <a:effectRef idx="0">
+            <a:schemeClr val="accent1"/>
+          </a:effectRef>
+          <a:fontRef idx="minor">
+            <a:schemeClr val="tx1"/>
+          </a:fontRef>
+        </p:style>
+      </p:cxnSp>
+      <p:cxnSp>
+        <p:nvCxnSpPr>
+          <p:cNvPr id="249" name="Straight Arrow Connector 248">
+            <a:extLst>
+              <a:ext uri="{FF2B5EF4-FFF2-40B4-BE49-F238E27FC236}">
+                <a16:creationId xmlns:a16="http://schemas.microsoft.com/office/drawing/2014/main" id="{D8FECE5D-F704-F6EF-AA41-EE28E386419A}"/>
+              </a:ext>
+            </a:extLst>
+          </p:cNvPr>
+          <p:cNvCxnSpPr>
+            <a:cxnSpLocks/>
+            <a:stCxn id="226" idx="6"/>
+            <a:endCxn id="244" idx="1"/>
+          </p:cNvCxnSpPr>
+          <p:nvPr/>
+        </p:nvCxnSpPr>
+        <p:spPr>
+          <a:xfrm>
+            <a:off x="6690999" y="2964363"/>
+            <a:ext cx="636535" cy="0"/>
+          </a:xfrm>
+          <a:prstGeom prst="straightConnector1">
+            <a:avLst/>
+          </a:prstGeom>
+          <a:ln w="12700">
+            <a:solidFill>
+              <a:schemeClr val="tx1"/>
+            </a:solidFill>
+            <a:tailEnd type="triangle"/>
+          </a:ln>
+        </p:spPr>
+        <p:style>
+          <a:lnRef idx="1">
+            <a:schemeClr val="accent1"/>
+          </a:lnRef>
+          <a:fillRef idx="0">
+            <a:schemeClr val="accent1"/>
+          </a:fillRef>
+          <a:effectRef idx="0">
+            <a:schemeClr val="accent1"/>
+          </a:effectRef>
+          <a:fontRef idx="minor">
+            <a:schemeClr val="tx1"/>
+          </a:fontRef>
+        </p:style>
+      </p:cxnSp>
+      <p:cxnSp>
+        <p:nvCxnSpPr>
+          <p:cNvPr id="252" name="Straight Arrow Connector 251">
+            <a:extLst>
+              <a:ext uri="{FF2B5EF4-FFF2-40B4-BE49-F238E27FC236}">
+                <a16:creationId xmlns:a16="http://schemas.microsoft.com/office/drawing/2014/main" id="{A5900E0F-2BE8-4270-435A-B96465A7A6AB}"/>
+              </a:ext>
+            </a:extLst>
+          </p:cNvPr>
+          <p:cNvCxnSpPr>
+            <a:cxnSpLocks/>
+            <a:stCxn id="225" idx="6"/>
+            <a:endCxn id="243" idx="1"/>
+          </p:cNvCxnSpPr>
+          <p:nvPr/>
+        </p:nvCxnSpPr>
+        <p:spPr>
+          <a:xfrm>
+            <a:off x="6690999" y="2532315"/>
+            <a:ext cx="636535" cy="0"/>
+          </a:xfrm>
+          <a:prstGeom prst="straightConnector1">
+            <a:avLst/>
+          </a:prstGeom>
+          <a:ln w="12700">
+            <a:solidFill>
+              <a:schemeClr val="tx1"/>
+            </a:solidFill>
+            <a:tailEnd type="triangle"/>
+          </a:ln>
+        </p:spPr>
+        <p:style>
+          <a:lnRef idx="1">
+            <a:schemeClr val="accent1"/>
+          </a:lnRef>
+          <a:fillRef idx="0">
+            <a:schemeClr val="accent1"/>
+          </a:fillRef>
+          <a:effectRef idx="0">
+            <a:schemeClr val="accent1"/>
+          </a:effectRef>
+          <a:fontRef idx="minor">
+            <a:schemeClr val="tx1"/>
+          </a:fontRef>
+        </p:style>
+      </p:cxnSp>
+      <p:sp>
+        <p:nvSpPr>
+          <p:cNvPr id="255" name="Rounded Rectangle 254">
+            <a:extLst>
+              <a:ext uri="{FF2B5EF4-FFF2-40B4-BE49-F238E27FC236}">
+                <a16:creationId xmlns:a16="http://schemas.microsoft.com/office/drawing/2014/main" id="{C3C86DEF-6D59-08B7-0ABE-77BEEF07F450}"/>
+              </a:ext>
+            </a:extLst>
+          </p:cNvPr>
+          <p:cNvSpPr/>
+          <p:nvPr/>
+        </p:nvSpPr>
+        <p:spPr>
+          <a:xfrm>
+            <a:off x="4356352" y="415340"/>
+            <a:ext cx="3434400" cy="3311146"/>
+          </a:xfrm>
+          <a:prstGeom prst="roundRect">
+            <a:avLst>
+              <a:gd name="adj" fmla="val 2808"/>
+            </a:avLst>
+          </a:prstGeom>
+          <a:noFill/>
+          <a:ln w="12700">
+            <a:prstDash val="dash"/>
+          </a:ln>
+        </p:spPr>
+        <p:style>
+          <a:lnRef idx="2">
+            <a:schemeClr val="accent1">
+              <a:shade val="15000"/>
+            </a:schemeClr>
+          </a:lnRef>
+          <a:fillRef idx="1">
+            <a:schemeClr val="accent1"/>
+          </a:fillRef>
+          <a:effectRef idx="0">
+            <a:schemeClr val="accent1"/>
+          </a:effectRef>
+          <a:fontRef idx="minor">
+            <a:schemeClr val="lt1"/>
+          </a:fontRef>
+        </p:style>
+        <p:txBody>
+          <a:bodyPr rtlCol="0" anchor="t"/>
+          <a:lstStyle/>
+          <a:p>
+            <a:pPr algn="ctr"/>
+            <a:r>
+              <a:rPr lang="en-KR" sz="1100">
+                <a:ln w="0"/>
+                <a:solidFill>
+                  <a:schemeClr val="tx1"/>
+                </a:solidFill>
+              </a:rPr>
+              <a:t>Stage C / ResultStage / 3 Tasks</a:t>
+            </a:r>
+          </a:p>
+        </p:txBody>
+      </p:sp>
+      <p:sp>
+        <p:nvSpPr>
+          <p:cNvPr id="383" name="TextBox 382">
+            <a:extLst>
+              <a:ext uri="{FF2B5EF4-FFF2-40B4-BE49-F238E27FC236}">
+                <a16:creationId xmlns:a16="http://schemas.microsoft.com/office/drawing/2014/main" id="{82CAA2F6-EEB7-984F-7130-FF6917C7CAC3}"/>
+              </a:ext>
+            </a:extLst>
+          </p:cNvPr>
+          <p:cNvSpPr txBox="1"/>
+          <p:nvPr/>
+        </p:nvSpPr>
+        <p:spPr>
+          <a:xfrm>
+            <a:off x="2118352" y="2679121"/>
+            <a:ext cx="621320" cy="246221"/>
+          </a:xfrm>
+          <a:prstGeom prst="rect">
+            <a:avLst/>
+          </a:prstGeom>
+          <a:noFill/>
+        </p:spPr>
+        <p:txBody>
+          <a:bodyPr wrap="square" rtlCol="0">
+            <a:spAutoFit/>
+          </a:bodyPr>
+          <a:lstStyle/>
+          <a:p>
+            <a:pPr algn="ctr"/>
+            <a:r>
+              <a:rPr lang="en-KR" sz="1000"/>
+              <a:t>map()</a:t>
+            </a:r>
+          </a:p>
+        </p:txBody>
+      </p:sp>
+      <p:sp>
+        <p:nvSpPr>
+          <p:cNvPr id="384" name="TextBox 383">
+            <a:extLst>
+              <a:ext uri="{FF2B5EF4-FFF2-40B4-BE49-F238E27FC236}">
+                <a16:creationId xmlns:a16="http://schemas.microsoft.com/office/drawing/2014/main" id="{2A07BB20-7695-B14E-5B45-143E2CEA2463}"/>
+              </a:ext>
+            </a:extLst>
+          </p:cNvPr>
+          <p:cNvSpPr txBox="1"/>
+          <p:nvPr/>
+        </p:nvSpPr>
+        <p:spPr>
+          <a:xfrm>
+            <a:off x="3060936" y="2738110"/>
+            <a:ext cx="625492" cy="246221"/>
+          </a:xfrm>
+          <a:prstGeom prst="rect">
+            <a:avLst/>
+          </a:prstGeom>
+          <a:noFill/>
+        </p:spPr>
+        <p:txBody>
+          <a:bodyPr wrap="square" rtlCol="0">
+            <a:spAutoFit/>
+          </a:bodyPr>
+          <a:lstStyle/>
+          <a:p>
+            <a:pPr algn="ctr"/>
+            <a:r>
+              <a:rPr lang="en-KR" sz="1000"/>
+              <a:t>union()</a:t>
+            </a:r>
+          </a:p>
+        </p:txBody>
+      </p:sp>
+      <p:sp>
+        <p:nvSpPr>
+          <p:cNvPr id="385" name="TextBox 384">
+            <a:extLst>
+              <a:ext uri="{FF2B5EF4-FFF2-40B4-BE49-F238E27FC236}">
+                <a16:creationId xmlns:a16="http://schemas.microsoft.com/office/drawing/2014/main" id="{428DE154-94BB-D736-3A04-721885F5176B}"/>
+              </a:ext>
+            </a:extLst>
+          </p:cNvPr>
+          <p:cNvSpPr txBox="1"/>
+          <p:nvPr/>
+        </p:nvSpPr>
+        <p:spPr>
+          <a:xfrm>
+            <a:off x="3389787" y="728783"/>
+            <a:ext cx="785458" cy="246221"/>
+          </a:xfrm>
+          <a:prstGeom prst="rect">
+            <a:avLst/>
+          </a:prstGeom>
+          <a:noFill/>
+        </p:spPr>
+        <p:txBody>
+          <a:bodyPr wrap="square" rtlCol="0">
+            <a:spAutoFit/>
+          </a:bodyPr>
+          <a:lstStyle/>
+          <a:p>
+            <a:pPr algn="ctr"/>
+            <a:r>
+              <a:rPr lang="en-KR" sz="1000"/>
+              <a:t>groupBy()</a:t>
+            </a:r>
+          </a:p>
+        </p:txBody>
+      </p:sp>
+      <p:sp>
+        <p:nvSpPr>
+          <p:cNvPr id="386" name="TextBox 385">
+            <a:extLst>
+              <a:ext uri="{FF2B5EF4-FFF2-40B4-BE49-F238E27FC236}">
+                <a16:creationId xmlns:a16="http://schemas.microsoft.com/office/drawing/2014/main" id="{F72635C7-47A1-C9EA-5DDC-C2F6390D5C03}"/>
+              </a:ext>
+            </a:extLst>
+          </p:cNvPr>
+          <p:cNvSpPr txBox="1"/>
+          <p:nvPr/>
+        </p:nvSpPr>
+        <p:spPr>
+          <a:xfrm>
+            <a:off x="5773278" y="2297206"/>
+            <a:ext cx="607628" cy="246221"/>
+          </a:xfrm>
+          <a:prstGeom prst="rect">
+            <a:avLst/>
+          </a:prstGeom>
+          <a:noFill/>
+        </p:spPr>
+        <p:txBody>
+          <a:bodyPr wrap="square" rtlCol="0">
+            <a:spAutoFit/>
+          </a:bodyPr>
+          <a:lstStyle/>
+          <a:p>
+            <a:pPr algn="ctr"/>
+            <a:r>
+              <a:rPr lang="en-KR" sz="1000"/>
+              <a:t>map()</a:t>
+            </a:r>
+          </a:p>
+        </p:txBody>
+      </p:sp>
+      <p:sp>
+        <p:nvSpPr>
+          <p:cNvPr id="387" name="TextBox 386">
+            <a:extLst>
+              <a:ext uri="{FF2B5EF4-FFF2-40B4-BE49-F238E27FC236}">
+                <a16:creationId xmlns:a16="http://schemas.microsoft.com/office/drawing/2014/main" id="{A29D89A5-53E2-B7F1-E61A-9AE96049886A}"/>
+              </a:ext>
+            </a:extLst>
+          </p:cNvPr>
+          <p:cNvSpPr txBox="1"/>
+          <p:nvPr/>
+        </p:nvSpPr>
+        <p:spPr>
+          <a:xfrm>
+            <a:off x="6697845" y="2297206"/>
+            <a:ext cx="607628" cy="246221"/>
+          </a:xfrm>
+          <a:prstGeom prst="rect">
+            <a:avLst/>
+          </a:prstGeom>
+          <a:noFill/>
+        </p:spPr>
+        <p:txBody>
+          <a:bodyPr wrap="square" rtlCol="0">
+            <a:spAutoFit/>
+          </a:bodyPr>
+          <a:lstStyle/>
+          <a:p>
+            <a:pPr algn="ctr"/>
+            <a:r>
+              <a:rPr lang="en-KR" sz="1000"/>
+              <a:t>filter()</a:t>
+            </a:r>
+          </a:p>
+        </p:txBody>
+      </p:sp>
+      <p:sp>
+        <p:nvSpPr>
+          <p:cNvPr id="409" name="TextBox 408">
+            <a:extLst>
+              <a:ext uri="{FF2B5EF4-FFF2-40B4-BE49-F238E27FC236}">
+                <a16:creationId xmlns:a16="http://schemas.microsoft.com/office/drawing/2014/main" id="{31B58071-F7D5-71BA-0A9F-27B4AF342C26}"/>
+              </a:ext>
+            </a:extLst>
+          </p:cNvPr>
+          <p:cNvSpPr txBox="1"/>
+          <p:nvPr/>
+        </p:nvSpPr>
+        <p:spPr>
+          <a:xfrm>
+            <a:off x="4320978" y="2534029"/>
+            <a:ext cx="785458" cy="246221"/>
+          </a:xfrm>
+          <a:prstGeom prst="rect">
+            <a:avLst/>
+          </a:prstGeom>
+          <a:noFill/>
+        </p:spPr>
+        <p:txBody>
+          <a:bodyPr wrap="square" rtlCol="0">
+            <a:spAutoFit/>
+          </a:bodyPr>
+          <a:lstStyle/>
+          <a:p>
+            <a:pPr algn="ctr"/>
+            <a:r>
+              <a:rPr lang="en-KR" sz="1000"/>
+              <a:t>join()</a:t>
+            </a:r>
+          </a:p>
+        </p:txBody>
+      </p:sp>
+      <p:sp>
+        <p:nvSpPr>
+          <p:cNvPr id="470" name="Rounded Rectangle 469">
+            <a:extLst>
+              <a:ext uri="{FF2B5EF4-FFF2-40B4-BE49-F238E27FC236}">
+                <a16:creationId xmlns:a16="http://schemas.microsoft.com/office/drawing/2014/main" id="{04A50B1D-6230-6338-A54B-2765115CEF85}"/>
+              </a:ext>
+            </a:extLst>
+          </p:cNvPr>
+          <p:cNvSpPr/>
+          <p:nvPr/>
+        </p:nvSpPr>
+        <p:spPr>
+          <a:xfrm>
+            <a:off x="611560" y="88120"/>
+            <a:ext cx="7276013" cy="4944570"/>
+          </a:xfrm>
+          <a:prstGeom prst="roundRect">
+            <a:avLst>
+              <a:gd name="adj" fmla="val 2621"/>
+            </a:avLst>
+          </a:prstGeom>
+          <a:noFill/>
+          <a:ln w="12700">
+            <a:prstDash val="dash"/>
+          </a:ln>
+        </p:spPr>
+        <p:style>
+          <a:lnRef idx="2">
+            <a:schemeClr val="accent1">
+              <a:shade val="15000"/>
+            </a:schemeClr>
+          </a:lnRef>
+          <a:fillRef idx="1">
+            <a:schemeClr val="accent1"/>
+          </a:fillRef>
+          <a:effectRef idx="0">
+            <a:schemeClr val="accent1"/>
+          </a:effectRef>
+          <a:fontRef idx="minor">
+            <a:schemeClr val="lt1"/>
+          </a:fontRef>
+        </p:style>
+        <p:txBody>
+          <a:bodyPr rtlCol="0" anchor="t"/>
+          <a:lstStyle/>
+          <a:p>
+            <a:pPr algn="ctr"/>
+            <a:r>
+              <a:rPr lang="en-KR" sz="1100">
+                <a:ln w="0"/>
+                <a:solidFill>
+                  <a:schemeClr val="tx1"/>
+                </a:solidFill>
+              </a:rPr>
+              <a:t>Job</a:t>
+            </a:r>
+          </a:p>
+        </p:txBody>
+      </p:sp>
+      <p:sp>
+        <p:nvSpPr>
+          <p:cNvPr id="7" name="모서리가 둥근 직사각형 2">
+            <a:extLst>
+              <a:ext uri="{FF2B5EF4-FFF2-40B4-BE49-F238E27FC236}">
+                <a16:creationId xmlns:a16="http://schemas.microsoft.com/office/drawing/2014/main" id="{10E3E657-9C3B-D7A4-A415-9FC32D43CEE2}"/>
+              </a:ext>
+            </a:extLst>
+          </p:cNvPr>
+          <p:cNvSpPr/>
+          <p:nvPr/>
+        </p:nvSpPr>
+        <p:spPr>
+          <a:xfrm>
+            <a:off x="4798687" y="3906333"/>
+            <a:ext cx="446228" cy="184948"/>
+          </a:xfrm>
+          <a:prstGeom prst="roundRect">
+            <a:avLst>
+              <a:gd name="adj" fmla="val 13068"/>
+            </a:avLst>
+          </a:prstGeom>
+          <a:ln w="12700"/>
+        </p:spPr>
+        <p:style>
+          <a:lnRef idx="2">
+            <a:schemeClr val="dk1"/>
+          </a:lnRef>
+          <a:fillRef idx="1">
+            <a:schemeClr val="lt1"/>
+          </a:fillRef>
+          <a:effectRef idx="0">
+            <a:schemeClr val="dk1"/>
+          </a:effectRef>
+          <a:fontRef idx="minor">
+            <a:schemeClr val="dk1"/>
+          </a:fontRef>
+        </p:style>
+        <p:txBody>
+          <a:bodyPr rtlCol="0" anchor="ctr"/>
+          <a:lstStyle/>
+          <a:p>
+            <a:pPr algn="ctr"/>
+            <a:endParaRPr lang="ko-KR" altLang="en-US" sz="1000" b="1"/>
+          </a:p>
+        </p:txBody>
+      </p:sp>
+      <p:sp>
+        <p:nvSpPr>
+          <p:cNvPr id="11" name="TextBox 10">
+            <a:extLst>
+              <a:ext uri="{FF2B5EF4-FFF2-40B4-BE49-F238E27FC236}">
+                <a16:creationId xmlns:a16="http://schemas.microsoft.com/office/drawing/2014/main" id="{D17FB6B1-BE6A-8193-C1C2-73A5C84CE75A}"/>
+              </a:ext>
+            </a:extLst>
+          </p:cNvPr>
+          <p:cNvSpPr txBox="1"/>
+          <p:nvPr/>
+        </p:nvSpPr>
+        <p:spPr>
+          <a:xfrm>
+            <a:off x="5224697" y="3871956"/>
+            <a:ext cx="626474" cy="246221"/>
+          </a:xfrm>
+          <a:prstGeom prst="rect">
+            <a:avLst/>
+          </a:prstGeom>
+          <a:noFill/>
+        </p:spPr>
+        <p:txBody>
+          <a:bodyPr wrap="square" rtlCol="0">
+            <a:spAutoFit/>
+          </a:bodyPr>
+          <a:lstStyle/>
+          <a:p>
+            <a:r>
+              <a:rPr lang="en-KR" sz="1000"/>
+              <a:t>: RDD</a:t>
+            </a:r>
+          </a:p>
+        </p:txBody>
+      </p:sp>
+      <p:sp>
+        <p:nvSpPr>
+          <p:cNvPr id="20" name="Oval 19">
+            <a:extLst>
+              <a:ext uri="{FF2B5EF4-FFF2-40B4-BE49-F238E27FC236}">
+                <a16:creationId xmlns:a16="http://schemas.microsoft.com/office/drawing/2014/main" id="{6C5AC236-5C39-1EE0-18B0-D78D453A455B}"/>
+              </a:ext>
+            </a:extLst>
+          </p:cNvPr>
+          <p:cNvSpPr/>
+          <p:nvPr/>
+        </p:nvSpPr>
+        <p:spPr>
+          <a:xfrm>
+            <a:off x="4870939" y="4193838"/>
+            <a:ext cx="301724" cy="301724"/>
+          </a:xfrm>
+          <a:prstGeom prst="ellipse">
+            <a:avLst/>
+          </a:prstGeom>
+          <a:solidFill>
+            <a:schemeClr val="bg1"/>
+          </a:solidFill>
+          <a:ln w="12700"/>
+        </p:spPr>
+        <p:style>
+          <a:lnRef idx="2">
+            <a:schemeClr val="accent1">
+              <a:shade val="15000"/>
+            </a:schemeClr>
+          </a:lnRef>
+          <a:fillRef idx="1">
+            <a:schemeClr val="accent1"/>
+          </a:fillRef>
+          <a:effectRef idx="0">
+            <a:schemeClr val="accent1"/>
+          </a:effectRef>
+          <a:fontRef idx="minor">
+            <a:schemeClr val="lt1"/>
+          </a:fontRef>
+        </p:style>
+        <p:txBody>
+          <a:bodyPr rtlCol="0" anchor="ctr"/>
+          <a:lstStyle/>
+          <a:p>
+            <a:pPr algn="ctr"/>
+            <a:r>
+              <a:rPr lang="en-US" sz="1000">
+                <a:solidFill>
+                  <a:schemeClr val="tx1"/>
+                </a:solidFill>
+              </a:rPr>
+              <a:t>p</a:t>
+            </a:r>
+            <a:endParaRPr lang="en-KR" sz="1000">
+              <a:solidFill>
+                <a:schemeClr val="tx1"/>
+              </a:solidFill>
+            </a:endParaRPr>
+          </a:p>
+        </p:txBody>
+      </p:sp>
+      <p:sp>
+        <p:nvSpPr>
+          <p:cNvPr id="21" name="TextBox 20">
+            <a:extLst>
+              <a:ext uri="{FF2B5EF4-FFF2-40B4-BE49-F238E27FC236}">
+                <a16:creationId xmlns:a16="http://schemas.microsoft.com/office/drawing/2014/main" id="{95205ADF-F181-B1FE-73AF-1685A7C84E78}"/>
+              </a:ext>
+            </a:extLst>
+          </p:cNvPr>
+          <p:cNvSpPr txBox="1"/>
+          <p:nvPr/>
+        </p:nvSpPr>
+        <p:spPr>
+          <a:xfrm>
+            <a:off x="5224697" y="4208867"/>
+            <a:ext cx="836394" cy="246221"/>
+          </a:xfrm>
+          <a:prstGeom prst="rect">
+            <a:avLst/>
+          </a:prstGeom>
+          <a:noFill/>
+        </p:spPr>
+        <p:txBody>
+          <a:bodyPr wrap="square" rtlCol="0">
+            <a:spAutoFit/>
+          </a:bodyPr>
+          <a:lstStyle/>
+          <a:p>
+            <a:r>
+              <a:rPr lang="en-KR" sz="1000"/>
+              <a:t>: Partition</a:t>
+            </a:r>
+          </a:p>
+        </p:txBody>
+      </p:sp>
+      <p:sp>
+        <p:nvSpPr>
+          <p:cNvPr id="23" name="모서리가 둥근 직사각형 2">
+            <a:extLst>
+              <a:ext uri="{FF2B5EF4-FFF2-40B4-BE49-F238E27FC236}">
+                <a16:creationId xmlns:a16="http://schemas.microsoft.com/office/drawing/2014/main" id="{84548D26-AEC5-5CA8-2463-180A62409771}"/>
+              </a:ext>
+            </a:extLst>
+          </p:cNvPr>
+          <p:cNvSpPr/>
+          <p:nvPr/>
+        </p:nvSpPr>
+        <p:spPr>
+          <a:xfrm>
+            <a:off x="6036282" y="3906333"/>
+            <a:ext cx="446228" cy="184948"/>
+          </a:xfrm>
+          <a:prstGeom prst="roundRect">
+            <a:avLst>
+              <a:gd name="adj" fmla="val 13068"/>
+            </a:avLst>
+          </a:prstGeom>
+          <a:solidFill>
+            <a:schemeClr val="bg1">
+              <a:lumMod val="85000"/>
+            </a:schemeClr>
+          </a:solidFill>
+          <a:ln w="12700"/>
+        </p:spPr>
+        <p:style>
+          <a:lnRef idx="2">
+            <a:schemeClr val="dk1"/>
+          </a:lnRef>
+          <a:fillRef idx="1">
+            <a:schemeClr val="lt1"/>
+          </a:fillRef>
+          <a:effectRef idx="0">
+            <a:schemeClr val="dk1"/>
+          </a:effectRef>
+          <a:fontRef idx="minor">
+            <a:schemeClr val="dk1"/>
+          </a:fontRef>
+        </p:style>
+        <p:txBody>
+          <a:bodyPr rtlCol="0" anchor="ctr"/>
+          <a:lstStyle/>
+          <a:p>
+            <a:pPr algn="ctr"/>
+            <a:endParaRPr lang="ko-KR" altLang="en-US" sz="1000" b="1"/>
+          </a:p>
+        </p:txBody>
+      </p:sp>
+      <p:sp>
+        <p:nvSpPr>
+          <p:cNvPr id="24" name="TextBox 23">
+            <a:extLst>
+              <a:ext uri="{FF2B5EF4-FFF2-40B4-BE49-F238E27FC236}">
+                <a16:creationId xmlns:a16="http://schemas.microsoft.com/office/drawing/2014/main" id="{39807597-2B32-EA88-3134-2F72092664F9}"/>
+              </a:ext>
+            </a:extLst>
+          </p:cNvPr>
+          <p:cNvSpPr txBox="1"/>
+          <p:nvPr/>
+        </p:nvSpPr>
+        <p:spPr>
+          <a:xfrm>
+            <a:off x="6470479" y="3871956"/>
+            <a:ext cx="1419860" cy="246221"/>
+          </a:xfrm>
+          <a:prstGeom prst="rect">
+            <a:avLst/>
+          </a:prstGeom>
+          <a:noFill/>
+        </p:spPr>
+        <p:txBody>
+          <a:bodyPr wrap="square" rtlCol="0">
+            <a:spAutoFit/>
+          </a:bodyPr>
+          <a:lstStyle/>
+          <a:p>
+            <a:r>
+              <a:rPr lang="en-KR" sz="1000"/>
+              <a:t>: Storage, Filesystem</a:t>
+            </a:r>
+          </a:p>
+        </p:txBody>
+      </p:sp>
+      <p:sp>
+        <p:nvSpPr>
+          <p:cNvPr id="27" name="모서리가 둥근 직사각형 2">
+            <a:extLst>
+              <a:ext uri="{FF2B5EF4-FFF2-40B4-BE49-F238E27FC236}">
+                <a16:creationId xmlns:a16="http://schemas.microsoft.com/office/drawing/2014/main" id="{150661A6-EE91-212E-2438-1B5E119F7C72}"/>
+              </a:ext>
+            </a:extLst>
+          </p:cNvPr>
+          <p:cNvSpPr/>
+          <p:nvPr/>
+        </p:nvSpPr>
+        <p:spPr>
+          <a:xfrm>
+            <a:off x="6115380" y="4201808"/>
+            <a:ext cx="288032" cy="301724"/>
+          </a:xfrm>
+          <a:prstGeom prst="roundRect">
+            <a:avLst>
+              <a:gd name="adj" fmla="val 13068"/>
+            </a:avLst>
+          </a:prstGeom>
+          <a:ln w="12700"/>
+        </p:spPr>
+        <p:style>
+          <a:lnRef idx="2">
+            <a:schemeClr val="dk1"/>
+          </a:lnRef>
+          <a:fillRef idx="1">
+            <a:schemeClr val="lt1"/>
+          </a:fillRef>
+          <a:effectRef idx="0">
+            <a:schemeClr val="dk1"/>
+          </a:effectRef>
+          <a:fontRef idx="minor">
+            <a:schemeClr val="dk1"/>
+          </a:fontRef>
+        </p:style>
+        <p:txBody>
+          <a:bodyPr rtlCol="0" anchor="ctr"/>
+          <a:lstStyle/>
+          <a:p>
+            <a:pPr algn="ctr"/>
+            <a:r>
+              <a:rPr lang="en-US" altLang="ko-KR" sz="1000"/>
+              <a:t>s</a:t>
+            </a:r>
+            <a:endParaRPr lang="ko-KR" altLang="en-US" sz="1000"/>
+          </a:p>
+        </p:txBody>
+      </p:sp>
+      <p:sp>
+        <p:nvSpPr>
+          <p:cNvPr id="28" name="TextBox 27">
+            <a:extLst>
+              <a:ext uri="{FF2B5EF4-FFF2-40B4-BE49-F238E27FC236}">
+                <a16:creationId xmlns:a16="http://schemas.microsoft.com/office/drawing/2014/main" id="{411717BE-C883-AF14-609C-DE402AA54096}"/>
+              </a:ext>
+            </a:extLst>
+          </p:cNvPr>
+          <p:cNvSpPr txBox="1"/>
+          <p:nvPr/>
+        </p:nvSpPr>
+        <p:spPr>
+          <a:xfrm>
+            <a:off x="6472985" y="4232597"/>
+            <a:ext cx="1170536" cy="246221"/>
+          </a:xfrm>
+          <a:prstGeom prst="rect">
+            <a:avLst/>
+          </a:prstGeom>
+          <a:noFill/>
+        </p:spPr>
+        <p:txBody>
+          <a:bodyPr wrap="square" rtlCol="0">
+            <a:spAutoFit/>
+          </a:bodyPr>
+          <a:lstStyle/>
+          <a:p>
+            <a:r>
+              <a:rPr lang="en-KR" sz="1000"/>
+              <a:t>: </a:t>
+            </a:r>
+            <a:r>
+              <a:rPr lang="en-US" sz="1000"/>
+              <a:t>Data Source</a:t>
+            </a:r>
+            <a:endParaRPr lang="en-KR" sz="1000"/>
+          </a:p>
+        </p:txBody>
+      </p:sp>
+      <p:sp>
+        <p:nvSpPr>
+          <p:cNvPr id="29" name="모서리가 둥근 직사각형 2">
+            <a:extLst>
+              <a:ext uri="{FF2B5EF4-FFF2-40B4-BE49-F238E27FC236}">
+                <a16:creationId xmlns:a16="http://schemas.microsoft.com/office/drawing/2014/main" id="{C8B79810-FEF3-EE9B-7584-D40654A7AEA8}"/>
+              </a:ext>
+            </a:extLst>
+          </p:cNvPr>
+          <p:cNvSpPr/>
+          <p:nvPr/>
+        </p:nvSpPr>
+        <p:spPr>
+          <a:xfrm>
+            <a:off x="6115380" y="4597392"/>
+            <a:ext cx="288032" cy="301724"/>
+          </a:xfrm>
+          <a:prstGeom prst="roundRect">
+            <a:avLst>
+              <a:gd name="adj" fmla="val 13068"/>
+            </a:avLst>
+          </a:prstGeom>
+          <a:ln w="12700"/>
+        </p:spPr>
+        <p:style>
+          <a:lnRef idx="2">
+            <a:schemeClr val="dk1"/>
+          </a:lnRef>
+          <a:fillRef idx="1">
+            <a:schemeClr val="lt1"/>
+          </a:fillRef>
+          <a:effectRef idx="0">
+            <a:schemeClr val="dk1"/>
+          </a:effectRef>
+          <a:fontRef idx="minor">
+            <a:schemeClr val="dk1"/>
+          </a:fontRef>
+        </p:style>
+        <p:txBody>
+          <a:bodyPr rtlCol="0" anchor="ctr"/>
+          <a:lstStyle/>
+          <a:p>
+            <a:pPr algn="ctr"/>
+            <a:r>
+              <a:rPr lang="en-US" altLang="ko-KR" sz="1000"/>
+              <a:t>r</a:t>
+            </a:r>
+            <a:endParaRPr lang="ko-KR" altLang="en-US" sz="1000"/>
+          </a:p>
+        </p:txBody>
+      </p:sp>
+      <p:sp>
+        <p:nvSpPr>
+          <p:cNvPr id="30" name="TextBox 29">
+            <a:extLst>
+              <a:ext uri="{FF2B5EF4-FFF2-40B4-BE49-F238E27FC236}">
+                <a16:creationId xmlns:a16="http://schemas.microsoft.com/office/drawing/2014/main" id="{FDC596C8-1836-C228-FE12-702AE71A37CE}"/>
+              </a:ext>
+            </a:extLst>
+          </p:cNvPr>
+          <p:cNvSpPr txBox="1"/>
+          <p:nvPr/>
+        </p:nvSpPr>
+        <p:spPr>
+          <a:xfrm>
+            <a:off x="6472985" y="4625417"/>
+            <a:ext cx="1170536" cy="246221"/>
+          </a:xfrm>
+          <a:prstGeom prst="rect">
+            <a:avLst/>
+          </a:prstGeom>
+          <a:noFill/>
+        </p:spPr>
+        <p:txBody>
+          <a:bodyPr wrap="square" rtlCol="0">
+            <a:spAutoFit/>
+          </a:bodyPr>
+          <a:lstStyle/>
+          <a:p>
+            <a:r>
+              <a:rPr lang="en-KR" sz="1000"/>
+              <a:t>: Result </a:t>
+            </a:r>
+            <a:r>
+              <a:rPr lang="en-US" sz="1000"/>
+              <a:t>Block</a:t>
+            </a:r>
+            <a:endParaRPr lang="en-KR" sz="1000"/>
+          </a:p>
+        </p:txBody>
+      </p:sp>
+    </p:spTree>
+    <p:extLst>
+      <p:ext uri="{BB962C8B-B14F-4D97-AF65-F5344CB8AC3E}">
+        <p14:creationId xmlns:p14="http://schemas.microsoft.com/office/powerpoint/2010/main" val="545691584"/>
       </p:ext>
     </p:extLst>
   </p:cSld>
